--- a/ビジネスモデル.pptx
+++ b/ビジネスモデル.pptx
@@ -5,11 +5,12 @@
     <p:sldMasterId id="2147483648" r:id="rId1"/>
   </p:sldMasterIdLst>
   <p:notesMasterIdLst>
-    <p:notesMasterId r:id="rId4"/>
+    <p:notesMasterId r:id="rId5"/>
   </p:notesMasterIdLst>
   <p:sldIdLst>
-    <p:sldId id="256" r:id="rId2"/>
-    <p:sldId id="257" r:id="rId3"/>
+    <p:sldId id="258" r:id="rId2"/>
+    <p:sldId id="259" r:id="rId3"/>
+    <p:sldId id="256" r:id="rId4"/>
   </p:sldIdLst>
   <p:sldSz cx="12192000" cy="6858000"/>
   <p:notesSz cx="6858000" cy="9144000"/>
@@ -544,7 +545,25 @@
           <a:p>
             <a:r>
               <a:rPr kumimoji="1" lang="ja-JP" altLang="en-US" dirty="0" smtClean="0"/>
-              <a:t>ストック管理</a:t>
+              <a:t>■顧客提供価値</a:t>
+            </a:r>
+            <a:r>
+              <a:rPr kumimoji="1" lang="en-US" altLang="ja-JP" dirty="0" smtClean="0"/>
+              <a:t>(</a:t>
+            </a:r>
+            <a:r>
+              <a:rPr kumimoji="1" lang="ja-JP" altLang="en-US" dirty="0" smtClean="0"/>
+              <a:t>競合ソリューションとの比較</a:t>
+            </a:r>
+            <a:r>
+              <a:rPr kumimoji="1" lang="en-US" altLang="ja-JP" dirty="0" smtClean="0"/>
+              <a:t>)</a:t>
+            </a:r>
+          </a:p>
+          <a:p>
+            <a:r>
+              <a:rPr kumimoji="1" lang="ja-JP" altLang="en-US" dirty="0" smtClean="0"/>
+              <a:t>・</a:t>
             </a:r>
             <a:r>
               <a:rPr kumimoji="1" lang="en-US" altLang="ja-JP" dirty="0" err="1" smtClean="0"/>
@@ -552,37 +571,90 @@
             </a:r>
             <a:r>
               <a:rPr kumimoji="1" lang="ja-JP" altLang="en-US" dirty="0" smtClean="0"/>
-              <a:t>で稼ぐためのシナリオ</a:t>
+              <a:t>デバイスの自宅のストック管理を目的とした商品はトレンドとなりつつあります。</a:t>
+            </a:r>
+          </a:p>
+          <a:p>
+            <a:r>
+              <a:rPr kumimoji="1" lang="ja-JP" altLang="en-US" dirty="0" smtClean="0"/>
+              <a:t>　自動発注に特化した</a:t>
+            </a:r>
+            <a:r>
+              <a:rPr kumimoji="1" lang="en-US" altLang="ja-JP" dirty="0" err="1" smtClean="0"/>
+              <a:t>AmazonDash</a:t>
+            </a:r>
+            <a:r>
+              <a:rPr kumimoji="1" lang="ja-JP" altLang="en-US" dirty="0" smtClean="0"/>
+              <a:t>ボタンや、</a:t>
             </a:r>
             <a:r>
               <a:rPr kumimoji="1" lang="en-US" altLang="ja-JP" dirty="0" smtClean="0"/>
-              <a:t>(</a:t>
+              <a:t>Amazon</a:t>
             </a:r>
             <a:r>
               <a:rPr kumimoji="1" lang="ja-JP" altLang="en-US" dirty="0" smtClean="0"/>
-              <a:t>デバイス</a:t>
+              <a:t>「</a:t>
             </a:r>
             <a:r>
               <a:rPr kumimoji="1" lang="en-US" altLang="ja-JP" dirty="0" smtClean="0"/>
-              <a:t>)</a:t>
-            </a:r>
-          </a:p>
-          <a:p>
+              <a:t>Alexa</a:t>
+            </a:r>
             <a:r>
               <a:rPr kumimoji="1" lang="ja-JP" altLang="en-US" dirty="0" smtClean="0"/>
-              <a:t>・ストック管理機能だけの製品を生産し、投資回収することは難しい。</a:t>
+              <a:t>」に対応した「スマート冷蔵庫」など</a:t>
             </a:r>
           </a:p>
           <a:p>
             <a:r>
               <a:rPr kumimoji="1" lang="ja-JP" altLang="en-US" dirty="0" smtClean="0"/>
-              <a:t>・インテリア雑貨等にビルドインしやすい、コースター程度の大きさの重量計測センサモジュールを開発</a:t>
-            </a:r>
-          </a:p>
-          <a:p>
+              <a:t>　が</a:t>
+            </a:r>
+            <a:r>
+              <a:rPr kumimoji="1" lang="en-US" altLang="ja-JP" dirty="0" smtClean="0"/>
+              <a:t>LG</a:t>
+            </a:r>
             <a:r>
               <a:rPr kumimoji="1" lang="ja-JP" altLang="en-US" dirty="0" smtClean="0"/>
-              <a:t>・現状のインテリアにちょい足しできるサイズで、自宅の家具やホームファッション、小売・流通などでインテリア雑貨でセット販売をする。</a:t>
+              <a:t>やサムスン電子が発表されています。</a:t>
+            </a:r>
+          </a:p>
+          <a:p>
+            <a:r>
+              <a:rPr kumimoji="1" lang="ja-JP" altLang="en-US" dirty="0" smtClean="0"/>
+              <a:t>　これらのデバイスは自動発注やショッピングリスト管理等、様々なことができますが、</a:t>
+            </a:r>
+          </a:p>
+          <a:p>
+            <a:r>
+              <a:rPr kumimoji="1" lang="ja-JP" altLang="en-US" dirty="0" smtClean="0"/>
+              <a:t>　私は残量通知機能のみに絞って、サービスを展開することで「シンプルな価値」</a:t>
+            </a:r>
+          </a:p>
+          <a:p>
+            <a:r>
+              <a:rPr kumimoji="1" lang="ja-JP" altLang="en-US" dirty="0" smtClean="0"/>
+              <a:t>　を届けれると考えています。</a:t>
+            </a:r>
+          </a:p>
+          <a:p>
+            <a:endParaRPr kumimoji="1" lang="ja-JP" altLang="en-US" dirty="0" smtClean="0"/>
+          </a:p>
+          <a:p>
+            <a:r>
+              <a:rPr kumimoji="1" lang="ja-JP" altLang="en-US" dirty="0" smtClean="0"/>
+              <a:t>　商品を買う　→　商品を買う瞬間を助ける</a:t>
+            </a:r>
+          </a:p>
+          <a:p>
+            <a:r>
+              <a:rPr kumimoji="1" lang="ja-JP" altLang="en-US" dirty="0" smtClean="0"/>
+              <a:t>　</a:t>
+            </a:r>
+          </a:p>
+          <a:p>
+            <a:r>
+              <a:rPr kumimoji="1" lang="ja-JP" altLang="en-US" dirty="0" smtClean="0"/>
+              <a:t>　多機能　　　→　単機能</a:t>
             </a:r>
             <a:endParaRPr kumimoji="1" lang="ja-JP" altLang="en-US" dirty="0"/>
           </a:p>
@@ -614,7 +686,7 @@
     </p:spTree>
     <p:extLst>
       <p:ext uri="{BB962C8B-B14F-4D97-AF65-F5344CB8AC3E}">
-        <p14:creationId xmlns:p14="http://schemas.microsoft.com/office/powerpoint/2010/main" val="2087919344"/>
+        <p14:creationId xmlns:p14="http://schemas.microsoft.com/office/powerpoint/2010/main" val="3876769821"/>
       </p:ext>
     </p:extLst>
   </p:cSld>
@@ -669,152 +741,42 @@
           <a:lstStyle/>
           <a:p>
             <a:r>
+              <a:rPr kumimoji="1" lang="ja-JP" altLang="en-US" dirty="0" smtClean="0"/>
+              <a:t>■ストック管理</a:t>
+            </a:r>
+            <a:r>
+              <a:rPr kumimoji="1" lang="en-US" altLang="ja-JP" dirty="0" err="1" smtClean="0"/>
+              <a:t>IoT</a:t>
+            </a:r>
+            <a:r>
+              <a:rPr kumimoji="1" lang="ja-JP" altLang="en-US" dirty="0" smtClean="0"/>
+              <a:t>で稼ぐためのシナリオ</a:t>
+            </a:r>
+            <a:r>
               <a:rPr kumimoji="1" lang="en-US" altLang="ja-JP" dirty="0" smtClean="0"/>
-              <a:t>【</a:t>
+              <a:t>(</a:t>
             </a:r>
             <a:r>
               <a:rPr kumimoji="1" lang="ja-JP" altLang="en-US" dirty="0" smtClean="0"/>
-              <a:t>このページのメッセージ、狙いなど</a:t>
+              <a:t>デバイス</a:t>
             </a:r>
             <a:r>
               <a:rPr kumimoji="1" lang="en-US" altLang="ja-JP" dirty="0" smtClean="0"/>
-              <a:t>】</a:t>
-            </a:r>
-          </a:p>
-          <a:p>
-            <a:r>
-              <a:rPr kumimoji="1" lang="ja-JP" altLang="en-US" b="1" dirty="0" smtClean="0"/>
-              <a:t>プラットフォームとしては、コンスーマ向け術に対応した５つ、プラスアルファの提供要素があることをイメージしてもらう</a:t>
-            </a:r>
-            <a:endParaRPr kumimoji="1" lang="en-US" altLang="ja-JP" b="1" dirty="0" smtClean="0"/>
-          </a:p>
-          <a:p>
-            <a:r>
-              <a:rPr kumimoji="1" lang="ja-JP" altLang="en-US" b="1" dirty="0" smtClean="0"/>
-              <a:t>中でも</a:t>
-            </a:r>
-            <a:r>
-              <a:rPr kumimoji="1" lang="en-US" altLang="ja-JP" b="1" dirty="0" smtClean="0"/>
-              <a:t>AI</a:t>
-            </a:r>
-            <a:r>
-              <a:rPr kumimoji="1" lang="ja-JP" altLang="en-US" b="1" dirty="0" smtClean="0"/>
-              <a:t>化の</a:t>
-            </a:r>
-            <a:r>
-              <a:rPr kumimoji="1" lang="en-US" altLang="ja-JP" b="1" dirty="0" smtClean="0"/>
-              <a:t>3</a:t>
-            </a:r>
-            <a:r>
-              <a:rPr kumimoji="1" lang="ja-JP" altLang="en-US" b="1" dirty="0" smtClean="0"/>
-              <a:t>パッケージが中心になることを訴える</a:t>
-            </a:r>
-            <a:endParaRPr kumimoji="1" lang="en-US" altLang="ja-JP" b="1" dirty="0" smtClean="0"/>
-          </a:p>
-          <a:p>
-            <a:endParaRPr kumimoji="1" lang="en-US" altLang="ja-JP" dirty="0" smtClean="0"/>
+              <a:t>)</a:t>
+            </a:r>
           </a:p>
           <a:p>
             <a:r>
               <a:rPr kumimoji="1" lang="ja-JP" altLang="en-US" dirty="0" smtClean="0"/>
-              <a:t>・</a:t>
-            </a:r>
-            <a:r>
-              <a:rPr kumimoji="1" lang="en-US" altLang="ja-JP" dirty="0" smtClean="0"/>
-              <a:t>5</a:t>
-            </a:r>
-            <a:r>
-              <a:rPr kumimoji="1" lang="ja-JP" altLang="en-US" dirty="0" err="1" smtClean="0"/>
-              <a:t>つの</a:t>
-            </a:r>
+              <a:t>・センサはあくまでも「ちょい足し」インテリア</a:t>
+            </a:r>
+          </a:p>
+          <a:p>
             <a:r>
               <a:rPr kumimoji="1" lang="ja-JP" altLang="en-US" dirty="0" smtClean="0"/>
-              <a:t>技術がビジネス用途向け</a:t>
-            </a:r>
-            <a:r>
-              <a:rPr kumimoji="1" lang="en-US" altLang="ja-JP" dirty="0" smtClean="0"/>
-              <a:t>PF</a:t>
-            </a:r>
-            <a:r>
-              <a:rPr kumimoji="1" lang="ja-JP" altLang="en-US" dirty="0" smtClean="0"/>
-              <a:t>としてどのような関係にあるのかを示したのがこの図</a:t>
-            </a:r>
-            <a:endParaRPr kumimoji="1" lang="en-US" altLang="ja-JP" dirty="0" smtClean="0"/>
-          </a:p>
-          <a:p>
-            <a:r>
-              <a:rPr kumimoji="1" lang="ja-JP" altLang="en-US" dirty="0" smtClean="0"/>
-              <a:t>・</a:t>
-            </a:r>
-            <a:r>
-              <a:rPr kumimoji="1" lang="en-US" altLang="ja-JP" dirty="0" smtClean="0"/>
-              <a:t>AI</a:t>
-            </a:r>
-            <a:r>
-              <a:rPr kumimoji="1" lang="ja-JP" altLang="en-US" dirty="0" smtClean="0"/>
-              <a:t>化を支える３つのパッケージ（音声対話・データセンシング・インテリジェンス）があり、そこにつながるための２つの技術（</a:t>
-            </a:r>
-            <a:r>
-              <a:rPr kumimoji="1" lang="en-US" altLang="ja-JP" dirty="0" err="1" smtClean="0"/>
-              <a:t>AIoT</a:t>
-            </a:r>
-            <a:r>
-              <a:rPr kumimoji="1" lang="ja-JP" altLang="en-US" dirty="0" smtClean="0"/>
-              <a:t>モジュール・</a:t>
-            </a:r>
-            <a:r>
-              <a:rPr kumimoji="1" lang="en-US" altLang="ja-JP" dirty="0" err="1" smtClean="0"/>
-              <a:t>WebAPI</a:t>
-            </a:r>
-            <a:r>
-              <a:rPr kumimoji="1" lang="ja-JP" altLang="en-US" dirty="0" smtClean="0"/>
-              <a:t>）を提供する</a:t>
-            </a:r>
-            <a:endParaRPr kumimoji="1" lang="en-US" altLang="ja-JP" dirty="0" smtClean="0"/>
-          </a:p>
-          <a:p>
-            <a:r>
-              <a:rPr kumimoji="1" lang="ja-JP" altLang="en-US" dirty="0" smtClean="0"/>
-              <a:t>・さらに、お客様ビジネスを加速させるための拡張サービスを提供する</a:t>
-            </a:r>
-            <a:endParaRPr kumimoji="1" lang="en-US" altLang="ja-JP" dirty="0" smtClean="0"/>
-          </a:p>
-          <a:p>
-            <a:endParaRPr kumimoji="1" lang="en-US" altLang="ja-JP" dirty="0" smtClean="0"/>
-          </a:p>
-          <a:p>
-            <a:r>
-              <a:rPr kumimoji="1" lang="en-US" altLang="ja-JP" dirty="0" smtClean="0"/>
-              <a:t>【</a:t>
-            </a:r>
-            <a:r>
-              <a:rPr kumimoji="1" lang="ja-JP" altLang="en-US" dirty="0" smtClean="0"/>
-              <a:t>口頭補足すべき内容など</a:t>
-            </a:r>
-            <a:r>
-              <a:rPr kumimoji="1" lang="en-US" altLang="ja-JP" dirty="0" smtClean="0"/>
-              <a:t>】</a:t>
-            </a:r>
-          </a:p>
-          <a:p>
-            <a:endParaRPr kumimoji="1" lang="en-US" altLang="ja-JP" dirty="0" smtClean="0"/>
-          </a:p>
-          <a:p>
-            <a:r>
-              <a:rPr kumimoji="1" lang="en-US" altLang="ja-JP" dirty="0" smtClean="0"/>
-              <a:t>【</a:t>
-            </a:r>
-            <a:r>
-              <a:rPr kumimoji="1" lang="ja-JP" altLang="en-US" dirty="0" smtClean="0"/>
-              <a:t>サンプルスクリプト</a:t>
-            </a:r>
-            <a:r>
-              <a:rPr kumimoji="1" lang="en-US" altLang="ja-JP" dirty="0" smtClean="0"/>
-              <a:t>】</a:t>
-            </a:r>
-          </a:p>
-          <a:p>
-            <a:endParaRPr kumimoji="1" lang="en-US" altLang="ja-JP" b="1" dirty="0" smtClean="0"/>
+              <a:t>・ユーザーにストレスなく、コースター程度のサイズにする必要がある。</a:t>
+            </a:r>
+            <a:endParaRPr kumimoji="1" lang="ja-JP" altLang="en-US" dirty="0"/>
           </a:p>
         </p:txBody>
       </p:sp>
@@ -833,9 +795,8 @@
           <a:bodyPr/>
           <a:lstStyle/>
           <a:p>
-            <a:fld id="{A8B98A67-817B-4996-84C7-A7269BC6A45D}" type="slidenum">
-              <a:rPr kumimoji="1" lang="ja-JP" altLang="en-US" smtClean="0"/>
-              <a:pPr/>
+            <a:fld id="{688632BE-9443-48C5-95CB-B23068447A12}" type="slidenum">
+              <a:rPr kumimoji="1" lang="ja-JP" altLang="en-US" smtClean="0"/>
               <a:t>2</a:t>
             </a:fld>
             <a:endParaRPr kumimoji="1" lang="ja-JP" altLang="en-US"/>
@@ -845,7 +806,156 @@
     </p:spTree>
     <p:extLst>
       <p:ext uri="{BB962C8B-B14F-4D97-AF65-F5344CB8AC3E}">
-        <p14:creationId xmlns:p14="http://schemas.microsoft.com/office/powerpoint/2010/main" val="2551244146"/>
+        <p14:creationId xmlns:p14="http://schemas.microsoft.com/office/powerpoint/2010/main" val="343424895"/>
+      </p:ext>
+    </p:extLst>
+  </p:cSld>
+  <p:clrMapOvr>
+    <a:masterClrMapping/>
+  </p:clrMapOvr>
+</p:notes>
+</file>
+
+<file path=ppt/notesSlides/notesSlide3.xml><?xml version="1.0" encoding="utf-8"?>
+<p:notes xmlns:a="http://schemas.openxmlformats.org/drawingml/2006/main" xmlns:r="http://schemas.openxmlformats.org/officeDocument/2006/relationships" xmlns:p="http://schemas.openxmlformats.org/presentationml/2006/main">
+  <p:cSld>
+    <p:spTree>
+      <p:nvGrpSpPr>
+        <p:cNvPr id="1" name=""/>
+        <p:cNvGrpSpPr/>
+        <p:nvPr/>
+      </p:nvGrpSpPr>
+      <p:grpSpPr>
+        <a:xfrm>
+          <a:off x="0" y="0"/>
+          <a:ext cx="0" cy="0"/>
+          <a:chOff x="0" y="0"/>
+          <a:chExt cx="0" cy="0"/>
+        </a:xfrm>
+      </p:grpSpPr>
+      <p:sp>
+        <p:nvSpPr>
+          <p:cNvPr id="2" name="スライド イメージ プレースホルダー 1"/>
+          <p:cNvSpPr>
+            <a:spLocks noGrp="1" noRot="1" noChangeAspect="1"/>
+          </p:cNvSpPr>
+          <p:nvPr>
+            <p:ph type="sldImg"/>
+          </p:nvPr>
+        </p:nvSpPr>
+        <p:spPr/>
+      </p:sp>
+      <p:sp>
+        <p:nvSpPr>
+          <p:cNvPr id="3" name="ノート プレースホルダー 2"/>
+          <p:cNvSpPr>
+            <a:spLocks noGrp="1"/>
+          </p:cNvSpPr>
+          <p:nvPr>
+            <p:ph type="body" idx="1"/>
+          </p:nvPr>
+        </p:nvSpPr>
+        <p:spPr/>
+        <p:txBody>
+          <a:bodyPr/>
+          <a:lstStyle/>
+          <a:p>
+            <a:r>
+              <a:rPr kumimoji="1" lang="ja-JP" altLang="en-US" dirty="0" smtClean="0"/>
+              <a:t>ストック管理</a:t>
+            </a:r>
+            <a:r>
+              <a:rPr kumimoji="1" lang="en-US" altLang="ja-JP" dirty="0" err="1" smtClean="0"/>
+              <a:t>IoT</a:t>
+            </a:r>
+            <a:r>
+              <a:rPr kumimoji="1" lang="ja-JP" altLang="en-US" dirty="0" smtClean="0"/>
+              <a:t>で稼ぐためのシナリオ</a:t>
+            </a:r>
+            <a:r>
+              <a:rPr kumimoji="1" lang="en-US" altLang="ja-JP" dirty="0" smtClean="0"/>
+              <a:t>(</a:t>
+            </a:r>
+            <a:r>
+              <a:rPr kumimoji="1" lang="ja-JP" altLang="en-US" dirty="0" smtClean="0"/>
+              <a:t>クラウドサービス</a:t>
+            </a:r>
+            <a:r>
+              <a:rPr kumimoji="1" lang="en-US" altLang="ja-JP" dirty="0" smtClean="0"/>
+              <a:t>)</a:t>
+            </a:r>
+          </a:p>
+          <a:p>
+            <a:r>
+              <a:rPr kumimoji="1" lang="ja-JP" altLang="en-US" dirty="0" smtClean="0"/>
+              <a:t>・各センサからクラウドに集まったデータを収集・分析する</a:t>
+            </a:r>
+          </a:p>
+          <a:p>
+            <a:r>
+              <a:rPr kumimoji="1" lang="ja-JP" altLang="en-US" dirty="0" smtClean="0"/>
+              <a:t>・例えば、調味料メーカーへの提案に対しては、調味料の使用頻度データを分析</a:t>
+            </a:r>
+          </a:p>
+          <a:p>
+            <a:r>
+              <a:rPr kumimoji="1" lang="ja-JP" altLang="en-US" dirty="0" smtClean="0"/>
+              <a:t>　自社の調味料の利用頻度や、１回あたりの使用頻度などのデータ蓄積、把握が可能となる。</a:t>
+            </a:r>
+          </a:p>
+          <a:p>
+            <a:endParaRPr kumimoji="1" lang="ja-JP" altLang="en-US" dirty="0" smtClean="0"/>
+          </a:p>
+          <a:p>
+            <a:r>
+              <a:rPr kumimoji="1" lang="ja-JP" altLang="en-US" dirty="0" smtClean="0"/>
+              <a:t>・また、同じ調味料を習慣的に購買させるため、</a:t>
+            </a:r>
+            <a:r>
+              <a:rPr kumimoji="1" lang="en-US" altLang="ja-JP" dirty="0" smtClean="0"/>
+              <a:t>LINE</a:t>
+            </a:r>
+            <a:r>
+              <a:rPr kumimoji="1" lang="ja-JP" altLang="en-US" dirty="0" smtClean="0"/>
+              <a:t>通知を利用して、</a:t>
+            </a:r>
+          </a:p>
+          <a:p>
+            <a:r>
+              <a:rPr kumimoji="1" lang="ja-JP" altLang="en-US" smtClean="0"/>
+              <a:t>　残量通知のタイミングで広告を出すことも可能。</a:t>
+            </a:r>
+            <a:endParaRPr kumimoji="1" lang="ja-JP" altLang="en-US" dirty="0" smtClean="0"/>
+          </a:p>
+        </p:txBody>
+      </p:sp>
+      <p:sp>
+        <p:nvSpPr>
+          <p:cNvPr id="4" name="スライド番号プレースホルダー 3"/>
+          <p:cNvSpPr>
+            <a:spLocks noGrp="1"/>
+          </p:cNvSpPr>
+          <p:nvPr>
+            <p:ph type="sldNum" sz="quarter" idx="10"/>
+          </p:nvPr>
+        </p:nvSpPr>
+        <p:spPr/>
+        <p:txBody>
+          <a:bodyPr/>
+          <a:lstStyle/>
+          <a:p>
+            <a:fld id="{688632BE-9443-48C5-95CB-B23068447A12}" type="slidenum">
+              <a:rPr kumimoji="1" lang="ja-JP" altLang="en-US" smtClean="0"/>
+              <a:t>3</a:t>
+            </a:fld>
+            <a:endParaRPr kumimoji="1" lang="ja-JP" altLang="en-US"/>
+          </a:p>
+        </p:txBody>
+      </p:sp>
+    </p:spTree>
+    <p:extLst>
+      <p:ext uri="{BB962C8B-B14F-4D97-AF65-F5344CB8AC3E}">
+        <p14:creationId xmlns:p14="http://schemas.microsoft.com/office/powerpoint/2010/main" val="2087919344"/>
       </p:ext>
     </p:extLst>
   </p:cSld>
@@ -3984,6 +4094,1428 @@
 </file>
 
 <file path=ppt/slides/slide1.xml><?xml version="1.0" encoding="utf-8"?>
+<p:sld xmlns:a="http://schemas.openxmlformats.org/drawingml/2006/main" xmlns:r="http://schemas.openxmlformats.org/officeDocument/2006/relationships" xmlns:p="http://schemas.openxmlformats.org/presentationml/2006/main">
+  <p:cSld>
+    <p:spTree>
+      <p:nvGrpSpPr>
+        <p:cNvPr id="1" name=""/>
+        <p:cNvGrpSpPr/>
+        <p:nvPr/>
+      </p:nvGrpSpPr>
+      <p:grpSpPr>
+        <a:xfrm>
+          <a:off x="0" y="0"/>
+          <a:ext cx="0" cy="0"/>
+          <a:chOff x="0" y="0"/>
+          <a:chExt cx="0" cy="0"/>
+        </a:xfrm>
+      </p:grpSpPr>
+      <p:sp>
+        <p:nvSpPr>
+          <p:cNvPr id="10" name="二等辺三角形 9"/>
+          <p:cNvSpPr/>
+          <p:nvPr/>
+        </p:nvSpPr>
+        <p:spPr>
+          <a:xfrm rot="5400000">
+            <a:off x="4000476" y="2000881"/>
+            <a:ext cx="5230815" cy="3119326"/>
+          </a:xfrm>
+          <a:prstGeom prst="triangle">
+            <a:avLst/>
+          </a:prstGeom>
+          <a:solidFill>
+            <a:schemeClr val="accent2">
+              <a:lumMod val="20000"/>
+              <a:lumOff val="80000"/>
+            </a:schemeClr>
+          </a:solidFill>
+          <a:ln>
+            <a:noFill/>
+          </a:ln>
+        </p:spPr>
+        <p:style>
+          <a:lnRef idx="2">
+            <a:schemeClr val="accent1">
+              <a:shade val="50000"/>
+            </a:schemeClr>
+          </a:lnRef>
+          <a:fillRef idx="1">
+            <a:schemeClr val="accent1"/>
+          </a:fillRef>
+          <a:effectRef idx="0">
+            <a:schemeClr val="accent1"/>
+          </a:effectRef>
+          <a:fontRef idx="minor">
+            <a:schemeClr val="lt1"/>
+          </a:fontRef>
+        </p:style>
+        <p:txBody>
+          <a:bodyPr rtlCol="0" anchor="ctr"/>
+          <a:lstStyle/>
+          <a:p>
+            <a:pPr algn="ctr"/>
+            <a:endParaRPr kumimoji="1" lang="ja-JP" altLang="en-US"/>
+          </a:p>
+        </p:txBody>
+      </p:sp>
+      <p:pic>
+        <p:nvPicPr>
+          <p:cNvPr id="2" name="図 1"/>
+          <p:cNvPicPr>
+            <a:picLocks noChangeAspect="1"/>
+          </p:cNvPicPr>
+          <p:nvPr/>
+        </p:nvPicPr>
+        <p:blipFill>
+          <a:blip r:embed="rId3" cstate="screen">
+            <a:extLst>
+              <a:ext uri="{28A0092B-C50C-407E-A947-70E740481C1C}">
+                <a14:useLocalDpi xmlns:a14="http://schemas.microsoft.com/office/drawing/2010/main"/>
+              </a:ext>
+            </a:extLst>
+          </a:blip>
+          <a:stretch>
+            <a:fillRect/>
+          </a:stretch>
+        </p:blipFill>
+        <p:spPr>
+          <a:xfrm>
+            <a:off x="638347" y="750886"/>
+            <a:ext cx="3319056" cy="1681954"/>
+          </a:xfrm>
+          <a:prstGeom prst="rect">
+            <a:avLst/>
+          </a:prstGeom>
+        </p:spPr>
+      </p:pic>
+      <p:pic>
+        <p:nvPicPr>
+          <p:cNvPr id="3" name="図 2"/>
+          <p:cNvPicPr>
+            <a:picLocks noChangeAspect="1"/>
+          </p:cNvPicPr>
+          <p:nvPr/>
+        </p:nvPicPr>
+        <p:blipFill>
+          <a:blip r:embed="rId4" cstate="screen">
+            <a:extLst>
+              <a:ext uri="{28A0092B-C50C-407E-A947-70E740481C1C}">
+                <a14:useLocalDpi xmlns:a14="http://schemas.microsoft.com/office/drawing/2010/main"/>
+              </a:ext>
+            </a:extLst>
+          </a:blip>
+          <a:stretch>
+            <a:fillRect/>
+          </a:stretch>
+        </p:blipFill>
+        <p:spPr>
+          <a:xfrm>
+            <a:off x="638347" y="3047317"/>
+            <a:ext cx="3040825" cy="2284420"/>
+          </a:xfrm>
+          <a:prstGeom prst="rect">
+            <a:avLst/>
+          </a:prstGeom>
+        </p:spPr>
+      </p:pic>
+      <p:sp>
+        <p:nvSpPr>
+          <p:cNvPr id="4" name="正方形/長方形 3"/>
+          <p:cNvSpPr/>
+          <p:nvPr/>
+        </p:nvSpPr>
+        <p:spPr>
+          <a:xfrm>
+            <a:off x="4348063" y="1324947"/>
+            <a:ext cx="3143603" cy="533833"/>
+          </a:xfrm>
+          <a:prstGeom prst="rect">
+            <a:avLst/>
+          </a:prstGeom>
+          <a:solidFill>
+            <a:schemeClr val="accent2"/>
+          </a:solidFill>
+          <a:ln>
+            <a:noFill/>
+          </a:ln>
+        </p:spPr>
+        <p:style>
+          <a:lnRef idx="2">
+            <a:schemeClr val="accent1">
+              <a:shade val="50000"/>
+            </a:schemeClr>
+          </a:lnRef>
+          <a:fillRef idx="1">
+            <a:schemeClr val="accent1"/>
+          </a:fillRef>
+          <a:effectRef idx="0">
+            <a:schemeClr val="accent1"/>
+          </a:effectRef>
+          <a:fontRef idx="minor">
+            <a:schemeClr val="lt1"/>
+          </a:fontRef>
+        </p:style>
+        <p:txBody>
+          <a:bodyPr rtlCol="0" anchor="ctr"/>
+          <a:lstStyle/>
+          <a:p>
+            <a:pPr algn="ctr"/>
+            <a:r>
+              <a:rPr lang="ja-JP" altLang="en-US" dirty="0" smtClean="0"/>
+              <a:t>自動発注</a:t>
+            </a:r>
+            <a:endParaRPr kumimoji="1" lang="en-US" altLang="ja-JP" dirty="0" smtClean="0"/>
+          </a:p>
+        </p:txBody>
+      </p:sp>
+      <p:sp>
+        <p:nvSpPr>
+          <p:cNvPr id="5" name="正方形/長方形 4"/>
+          <p:cNvSpPr/>
+          <p:nvPr/>
+        </p:nvSpPr>
+        <p:spPr>
+          <a:xfrm>
+            <a:off x="4363053" y="2800711"/>
+            <a:ext cx="3143606" cy="533833"/>
+          </a:xfrm>
+          <a:prstGeom prst="rect">
+            <a:avLst/>
+          </a:prstGeom>
+          <a:solidFill>
+            <a:schemeClr val="accent2"/>
+          </a:solidFill>
+          <a:ln>
+            <a:noFill/>
+          </a:ln>
+        </p:spPr>
+        <p:style>
+          <a:lnRef idx="2">
+            <a:schemeClr val="accent1">
+              <a:shade val="50000"/>
+            </a:schemeClr>
+          </a:lnRef>
+          <a:fillRef idx="1">
+            <a:schemeClr val="accent1"/>
+          </a:fillRef>
+          <a:effectRef idx="0">
+            <a:schemeClr val="accent1"/>
+          </a:effectRef>
+          <a:fontRef idx="minor">
+            <a:schemeClr val="lt1"/>
+          </a:fontRef>
+        </p:style>
+        <p:txBody>
+          <a:bodyPr rtlCol="0" anchor="ctr"/>
+          <a:lstStyle/>
+          <a:p>
+            <a:pPr algn="ctr"/>
+            <a:r>
+              <a:rPr lang="ja-JP" altLang="en-US" dirty="0"/>
+              <a:t>音楽ストリーミング</a:t>
+            </a:r>
+            <a:endParaRPr kumimoji="1" lang="en-US" altLang="ja-JP" dirty="0" smtClean="0"/>
+          </a:p>
+        </p:txBody>
+      </p:sp>
+      <p:sp>
+        <p:nvSpPr>
+          <p:cNvPr id="6" name="正方形/長方形 5"/>
+          <p:cNvSpPr/>
+          <p:nvPr/>
+        </p:nvSpPr>
+        <p:spPr>
+          <a:xfrm>
+            <a:off x="4348063" y="3392056"/>
+            <a:ext cx="3143604" cy="533833"/>
+          </a:xfrm>
+          <a:prstGeom prst="rect">
+            <a:avLst/>
+          </a:prstGeom>
+          <a:solidFill>
+            <a:schemeClr val="accent2"/>
+          </a:solidFill>
+          <a:ln>
+            <a:noFill/>
+          </a:ln>
+        </p:spPr>
+        <p:style>
+          <a:lnRef idx="2">
+            <a:schemeClr val="accent1">
+              <a:shade val="50000"/>
+            </a:schemeClr>
+          </a:lnRef>
+          <a:fillRef idx="1">
+            <a:schemeClr val="accent1"/>
+          </a:fillRef>
+          <a:effectRef idx="0">
+            <a:schemeClr val="accent1"/>
+          </a:effectRef>
+          <a:fontRef idx="minor">
+            <a:schemeClr val="lt1"/>
+          </a:fontRef>
+        </p:style>
+        <p:txBody>
+          <a:bodyPr rtlCol="0" anchor="ctr"/>
+          <a:lstStyle/>
+          <a:p>
+            <a:pPr algn="ctr"/>
+            <a:r>
+              <a:rPr lang="ja-JP" altLang="en-US" dirty="0"/>
+              <a:t>共有カレンダー</a:t>
+            </a:r>
+            <a:endParaRPr kumimoji="1" lang="en-US" altLang="ja-JP" dirty="0" smtClean="0"/>
+          </a:p>
+        </p:txBody>
+      </p:sp>
+      <p:sp>
+        <p:nvSpPr>
+          <p:cNvPr id="7" name="正方形/長方形 6"/>
+          <p:cNvSpPr/>
+          <p:nvPr/>
+        </p:nvSpPr>
+        <p:spPr>
+          <a:xfrm>
+            <a:off x="4348062" y="4040913"/>
+            <a:ext cx="3143606" cy="533833"/>
+          </a:xfrm>
+          <a:prstGeom prst="rect">
+            <a:avLst/>
+          </a:prstGeom>
+          <a:solidFill>
+            <a:schemeClr val="accent2"/>
+          </a:solidFill>
+          <a:ln>
+            <a:noFill/>
+          </a:ln>
+        </p:spPr>
+        <p:style>
+          <a:lnRef idx="2">
+            <a:schemeClr val="accent1">
+              <a:shade val="50000"/>
+            </a:schemeClr>
+          </a:lnRef>
+          <a:fillRef idx="1">
+            <a:schemeClr val="accent1"/>
+          </a:fillRef>
+          <a:effectRef idx="0">
+            <a:schemeClr val="accent1"/>
+          </a:effectRef>
+          <a:fontRef idx="minor">
+            <a:schemeClr val="lt1"/>
+          </a:fontRef>
+        </p:style>
+        <p:txBody>
+          <a:bodyPr rtlCol="0" anchor="ctr"/>
+          <a:lstStyle/>
+          <a:p>
+            <a:pPr algn="ctr"/>
+            <a:r>
+              <a:rPr lang="ja-JP" altLang="en-US" dirty="0"/>
+              <a:t>内蔵</a:t>
+            </a:r>
+            <a:r>
+              <a:rPr lang="ja-JP" altLang="en-US" dirty="0" smtClean="0"/>
+              <a:t>カメラで残量チェック</a:t>
+            </a:r>
+            <a:endParaRPr kumimoji="1" lang="en-US" altLang="ja-JP" dirty="0" smtClean="0"/>
+          </a:p>
+        </p:txBody>
+      </p:sp>
+      <p:sp>
+        <p:nvSpPr>
+          <p:cNvPr id="8" name="正方形/長方形 7"/>
+          <p:cNvSpPr/>
+          <p:nvPr/>
+        </p:nvSpPr>
+        <p:spPr>
+          <a:xfrm>
+            <a:off x="4363053" y="4689770"/>
+            <a:ext cx="3143606" cy="533833"/>
+          </a:xfrm>
+          <a:prstGeom prst="rect">
+            <a:avLst/>
+          </a:prstGeom>
+          <a:solidFill>
+            <a:schemeClr val="accent2"/>
+          </a:solidFill>
+          <a:ln>
+            <a:noFill/>
+          </a:ln>
+        </p:spPr>
+        <p:style>
+          <a:lnRef idx="2">
+            <a:schemeClr val="accent1">
+              <a:shade val="50000"/>
+            </a:schemeClr>
+          </a:lnRef>
+          <a:fillRef idx="1">
+            <a:schemeClr val="accent1"/>
+          </a:fillRef>
+          <a:effectRef idx="0">
+            <a:schemeClr val="accent1"/>
+          </a:effectRef>
+          <a:fontRef idx="minor">
+            <a:schemeClr val="lt1"/>
+          </a:fontRef>
+        </p:style>
+        <p:txBody>
+          <a:bodyPr rtlCol="0" anchor="ctr"/>
+          <a:lstStyle/>
+          <a:p>
+            <a:pPr algn="ctr"/>
+            <a:r>
+              <a:rPr lang="ja-JP" altLang="en-US" dirty="0" smtClean="0"/>
+              <a:t>買い物リストへの追加</a:t>
+            </a:r>
+            <a:endParaRPr lang="en-US" altLang="ja-JP" dirty="0" smtClean="0"/>
+          </a:p>
+        </p:txBody>
+      </p:sp>
+      <p:sp>
+        <p:nvSpPr>
+          <p:cNvPr id="9" name="正方形/長方形 8"/>
+          <p:cNvSpPr/>
+          <p:nvPr/>
+        </p:nvSpPr>
+        <p:spPr>
+          <a:xfrm>
+            <a:off x="4363053" y="5281115"/>
+            <a:ext cx="3143606" cy="533833"/>
+          </a:xfrm>
+          <a:prstGeom prst="rect">
+            <a:avLst/>
+          </a:prstGeom>
+          <a:solidFill>
+            <a:schemeClr val="accent2"/>
+          </a:solidFill>
+          <a:ln>
+            <a:noFill/>
+          </a:ln>
+        </p:spPr>
+        <p:style>
+          <a:lnRef idx="2">
+            <a:schemeClr val="accent1">
+              <a:shade val="50000"/>
+            </a:schemeClr>
+          </a:lnRef>
+          <a:fillRef idx="1">
+            <a:schemeClr val="accent1"/>
+          </a:fillRef>
+          <a:effectRef idx="0">
+            <a:schemeClr val="accent1"/>
+          </a:effectRef>
+          <a:fontRef idx="minor">
+            <a:schemeClr val="lt1"/>
+          </a:fontRef>
+        </p:style>
+        <p:txBody>
+          <a:bodyPr rtlCol="0" anchor="ctr"/>
+          <a:lstStyle/>
+          <a:p>
+            <a:pPr algn="ctr"/>
+            <a:r>
+              <a:rPr lang="ja-JP" altLang="en-US" dirty="0"/>
+              <a:t>オンライン注文</a:t>
+            </a:r>
+            <a:endParaRPr lang="en-US" altLang="ja-JP" dirty="0" smtClean="0"/>
+          </a:p>
+        </p:txBody>
+      </p:sp>
+      <p:sp>
+        <p:nvSpPr>
+          <p:cNvPr id="11" name="正方形/長方形 10"/>
+          <p:cNvSpPr/>
+          <p:nvPr/>
+        </p:nvSpPr>
+        <p:spPr>
+          <a:xfrm>
+            <a:off x="8590484" y="3293627"/>
+            <a:ext cx="3143603" cy="533833"/>
+          </a:xfrm>
+          <a:prstGeom prst="rect">
+            <a:avLst/>
+          </a:prstGeom>
+          <a:solidFill>
+            <a:schemeClr val="accent2"/>
+          </a:solidFill>
+          <a:ln>
+            <a:noFill/>
+          </a:ln>
+        </p:spPr>
+        <p:style>
+          <a:lnRef idx="2">
+            <a:schemeClr val="accent1">
+              <a:shade val="50000"/>
+            </a:schemeClr>
+          </a:lnRef>
+          <a:fillRef idx="1">
+            <a:schemeClr val="accent1"/>
+          </a:fillRef>
+          <a:effectRef idx="0">
+            <a:schemeClr val="accent1"/>
+          </a:effectRef>
+          <a:fontRef idx="minor">
+            <a:schemeClr val="lt1"/>
+          </a:fontRef>
+        </p:style>
+        <p:txBody>
+          <a:bodyPr rtlCol="0" anchor="ctr"/>
+          <a:lstStyle/>
+          <a:p>
+            <a:pPr algn="ctr"/>
+            <a:r>
+              <a:rPr kumimoji="1" lang="ja-JP" altLang="en-US" dirty="0" smtClean="0"/>
+              <a:t>残量通知のみ</a:t>
+            </a:r>
+            <a:endParaRPr kumimoji="1" lang="en-US" altLang="ja-JP" dirty="0" smtClean="0"/>
+          </a:p>
+        </p:txBody>
+      </p:sp>
+      <p:sp>
+        <p:nvSpPr>
+          <p:cNvPr id="12" name="テキスト ボックス 11"/>
+          <p:cNvSpPr txBox="1"/>
+          <p:nvPr/>
+        </p:nvSpPr>
+        <p:spPr>
+          <a:xfrm>
+            <a:off x="1192661" y="2462157"/>
+            <a:ext cx="1932196" cy="338554"/>
+          </a:xfrm>
+          <a:prstGeom prst="rect">
+            <a:avLst/>
+          </a:prstGeom>
+          <a:noFill/>
+        </p:spPr>
+        <p:txBody>
+          <a:bodyPr wrap="none" rtlCol="0">
+            <a:spAutoFit/>
+          </a:bodyPr>
+          <a:lstStyle/>
+          <a:p>
+            <a:r>
+              <a:rPr lang="en-US" altLang="ja-JP" sz="1600" dirty="0"/>
+              <a:t>Amazon Dash </a:t>
+            </a:r>
+            <a:r>
+              <a:rPr lang="en-US" altLang="ja-JP" sz="1600" dirty="0" smtClean="0"/>
+              <a:t>Button</a:t>
+            </a:r>
+            <a:endParaRPr lang="en-US" altLang="ja-JP" sz="1600" dirty="0"/>
+          </a:p>
+        </p:txBody>
+      </p:sp>
+      <p:sp>
+        <p:nvSpPr>
+          <p:cNvPr id="13" name="テキスト ボックス 12"/>
+          <p:cNvSpPr txBox="1"/>
+          <p:nvPr/>
+        </p:nvSpPr>
+        <p:spPr>
+          <a:xfrm>
+            <a:off x="1070039" y="5424454"/>
+            <a:ext cx="2455672" cy="307777"/>
+          </a:xfrm>
+          <a:prstGeom prst="rect">
+            <a:avLst/>
+          </a:prstGeom>
+          <a:noFill/>
+        </p:spPr>
+        <p:txBody>
+          <a:bodyPr wrap="none" rtlCol="0">
+            <a:spAutoFit/>
+          </a:bodyPr>
+          <a:lstStyle/>
+          <a:p>
+            <a:r>
+              <a:rPr lang="en-US" altLang="ja-JP" sz="1400" dirty="0" smtClean="0"/>
+              <a:t>LG</a:t>
+            </a:r>
+            <a:r>
+              <a:rPr lang="ja-JP" altLang="en-US" sz="1400" dirty="0" smtClean="0"/>
+              <a:t>「</a:t>
+            </a:r>
+            <a:r>
+              <a:rPr lang="en-US" altLang="ja-JP" sz="1400" dirty="0"/>
+              <a:t>Alexa</a:t>
+            </a:r>
+            <a:r>
+              <a:rPr lang="ja-JP" altLang="en-US" sz="1400" dirty="0"/>
+              <a:t>」</a:t>
+            </a:r>
+            <a:r>
+              <a:rPr lang="ja-JP" altLang="en-US" sz="1400" dirty="0" smtClean="0"/>
+              <a:t>対応スマート</a:t>
+            </a:r>
+            <a:r>
+              <a:rPr lang="ja-JP" altLang="en-US" sz="1400" dirty="0"/>
+              <a:t>冷蔵庫</a:t>
+            </a:r>
+            <a:endParaRPr kumimoji="1" lang="ja-JP" altLang="en-US" sz="1400" dirty="0"/>
+          </a:p>
+        </p:txBody>
+      </p:sp>
+    </p:spTree>
+    <p:extLst>
+      <p:ext uri="{BB962C8B-B14F-4D97-AF65-F5344CB8AC3E}">
+        <p14:creationId xmlns:p14="http://schemas.microsoft.com/office/powerpoint/2010/main" val="3879899867"/>
+      </p:ext>
+    </p:extLst>
+  </p:cSld>
+  <p:clrMapOvr>
+    <a:masterClrMapping/>
+  </p:clrMapOvr>
+</p:sld>
+</file>
+
+<file path=ppt/slides/slide2.xml><?xml version="1.0" encoding="utf-8"?>
+<p:sld xmlns:a="http://schemas.openxmlformats.org/drawingml/2006/main" xmlns:r="http://schemas.openxmlformats.org/officeDocument/2006/relationships" xmlns:p="http://schemas.openxmlformats.org/presentationml/2006/main">
+  <p:cSld>
+    <p:spTree>
+      <p:nvGrpSpPr>
+        <p:cNvPr id="1" name=""/>
+        <p:cNvGrpSpPr/>
+        <p:nvPr/>
+      </p:nvGrpSpPr>
+      <p:grpSpPr>
+        <a:xfrm>
+          <a:off x="0" y="0"/>
+          <a:ext cx="0" cy="0"/>
+          <a:chOff x="0" y="0"/>
+          <a:chExt cx="0" cy="0"/>
+        </a:xfrm>
+      </p:grpSpPr>
+      <p:sp>
+        <p:nvSpPr>
+          <p:cNvPr id="4" name="正方形/長方形 3"/>
+          <p:cNvSpPr/>
+          <p:nvPr/>
+        </p:nvSpPr>
+        <p:spPr>
+          <a:xfrm>
+            <a:off x="7992977" y="2022307"/>
+            <a:ext cx="1504467" cy="300402"/>
+          </a:xfrm>
+          <a:prstGeom prst="rect">
+            <a:avLst/>
+          </a:prstGeom>
+        </p:spPr>
+        <p:txBody>
+          <a:bodyPr wrap="square">
+            <a:noAutofit/>
+          </a:bodyPr>
+          <a:lstStyle/>
+          <a:p>
+            <a:r>
+              <a:rPr lang="ja-JP" altLang="en-US" sz="1400" dirty="0">
+                <a:solidFill>
+                  <a:prstClr val="black"/>
+                </a:solidFill>
+                <a:latin typeface="メイリオ" pitchFamily="50" charset="-128"/>
+                <a:ea typeface="メイリオ" pitchFamily="50" charset="-128"/>
+              </a:rPr>
+              <a:t>インターネット</a:t>
+            </a:r>
+            <a:endParaRPr lang="en-US" altLang="ja-JP" sz="1400" dirty="0" smtClean="0">
+              <a:latin typeface="+mn-ea"/>
+            </a:endParaRPr>
+          </a:p>
+        </p:txBody>
+      </p:sp>
+      <p:grpSp>
+        <p:nvGrpSpPr>
+          <p:cNvPr id="5" name="グループ化 4"/>
+          <p:cNvGrpSpPr/>
+          <p:nvPr/>
+        </p:nvGrpSpPr>
+        <p:grpSpPr>
+          <a:xfrm>
+            <a:off x="6793286" y="1188879"/>
+            <a:ext cx="2065046" cy="822005"/>
+            <a:chOff x="3252789" y="1448117"/>
+            <a:chExt cx="2101792" cy="973130"/>
+          </a:xfrm>
+        </p:grpSpPr>
+        <p:pic>
+          <p:nvPicPr>
+            <p:cNvPr id="6" name="Picture 2" descr="http://blog-imgs-45-origin.fc2.com/s/h/i/shinichiuji/icon-cloud.png"/>
+            <p:cNvPicPr>
+              <a:picLocks noChangeAspect="1" noChangeArrowheads="1"/>
+            </p:cNvPicPr>
+            <p:nvPr/>
+          </p:nvPicPr>
+          <p:blipFill rotWithShape="1">
+            <a:blip r:embed="rId3" cstate="print">
+              <a:clrChange>
+                <a:clrFrom>
+                  <a:srgbClr val="FFFFFF"/>
+                </a:clrFrom>
+                <a:clrTo>
+                  <a:srgbClr val="FFFFFF">
+                    <a:alpha val="0"/>
+                  </a:srgbClr>
+                </a:clrTo>
+              </a:clrChange>
+              <a:duotone>
+                <a:schemeClr val="bg2">
+                  <a:shade val="45000"/>
+                  <a:satMod val="135000"/>
+                </a:schemeClr>
+                <a:prstClr val="white"/>
+              </a:duotone>
+              <a:extLst>
+                <a:ext uri="{28A0092B-C50C-407E-A947-70E740481C1C}">
+                  <a14:useLocalDpi xmlns:a14="http://schemas.microsoft.com/office/drawing/2010/main" val="0"/>
+                </a:ext>
+              </a:extLst>
+            </a:blip>
+            <a:srcRect l="3928" t="20123" r="3434" b="19273"/>
+            <a:stretch/>
+          </p:blipFill>
+          <p:spPr bwMode="auto">
+            <a:xfrm>
+              <a:off x="3321674" y="1448117"/>
+              <a:ext cx="1964023" cy="973130"/>
+            </a:xfrm>
+            <a:prstGeom prst="rect">
+              <a:avLst/>
+            </a:prstGeom>
+            <a:noFill/>
+            <a:extLst>
+              <a:ext uri="{909E8E84-426E-40DD-AFC4-6F175D3DCCD1}">
+                <a14:hiddenFill xmlns:a14="http://schemas.microsoft.com/office/drawing/2010/main">
+                  <a:solidFill>
+                    <a:srgbClr val="FFFFFF"/>
+                  </a:solidFill>
+                </a14:hiddenFill>
+              </a:ext>
+            </a:extLst>
+          </p:spPr>
+        </p:pic>
+        <p:sp>
+          <p:nvSpPr>
+            <p:cNvPr id="7" name="テキスト ボックス 92"/>
+            <p:cNvSpPr txBox="1"/>
+            <p:nvPr/>
+          </p:nvSpPr>
+          <p:spPr>
+            <a:xfrm>
+              <a:off x="3252789" y="1838343"/>
+              <a:ext cx="2101792" cy="437233"/>
+            </a:xfrm>
+            <a:prstGeom prst="rect">
+              <a:avLst/>
+            </a:prstGeom>
+            <a:noFill/>
+          </p:spPr>
+          <p:txBody>
+            <a:bodyPr wrap="square" rtlCol="0">
+              <a:spAutoFit/>
+            </a:bodyPr>
+            <a:lstStyle>
+              <a:defPPr>
+                <a:defRPr lang="ja-JP"/>
+              </a:defPPr>
+              <a:lvl1pPr marL="0" algn="l" defTabSz="1763420" rtl="0" eaLnBrk="1" latinLnBrk="0" hangingPunct="1">
+                <a:defRPr kumimoji="1" sz="3500" kern="1200">
+                  <a:solidFill>
+                    <a:schemeClr val="tx1"/>
+                  </a:solidFill>
+                  <a:latin typeface="+mn-lt"/>
+                  <a:ea typeface="+mn-ea"/>
+                  <a:cs typeface="+mn-cs"/>
+                </a:defRPr>
+              </a:lvl1pPr>
+              <a:lvl2pPr marL="881710" algn="l" defTabSz="1763420" rtl="0" eaLnBrk="1" latinLnBrk="0" hangingPunct="1">
+                <a:defRPr kumimoji="1" sz="3500" kern="1200">
+                  <a:solidFill>
+                    <a:schemeClr val="tx1"/>
+                  </a:solidFill>
+                  <a:latin typeface="+mn-lt"/>
+                  <a:ea typeface="+mn-ea"/>
+                  <a:cs typeface="+mn-cs"/>
+                </a:defRPr>
+              </a:lvl2pPr>
+              <a:lvl3pPr marL="1763420" algn="l" defTabSz="1763420" rtl="0" eaLnBrk="1" latinLnBrk="0" hangingPunct="1">
+                <a:defRPr kumimoji="1" sz="3500" kern="1200">
+                  <a:solidFill>
+                    <a:schemeClr val="tx1"/>
+                  </a:solidFill>
+                  <a:latin typeface="+mn-lt"/>
+                  <a:ea typeface="+mn-ea"/>
+                  <a:cs typeface="+mn-cs"/>
+                </a:defRPr>
+              </a:lvl3pPr>
+              <a:lvl4pPr marL="2645131" algn="l" defTabSz="1763420" rtl="0" eaLnBrk="1" latinLnBrk="0" hangingPunct="1">
+                <a:defRPr kumimoji="1" sz="3500" kern="1200">
+                  <a:solidFill>
+                    <a:schemeClr val="tx1"/>
+                  </a:solidFill>
+                  <a:latin typeface="+mn-lt"/>
+                  <a:ea typeface="+mn-ea"/>
+                  <a:cs typeface="+mn-cs"/>
+                </a:defRPr>
+              </a:lvl4pPr>
+              <a:lvl5pPr marL="3526841" algn="l" defTabSz="1763420" rtl="0" eaLnBrk="1" latinLnBrk="0" hangingPunct="1">
+                <a:defRPr kumimoji="1" sz="3500" kern="1200">
+                  <a:solidFill>
+                    <a:schemeClr val="tx1"/>
+                  </a:solidFill>
+                  <a:latin typeface="+mn-lt"/>
+                  <a:ea typeface="+mn-ea"/>
+                  <a:cs typeface="+mn-cs"/>
+                </a:defRPr>
+              </a:lvl5pPr>
+              <a:lvl6pPr marL="4408551" algn="l" defTabSz="1763420" rtl="0" eaLnBrk="1" latinLnBrk="0" hangingPunct="1">
+                <a:defRPr kumimoji="1" sz="3500" kern="1200">
+                  <a:solidFill>
+                    <a:schemeClr val="tx1"/>
+                  </a:solidFill>
+                  <a:latin typeface="+mn-lt"/>
+                  <a:ea typeface="+mn-ea"/>
+                  <a:cs typeface="+mn-cs"/>
+                </a:defRPr>
+              </a:lvl6pPr>
+              <a:lvl7pPr marL="5290261" algn="l" defTabSz="1763420" rtl="0" eaLnBrk="1" latinLnBrk="0" hangingPunct="1">
+                <a:defRPr kumimoji="1" sz="3500" kern="1200">
+                  <a:solidFill>
+                    <a:schemeClr val="tx1"/>
+                  </a:solidFill>
+                  <a:latin typeface="+mn-lt"/>
+                  <a:ea typeface="+mn-ea"/>
+                  <a:cs typeface="+mn-cs"/>
+                </a:defRPr>
+              </a:lvl7pPr>
+              <a:lvl8pPr marL="6171971" algn="l" defTabSz="1763420" rtl="0" eaLnBrk="1" latinLnBrk="0" hangingPunct="1">
+                <a:defRPr kumimoji="1" sz="3500" kern="1200">
+                  <a:solidFill>
+                    <a:schemeClr val="tx1"/>
+                  </a:solidFill>
+                  <a:latin typeface="+mn-lt"/>
+                  <a:ea typeface="+mn-ea"/>
+                  <a:cs typeface="+mn-cs"/>
+                </a:defRPr>
+              </a:lvl8pPr>
+              <a:lvl9pPr marL="7053682" algn="l" defTabSz="1763420" rtl="0" eaLnBrk="1" latinLnBrk="0" hangingPunct="1">
+                <a:defRPr kumimoji="1" sz="3500" kern="1200">
+                  <a:solidFill>
+                    <a:schemeClr val="tx1"/>
+                  </a:solidFill>
+                  <a:latin typeface="+mn-lt"/>
+                  <a:ea typeface="+mn-ea"/>
+                  <a:cs typeface="+mn-cs"/>
+                </a:defRPr>
+              </a:lvl9pPr>
+            </a:lstStyle>
+            <a:p>
+              <a:pPr algn="ctr"/>
+              <a:r>
+                <a:rPr lang="en-US" altLang="ja-JP" sz="1800" b="1" dirty="0" smtClean="0">
+                  <a:solidFill>
+                    <a:schemeClr val="bg1">
+                      <a:lumMod val="50000"/>
+                    </a:schemeClr>
+                  </a:solidFill>
+                  <a:latin typeface="メイリオ" panose="020B0604030504040204" pitchFamily="50" charset="-128"/>
+                  <a:ea typeface="メイリオ" panose="020B0604030504040204" pitchFamily="50" charset="-128"/>
+                </a:rPr>
+                <a:t>Cloud</a:t>
+              </a:r>
+              <a:endParaRPr lang="en-US" altLang="ja-JP" sz="1800" b="1" dirty="0">
+                <a:solidFill>
+                  <a:schemeClr val="bg1">
+                    <a:lumMod val="50000"/>
+                  </a:schemeClr>
+                </a:solidFill>
+                <a:latin typeface="メイリオ" panose="020B0604030504040204" pitchFamily="50" charset="-128"/>
+                <a:ea typeface="メイリオ" panose="020B0604030504040204" pitchFamily="50" charset="-128"/>
+              </a:endParaRPr>
+            </a:p>
+          </p:txBody>
+        </p:sp>
+      </p:grpSp>
+      <p:sp>
+        <p:nvSpPr>
+          <p:cNvPr id="8" name="テキスト ボックス 7"/>
+          <p:cNvSpPr txBox="1"/>
+          <p:nvPr/>
+        </p:nvSpPr>
+        <p:spPr>
+          <a:xfrm>
+            <a:off x="8480052" y="3132015"/>
+            <a:ext cx="611065" cy="295466"/>
+          </a:xfrm>
+          <a:prstGeom prst="rect">
+            <a:avLst/>
+          </a:prstGeom>
+          <a:noFill/>
+        </p:spPr>
+        <p:txBody>
+          <a:bodyPr wrap="none" rtlCol="0">
+            <a:spAutoFit/>
+          </a:bodyPr>
+          <a:lstStyle/>
+          <a:p>
+            <a:r>
+              <a:rPr lang="en-US" altLang="ja-JP" sz="1320" dirty="0">
+                <a:latin typeface="メイリオ" panose="020B0604030504040204" pitchFamily="50" charset="-128"/>
+                <a:ea typeface="メイリオ" panose="020B0604030504040204" pitchFamily="50" charset="-128"/>
+              </a:rPr>
+              <a:t>Wi-Fi</a:t>
+            </a:r>
+            <a:endParaRPr lang="ja-JP" altLang="en-US" sz="1320" dirty="0">
+              <a:latin typeface="メイリオ" panose="020B0604030504040204" pitchFamily="50" charset="-128"/>
+              <a:ea typeface="メイリオ" panose="020B0604030504040204" pitchFamily="50" charset="-128"/>
+            </a:endParaRPr>
+          </a:p>
+        </p:txBody>
+      </p:sp>
+      <p:pic>
+        <p:nvPicPr>
+          <p:cNvPr id="9" name="図 8"/>
+          <p:cNvPicPr>
+            <a:picLocks noChangeAspect="1"/>
+          </p:cNvPicPr>
+          <p:nvPr/>
+        </p:nvPicPr>
+        <p:blipFill>
+          <a:blip r:embed="rId4" cstate="print"/>
+          <a:stretch>
+            <a:fillRect/>
+          </a:stretch>
+        </p:blipFill>
+        <p:spPr>
+          <a:xfrm rot="5400000">
+            <a:off x="7869156" y="3015580"/>
+            <a:ext cx="283508" cy="441569"/>
+          </a:xfrm>
+          <a:prstGeom prst="rect">
+            <a:avLst/>
+          </a:prstGeom>
+        </p:spPr>
+      </p:pic>
+      <p:pic>
+        <p:nvPicPr>
+          <p:cNvPr id="10" name="図 9"/>
+          <p:cNvPicPr>
+            <a:picLocks noChangeAspect="1"/>
+          </p:cNvPicPr>
+          <p:nvPr/>
+        </p:nvPicPr>
+        <p:blipFill>
+          <a:blip r:embed="rId5" cstate="print">
+            <a:extLst>
+              <a:ext uri="{28A0092B-C50C-407E-A947-70E740481C1C}">
+                <a14:useLocalDpi xmlns:a14="http://schemas.microsoft.com/office/drawing/2010/main" val="0"/>
+              </a:ext>
+            </a:extLst>
+          </a:blip>
+          <a:stretch>
+            <a:fillRect/>
+          </a:stretch>
+        </p:blipFill>
+        <p:spPr>
+          <a:xfrm>
+            <a:off x="7622443" y="2280256"/>
+            <a:ext cx="757334" cy="757334"/>
+          </a:xfrm>
+          <a:prstGeom prst="rect">
+            <a:avLst/>
+          </a:prstGeom>
+        </p:spPr>
+      </p:pic>
+      <p:sp>
+        <p:nvSpPr>
+          <p:cNvPr id="11" name="テキスト ボックス 10"/>
+          <p:cNvSpPr txBox="1"/>
+          <p:nvPr/>
+        </p:nvSpPr>
+        <p:spPr>
+          <a:xfrm>
+            <a:off x="8133691" y="5681641"/>
+            <a:ext cx="954107" cy="246221"/>
+          </a:xfrm>
+          <a:prstGeom prst="rect">
+            <a:avLst/>
+          </a:prstGeom>
+          <a:noFill/>
+        </p:spPr>
+        <p:txBody>
+          <a:bodyPr wrap="none" rtlCol="0">
+            <a:spAutoFit/>
+          </a:bodyPr>
+          <a:lstStyle/>
+          <a:p>
+            <a:r>
+              <a:rPr lang="ja-JP" altLang="en-US" sz="1000" dirty="0" smtClean="0">
+                <a:latin typeface="メイリオ" panose="020B0604030504040204" pitchFamily="50" charset="-128"/>
+                <a:ea typeface="メイリオ" panose="020B0604030504040204" pitchFamily="50" charset="-128"/>
+              </a:rPr>
+              <a:t>シリアル通信</a:t>
+            </a:r>
+            <a:endParaRPr lang="ja-JP" altLang="en-US" sz="1000" dirty="0">
+              <a:latin typeface="メイリオ" panose="020B0604030504040204" pitchFamily="50" charset="-128"/>
+              <a:ea typeface="メイリオ" panose="020B0604030504040204" pitchFamily="50" charset="-128"/>
+            </a:endParaRPr>
+          </a:p>
+        </p:txBody>
+      </p:sp>
+      <p:cxnSp>
+        <p:nvCxnSpPr>
+          <p:cNvPr id="12" name="曲線コネクタ 11"/>
+          <p:cNvCxnSpPr>
+            <a:stCxn id="6" idx="2"/>
+            <a:endCxn id="10" idx="0"/>
+          </p:cNvCxnSpPr>
+          <p:nvPr/>
+        </p:nvCxnSpPr>
+        <p:spPr>
+          <a:xfrm rot="16200000" flipH="1">
+            <a:off x="7778774" y="2057920"/>
+            <a:ext cx="269372" cy="175300"/>
+          </a:xfrm>
+          <a:prstGeom prst="curvedConnector3">
+            <a:avLst>
+              <a:gd name="adj1" fmla="val 50000"/>
+            </a:avLst>
+          </a:prstGeom>
+        </p:spPr>
+        <p:style>
+          <a:lnRef idx="1">
+            <a:schemeClr val="dk1"/>
+          </a:lnRef>
+          <a:fillRef idx="0">
+            <a:schemeClr val="dk1"/>
+          </a:fillRef>
+          <a:effectRef idx="0">
+            <a:schemeClr val="dk1"/>
+          </a:effectRef>
+          <a:fontRef idx="minor">
+            <a:schemeClr val="tx1"/>
+          </a:fontRef>
+        </p:style>
+      </p:cxnSp>
+      <p:sp>
+        <p:nvSpPr>
+          <p:cNvPr id="13" name="正方形/長方形 12"/>
+          <p:cNvSpPr/>
+          <p:nvPr/>
+        </p:nvSpPr>
+        <p:spPr>
+          <a:xfrm>
+            <a:off x="7604871" y="5208283"/>
+            <a:ext cx="1129026" cy="432318"/>
+          </a:xfrm>
+          <a:prstGeom prst="rect">
+            <a:avLst/>
+          </a:prstGeom>
+        </p:spPr>
+        <p:style>
+          <a:lnRef idx="2">
+            <a:schemeClr val="dk1"/>
+          </a:lnRef>
+          <a:fillRef idx="1">
+            <a:schemeClr val="lt1"/>
+          </a:fillRef>
+          <a:effectRef idx="0">
+            <a:schemeClr val="dk1"/>
+          </a:effectRef>
+          <a:fontRef idx="minor">
+            <a:schemeClr val="dk1"/>
+          </a:fontRef>
+        </p:style>
+        <p:txBody>
+          <a:bodyPr rtlCol="0" anchor="ctr"/>
+          <a:lstStyle/>
+          <a:p>
+            <a:pPr algn="ctr"/>
+            <a:r>
+              <a:rPr lang="ja-JP" altLang="en-US" sz="900" dirty="0" smtClean="0">
+                <a:latin typeface="メイリオ" panose="020B0604030504040204" pitchFamily="50" charset="-128"/>
+                <a:ea typeface="メイリオ" panose="020B0604030504040204" pitchFamily="50" charset="-128"/>
+              </a:rPr>
+              <a:t>重量計測ボード</a:t>
+            </a:r>
+            <a:endParaRPr kumimoji="1" lang="ja-JP" altLang="en-US" sz="900" dirty="0">
+              <a:latin typeface="メイリオ" panose="020B0604030504040204" pitchFamily="50" charset="-128"/>
+              <a:ea typeface="メイリオ" panose="020B0604030504040204" pitchFamily="50" charset="-128"/>
+            </a:endParaRPr>
+          </a:p>
+        </p:txBody>
+      </p:sp>
+      <p:sp>
+        <p:nvSpPr>
+          <p:cNvPr id="14" name="正方形/長方形 13"/>
+          <p:cNvSpPr/>
+          <p:nvPr/>
+        </p:nvSpPr>
+        <p:spPr>
+          <a:xfrm>
+            <a:off x="7604871" y="5953350"/>
+            <a:ext cx="1129026" cy="432318"/>
+          </a:xfrm>
+          <a:prstGeom prst="rect">
+            <a:avLst/>
+          </a:prstGeom>
+        </p:spPr>
+        <p:style>
+          <a:lnRef idx="2">
+            <a:schemeClr val="dk1"/>
+          </a:lnRef>
+          <a:fillRef idx="1">
+            <a:schemeClr val="lt1"/>
+          </a:fillRef>
+          <a:effectRef idx="0">
+            <a:schemeClr val="dk1"/>
+          </a:effectRef>
+          <a:fontRef idx="minor">
+            <a:schemeClr val="dk1"/>
+          </a:fontRef>
+        </p:style>
+        <p:txBody>
+          <a:bodyPr rtlCol="0" anchor="ctr"/>
+          <a:lstStyle/>
+          <a:p>
+            <a:pPr algn="ctr"/>
+            <a:r>
+              <a:rPr kumimoji="1" lang="ja-JP" altLang="en-US" sz="900" dirty="0" smtClean="0">
+                <a:latin typeface="メイリオ" panose="020B0604030504040204" pitchFamily="50" charset="-128"/>
+                <a:ea typeface="メイリオ" panose="020B0604030504040204" pitchFamily="50" charset="-128"/>
+              </a:rPr>
+              <a:t>機器</a:t>
+            </a:r>
+            <a:endParaRPr kumimoji="1" lang="en-US" altLang="ja-JP" sz="900" dirty="0" smtClean="0">
+              <a:latin typeface="メイリオ" panose="020B0604030504040204" pitchFamily="50" charset="-128"/>
+              <a:ea typeface="メイリオ" panose="020B0604030504040204" pitchFamily="50" charset="-128"/>
+            </a:endParaRPr>
+          </a:p>
+          <a:p>
+            <a:pPr algn="ctr"/>
+            <a:r>
+              <a:rPr lang="ja-JP" altLang="en-US" sz="900" dirty="0">
+                <a:latin typeface="メイリオ" panose="020B0604030504040204" pitchFamily="50" charset="-128"/>
+                <a:ea typeface="メイリオ" panose="020B0604030504040204" pitchFamily="50" charset="-128"/>
+              </a:rPr>
+              <a:t>メインマイコン</a:t>
+            </a:r>
+            <a:endParaRPr kumimoji="1" lang="ja-JP" altLang="en-US" sz="900" dirty="0">
+              <a:latin typeface="メイリオ" panose="020B0604030504040204" pitchFamily="50" charset="-128"/>
+              <a:ea typeface="メイリオ" panose="020B0604030504040204" pitchFamily="50" charset="-128"/>
+            </a:endParaRPr>
+          </a:p>
+        </p:txBody>
+      </p:sp>
+      <p:cxnSp>
+        <p:nvCxnSpPr>
+          <p:cNvPr id="15" name="直線コネクタ 14"/>
+          <p:cNvCxnSpPr>
+            <a:stCxn id="13" idx="2"/>
+            <a:endCxn id="14" idx="0"/>
+          </p:cNvCxnSpPr>
+          <p:nvPr/>
+        </p:nvCxnSpPr>
+        <p:spPr>
+          <a:xfrm>
+            <a:off x="8169384" y="5640601"/>
+            <a:ext cx="0" cy="312749"/>
+          </a:xfrm>
+          <a:prstGeom prst="line">
+            <a:avLst/>
+          </a:prstGeom>
+          <a:ln w="19050">
+            <a:solidFill>
+              <a:schemeClr val="tx1"/>
+            </a:solidFill>
+          </a:ln>
+        </p:spPr>
+        <p:style>
+          <a:lnRef idx="1">
+            <a:schemeClr val="accent1"/>
+          </a:lnRef>
+          <a:fillRef idx="0">
+            <a:schemeClr val="accent1"/>
+          </a:fillRef>
+          <a:effectRef idx="0">
+            <a:schemeClr val="accent1"/>
+          </a:effectRef>
+          <a:fontRef idx="minor">
+            <a:schemeClr val="tx1"/>
+          </a:fontRef>
+        </p:style>
+      </p:cxnSp>
+      <p:sp>
+        <p:nvSpPr>
+          <p:cNvPr id="16" name="角丸四角形 15"/>
+          <p:cNvSpPr/>
+          <p:nvPr/>
+        </p:nvSpPr>
+        <p:spPr>
+          <a:xfrm>
+            <a:off x="8265561" y="5667362"/>
+            <a:ext cx="922867" cy="254000"/>
+          </a:xfrm>
+          <a:prstGeom prst="roundRect">
+            <a:avLst/>
+          </a:prstGeom>
+          <a:noFill/>
+          <a:ln>
+            <a:noFill/>
+          </a:ln>
+        </p:spPr>
+        <p:style>
+          <a:lnRef idx="2">
+            <a:schemeClr val="accent1">
+              <a:shade val="50000"/>
+            </a:schemeClr>
+          </a:lnRef>
+          <a:fillRef idx="1">
+            <a:schemeClr val="accent1"/>
+          </a:fillRef>
+          <a:effectRef idx="0">
+            <a:schemeClr val="accent1"/>
+          </a:effectRef>
+          <a:fontRef idx="minor">
+            <a:schemeClr val="lt1"/>
+          </a:fontRef>
+        </p:style>
+        <p:txBody>
+          <a:bodyPr rtlCol="0" anchor="ctr"/>
+          <a:lstStyle/>
+          <a:p>
+            <a:pPr algn="ctr"/>
+            <a:endParaRPr kumimoji="1" lang="ja-JP" altLang="en-US"/>
+          </a:p>
+        </p:txBody>
+      </p:sp>
+      <p:sp>
+        <p:nvSpPr>
+          <p:cNvPr id="17" name="正方形/長方形 16"/>
+          <p:cNvSpPr/>
+          <p:nvPr/>
+        </p:nvSpPr>
+        <p:spPr>
+          <a:xfrm>
+            <a:off x="7274961" y="4821602"/>
+            <a:ext cx="1913467" cy="1635096"/>
+          </a:xfrm>
+          <a:prstGeom prst="rect">
+            <a:avLst/>
+          </a:prstGeom>
+          <a:noFill/>
+          <a:ln>
+            <a:solidFill>
+              <a:schemeClr val="tx1"/>
+            </a:solidFill>
+          </a:ln>
+        </p:spPr>
+        <p:style>
+          <a:lnRef idx="2">
+            <a:schemeClr val="accent1">
+              <a:shade val="50000"/>
+            </a:schemeClr>
+          </a:lnRef>
+          <a:fillRef idx="1">
+            <a:schemeClr val="accent1"/>
+          </a:fillRef>
+          <a:effectRef idx="0">
+            <a:schemeClr val="accent1"/>
+          </a:effectRef>
+          <a:fontRef idx="minor">
+            <a:schemeClr val="lt1"/>
+          </a:fontRef>
+        </p:style>
+        <p:txBody>
+          <a:bodyPr rtlCol="0" anchor="ctr"/>
+          <a:lstStyle/>
+          <a:p>
+            <a:pPr algn="ctr"/>
+            <a:endParaRPr kumimoji="1" lang="ja-JP" altLang="en-US"/>
+          </a:p>
+        </p:txBody>
+      </p:sp>
+      <p:pic>
+        <p:nvPicPr>
+          <p:cNvPr id="18" name="図 17"/>
+          <p:cNvPicPr>
+            <a:picLocks noChangeAspect="1"/>
+          </p:cNvPicPr>
+          <p:nvPr/>
+        </p:nvPicPr>
+        <p:blipFill>
+          <a:blip r:embed="rId6"/>
+          <a:stretch>
+            <a:fillRect/>
+          </a:stretch>
+        </p:blipFill>
+        <p:spPr>
+          <a:xfrm>
+            <a:off x="7060434" y="4586212"/>
+            <a:ext cx="603127" cy="606173"/>
+          </a:xfrm>
+          <a:prstGeom prst="rect">
+            <a:avLst/>
+          </a:prstGeom>
+        </p:spPr>
+      </p:pic>
+      <p:pic>
+        <p:nvPicPr>
+          <p:cNvPr id="19" name="図 18"/>
+          <p:cNvPicPr>
+            <a:picLocks noChangeAspect="1"/>
+          </p:cNvPicPr>
+          <p:nvPr/>
+        </p:nvPicPr>
+        <p:blipFill rotWithShape="1">
+          <a:blip r:embed="rId7" cstate="print">
+            <a:extLst>
+              <a:ext uri="{28A0092B-C50C-407E-A947-70E740481C1C}">
+                <a14:useLocalDpi xmlns:a14="http://schemas.microsoft.com/office/drawing/2010/main" val="0"/>
+              </a:ext>
+            </a:extLst>
+          </a:blip>
+          <a:srcRect/>
+          <a:stretch/>
+        </p:blipFill>
+        <p:spPr>
+          <a:xfrm>
+            <a:off x="7174010" y="3493218"/>
+            <a:ext cx="1755426" cy="1038179"/>
+          </a:xfrm>
+          <a:prstGeom prst="rect">
+            <a:avLst/>
+          </a:prstGeom>
+        </p:spPr>
+      </p:pic>
+      <p:sp>
+        <p:nvSpPr>
+          <p:cNvPr id="20" name="テキスト ボックス 19"/>
+          <p:cNvSpPr txBox="1"/>
+          <p:nvPr/>
+        </p:nvSpPr>
+        <p:spPr>
+          <a:xfrm>
+            <a:off x="8560056" y="4821602"/>
+            <a:ext cx="611065" cy="295466"/>
+          </a:xfrm>
+          <a:prstGeom prst="rect">
+            <a:avLst/>
+          </a:prstGeom>
+          <a:noFill/>
+        </p:spPr>
+        <p:txBody>
+          <a:bodyPr wrap="none" rtlCol="0">
+            <a:spAutoFit/>
+          </a:bodyPr>
+          <a:lstStyle/>
+          <a:p>
+            <a:r>
+              <a:rPr lang="en-US" altLang="ja-JP" sz="1320" dirty="0">
+                <a:latin typeface="メイリオ" panose="020B0604030504040204" pitchFamily="50" charset="-128"/>
+                <a:ea typeface="メイリオ" panose="020B0604030504040204" pitchFamily="50" charset="-128"/>
+              </a:rPr>
+              <a:t>Wi-Fi</a:t>
+            </a:r>
+            <a:endParaRPr lang="ja-JP" altLang="en-US" sz="1320" dirty="0">
+              <a:latin typeface="メイリオ" panose="020B0604030504040204" pitchFamily="50" charset="-128"/>
+              <a:ea typeface="メイリオ" panose="020B0604030504040204" pitchFamily="50" charset="-128"/>
+            </a:endParaRPr>
+          </a:p>
+        </p:txBody>
+      </p:sp>
+      <p:sp>
+        <p:nvSpPr>
+          <p:cNvPr id="21" name="テキスト ボックス 20"/>
+          <p:cNvSpPr txBox="1"/>
+          <p:nvPr/>
+        </p:nvSpPr>
+        <p:spPr>
+          <a:xfrm>
+            <a:off x="3092433" y="728332"/>
+            <a:ext cx="5765899" cy="369332"/>
+          </a:xfrm>
+          <a:prstGeom prst="rect">
+            <a:avLst/>
+          </a:prstGeom>
+          <a:noFill/>
+        </p:spPr>
+        <p:txBody>
+          <a:bodyPr wrap="square" rtlCol="0">
+            <a:spAutoFit/>
+          </a:bodyPr>
+          <a:lstStyle/>
+          <a:p>
+            <a:r>
+              <a:rPr lang="en-US" altLang="ja-JP" dirty="0" smtClean="0">
+                <a:latin typeface="メイリオ" panose="020B0604030504040204" pitchFamily="50" charset="-128"/>
+                <a:ea typeface="メイリオ" panose="020B0604030504040204" pitchFamily="50" charset="-128"/>
+                <a:cs typeface="メイリオ" panose="020B0604030504040204" pitchFamily="50" charset="-128"/>
+              </a:rPr>
+              <a:t>STEP1</a:t>
+            </a:r>
+            <a:r>
+              <a:rPr lang="ja-JP" altLang="en-US" dirty="0" smtClean="0">
+                <a:latin typeface="メイリオ" panose="020B0604030504040204" pitchFamily="50" charset="-128"/>
+                <a:ea typeface="メイリオ" panose="020B0604030504040204" pitchFamily="50" charset="-128"/>
+                <a:cs typeface="メイリオ" panose="020B0604030504040204" pitchFamily="50" charset="-128"/>
+              </a:rPr>
+              <a:t>　</a:t>
+            </a:r>
+            <a:endParaRPr lang="en-US" altLang="ja-JP" dirty="0">
+              <a:latin typeface="メイリオ" panose="020B0604030504040204" pitchFamily="50" charset="-128"/>
+              <a:ea typeface="メイリオ" panose="020B0604030504040204" pitchFamily="50" charset="-128"/>
+              <a:cs typeface="メイリオ" panose="020B0604030504040204" pitchFamily="50" charset="-128"/>
+            </a:endParaRPr>
+          </a:p>
+        </p:txBody>
+      </p:sp>
+      <p:pic>
+        <p:nvPicPr>
+          <p:cNvPr id="22" name="図 21"/>
+          <p:cNvPicPr>
+            <a:picLocks noChangeAspect="1"/>
+          </p:cNvPicPr>
+          <p:nvPr/>
+        </p:nvPicPr>
+        <p:blipFill rotWithShape="1">
+          <a:blip r:embed="rId8">
+            <a:extLst>
+              <a:ext uri="{28A0092B-C50C-407E-A947-70E740481C1C}">
+                <a14:useLocalDpi xmlns:a14="http://schemas.microsoft.com/office/drawing/2010/main" val="0"/>
+              </a:ext>
+            </a:extLst>
+          </a:blip>
+          <a:srcRect l="7513" r="33430"/>
+          <a:stretch/>
+        </p:blipFill>
+        <p:spPr>
+          <a:xfrm>
+            <a:off x="2768206" y="1246414"/>
+            <a:ext cx="4367955" cy="4923095"/>
+          </a:xfrm>
+          <a:prstGeom prst="rect">
+            <a:avLst/>
+          </a:prstGeom>
+          <a:effectLst>
+            <a:softEdge rad="635000"/>
+          </a:effectLst>
+        </p:spPr>
+      </p:pic>
+    </p:spTree>
+    <p:extLst>
+      <p:ext uri="{BB962C8B-B14F-4D97-AF65-F5344CB8AC3E}">
+        <p14:creationId xmlns:p14="http://schemas.microsoft.com/office/powerpoint/2010/main" val="1635737713"/>
+      </p:ext>
+    </p:extLst>
+  </p:cSld>
+  <p:clrMapOvr>
+    <a:masterClrMapping/>
+  </p:clrMapOvr>
+</p:sld>
+</file>
+
+<file path=ppt/slides/slide3.xml><?xml version="1.0" encoding="utf-8"?>
 <p:sld xmlns:a="http://schemas.openxmlformats.org/drawingml/2006/main" xmlns:r="http://schemas.openxmlformats.org/officeDocument/2006/relationships" xmlns:p="http://schemas.openxmlformats.org/presentationml/2006/main">
   <p:cSld>
     <p:spTree>
@@ -6010,4050 +7542,6 @@
 </p:sld>
 </file>
 
-<file path=ppt/slides/slide2.xml><?xml version="1.0" encoding="utf-8"?>
-<p:sld xmlns:a="http://schemas.openxmlformats.org/drawingml/2006/main" xmlns:r="http://schemas.openxmlformats.org/officeDocument/2006/relationships" xmlns:p="http://schemas.openxmlformats.org/presentationml/2006/main">
-  <p:cSld>
-    <p:spTree>
-      <p:nvGrpSpPr>
-        <p:cNvPr id="1" name=""/>
-        <p:cNvGrpSpPr/>
-        <p:nvPr/>
-      </p:nvGrpSpPr>
-      <p:grpSpPr>
-        <a:xfrm>
-          <a:off x="0" y="0"/>
-          <a:ext cx="0" cy="0"/>
-          <a:chOff x="0" y="0"/>
-          <a:chExt cx="0" cy="0"/>
-        </a:xfrm>
-      </p:grpSpPr>
-      <p:pic>
-        <p:nvPicPr>
-          <p:cNvPr id="13" name="Picture 2" descr="http://blog-imgs-45-origin.fc2.com/s/h/i/shinichiuji/icon-cloud.png"/>
-          <p:cNvPicPr>
-            <a:picLocks noChangeAspect="1" noChangeArrowheads="1"/>
-          </p:cNvPicPr>
-          <p:nvPr/>
-        </p:nvPicPr>
-        <p:blipFill rotWithShape="1">
-          <a:blip r:embed="rId3" cstate="print">
-            <a:clrChange>
-              <a:clrFrom>
-                <a:srgbClr val="FFFFFF"/>
-              </a:clrFrom>
-              <a:clrTo>
-                <a:srgbClr val="FFFFFF">
-                  <a:alpha val="0"/>
-                </a:srgbClr>
-              </a:clrTo>
-            </a:clrChange>
-            <a:duotone>
-              <a:schemeClr val="bg2">
-                <a:shade val="45000"/>
-                <a:satMod val="135000"/>
-              </a:schemeClr>
-              <a:prstClr val="white"/>
-            </a:duotone>
-            <a:extLst>
-              <a:ext uri="{28A0092B-C50C-407E-A947-70E740481C1C}">
-                <a14:useLocalDpi xmlns:a14="http://schemas.microsoft.com/office/drawing/2010/main" val="0"/>
-              </a:ext>
-            </a:extLst>
-          </a:blip>
-          <a:srcRect l="3928" t="20123" r="3434" b="19273"/>
-          <a:stretch/>
-        </p:blipFill>
-        <p:spPr bwMode="auto">
-          <a:xfrm>
-            <a:off x="4723660" y="670815"/>
-            <a:ext cx="2744680" cy="1120047"/>
-          </a:xfrm>
-          <a:prstGeom prst="rect">
-            <a:avLst/>
-          </a:prstGeom>
-          <a:noFill/>
-          <a:extLst>
-            <a:ext uri="{909E8E84-426E-40DD-AFC4-6F175D3DCCD1}">
-              <a14:hiddenFill xmlns:a14="http://schemas.microsoft.com/office/drawing/2010/main">
-                <a:solidFill>
-                  <a:srgbClr val="FFFFFF"/>
-                </a:solidFill>
-              </a14:hiddenFill>
-            </a:ext>
-          </a:extLst>
-        </p:spPr>
-      </p:pic>
-      <p:sp>
-        <p:nvSpPr>
-          <p:cNvPr id="16" name="円弧 15"/>
-          <p:cNvSpPr/>
-          <p:nvPr/>
-        </p:nvSpPr>
-        <p:spPr>
-          <a:xfrm>
-            <a:off x="-2987699" y="-1097490"/>
-            <a:ext cx="8362974" cy="4180324"/>
-          </a:xfrm>
-          <a:prstGeom prst="arc">
-            <a:avLst>
-              <a:gd name="adj1" fmla="val 479969"/>
-              <a:gd name="adj2" fmla="val 3337488"/>
-            </a:avLst>
-          </a:prstGeom>
-          <a:ln w="76200">
-            <a:headEnd type="triangle" w="med" len="med"/>
-            <a:tailEnd type="none" w="med" len="med"/>
-          </a:ln>
-        </p:spPr>
-        <p:style>
-          <a:lnRef idx="3">
-            <a:schemeClr val="accent6"/>
-          </a:lnRef>
-          <a:fillRef idx="0">
-            <a:schemeClr val="accent6"/>
-          </a:fillRef>
-          <a:effectRef idx="2">
-            <a:schemeClr val="accent6"/>
-          </a:effectRef>
-          <a:fontRef idx="minor">
-            <a:schemeClr val="tx1"/>
-          </a:fontRef>
-        </p:style>
-        <p:txBody>
-          <a:bodyPr rtlCol="0" anchor="ctr"/>
-          <a:lstStyle/>
-          <a:p>
-            <a:pPr algn="ctr"/>
-            <a:endParaRPr lang="ja-JP" altLang="en-US">
-              <a:latin typeface="メイリオ" panose="020B0604030504040204" pitchFamily="50" charset="-128"/>
-              <a:ea typeface="メイリオ" panose="020B0604030504040204" pitchFamily="50" charset="-128"/>
-            </a:endParaRPr>
-          </a:p>
-        </p:txBody>
-      </p:sp>
-      <p:sp>
-        <p:nvSpPr>
-          <p:cNvPr id="52" name="円弧 51"/>
-          <p:cNvSpPr/>
-          <p:nvPr/>
-        </p:nvSpPr>
-        <p:spPr>
-          <a:xfrm flipH="1">
-            <a:off x="7168354" y="-949125"/>
-            <a:ext cx="6278533" cy="4101875"/>
-          </a:xfrm>
-          <a:prstGeom prst="arc">
-            <a:avLst>
-              <a:gd name="adj1" fmla="val 479969"/>
-              <a:gd name="adj2" fmla="val 3337488"/>
-            </a:avLst>
-          </a:prstGeom>
-          <a:ln w="76200">
-            <a:solidFill>
-              <a:schemeClr val="accent2"/>
-            </a:solidFill>
-            <a:headEnd type="triangle" w="med" len="med"/>
-            <a:tailEnd type="none" w="med" len="med"/>
-          </a:ln>
-        </p:spPr>
-        <p:style>
-          <a:lnRef idx="3">
-            <a:schemeClr val="accent6"/>
-          </a:lnRef>
-          <a:fillRef idx="0">
-            <a:schemeClr val="accent6"/>
-          </a:fillRef>
-          <a:effectRef idx="2">
-            <a:schemeClr val="accent6"/>
-          </a:effectRef>
-          <a:fontRef idx="minor">
-            <a:schemeClr val="tx1"/>
-          </a:fontRef>
-        </p:style>
-        <p:txBody>
-          <a:bodyPr rtlCol="0" anchor="ctr"/>
-          <a:lstStyle/>
-          <a:p>
-            <a:pPr algn="ctr"/>
-            <a:endParaRPr lang="ja-JP" altLang="en-US">
-              <a:latin typeface="メイリオ" panose="020B0604030504040204" pitchFamily="50" charset="-128"/>
-              <a:ea typeface="メイリオ" panose="020B0604030504040204" pitchFamily="50" charset="-128"/>
-            </a:endParaRPr>
-          </a:p>
-        </p:txBody>
-      </p:sp>
-      <p:sp>
-        <p:nvSpPr>
-          <p:cNvPr id="9" name="角丸四角形 8"/>
-          <p:cNvSpPr/>
-          <p:nvPr/>
-        </p:nvSpPr>
-        <p:spPr>
-          <a:xfrm>
-            <a:off x="1472480" y="2916625"/>
-            <a:ext cx="3203293" cy="2160588"/>
-          </a:xfrm>
-          <a:prstGeom prst="roundRect">
-            <a:avLst>
-              <a:gd name="adj" fmla="val 7922"/>
-            </a:avLst>
-          </a:prstGeom>
-          <a:ln/>
-        </p:spPr>
-        <p:style>
-          <a:lnRef idx="2">
-            <a:schemeClr val="accent6">
-              <a:shade val="50000"/>
-            </a:schemeClr>
-          </a:lnRef>
-          <a:fillRef idx="1">
-            <a:schemeClr val="accent6"/>
-          </a:fillRef>
-          <a:effectRef idx="0">
-            <a:schemeClr val="accent6"/>
-          </a:effectRef>
-          <a:fontRef idx="minor">
-            <a:schemeClr val="lt1"/>
-          </a:fontRef>
-        </p:style>
-        <p:txBody>
-          <a:bodyPr rtlCol="0" anchor="ctr"/>
-          <a:lstStyle/>
-          <a:p>
-            <a:pPr algn="ctr"/>
-            <a:endParaRPr lang="ja-JP" altLang="en-US">
-              <a:latin typeface="メイリオ" panose="020B0604030504040204" pitchFamily="50" charset="-128"/>
-              <a:ea typeface="メイリオ" panose="020B0604030504040204" pitchFamily="50" charset="-128"/>
-            </a:endParaRPr>
-          </a:p>
-        </p:txBody>
-      </p:sp>
-      <p:sp>
-        <p:nvSpPr>
-          <p:cNvPr id="17" name="テキスト ボックス 16"/>
-          <p:cNvSpPr txBox="1"/>
-          <p:nvPr/>
-        </p:nvSpPr>
-        <p:spPr>
-          <a:xfrm>
-            <a:off x="5588208" y="996336"/>
-            <a:ext cx="1087360" cy="584775"/>
-          </a:xfrm>
-          <a:prstGeom prst="rect">
-            <a:avLst/>
-          </a:prstGeom>
-          <a:noFill/>
-        </p:spPr>
-        <p:txBody>
-          <a:bodyPr wrap="square" rtlCol="0">
-            <a:spAutoFit/>
-          </a:bodyPr>
-          <a:lstStyle/>
-          <a:p>
-            <a:r>
-              <a:rPr lang="ja-JP" altLang="en-US" sz="1600" b="1" dirty="0">
-                <a:latin typeface="メイリオ" panose="020B0604030504040204" pitchFamily="50" charset="-128"/>
-                <a:ea typeface="メイリオ" panose="020B0604030504040204" pitchFamily="50" charset="-128"/>
-              </a:rPr>
-              <a:t>お客様サービス</a:t>
-            </a:r>
-          </a:p>
-        </p:txBody>
-      </p:sp>
-      <p:sp>
-        <p:nvSpPr>
-          <p:cNvPr id="18" name="角丸四角形 17"/>
-          <p:cNvSpPr/>
-          <p:nvPr/>
-        </p:nvSpPr>
-        <p:spPr>
-          <a:xfrm>
-            <a:off x="4839619" y="2916625"/>
-            <a:ext cx="2978817" cy="2160588"/>
-          </a:xfrm>
-          <a:prstGeom prst="roundRect">
-            <a:avLst>
-              <a:gd name="adj" fmla="val 9662"/>
-            </a:avLst>
-          </a:prstGeom>
-          <a:solidFill>
-            <a:schemeClr val="accent1">
-              <a:lumMod val="75000"/>
-            </a:schemeClr>
-          </a:solidFill>
-          <a:ln>
-            <a:solidFill>
-              <a:schemeClr val="accent1">
-                <a:lumMod val="50000"/>
-              </a:schemeClr>
-            </a:solidFill>
-          </a:ln>
-        </p:spPr>
-        <p:style>
-          <a:lnRef idx="3">
-            <a:schemeClr val="lt1"/>
-          </a:lnRef>
-          <a:fillRef idx="1">
-            <a:schemeClr val="accent1"/>
-          </a:fillRef>
-          <a:effectRef idx="1">
-            <a:schemeClr val="accent1"/>
-          </a:effectRef>
-          <a:fontRef idx="minor">
-            <a:schemeClr val="lt1"/>
-          </a:fontRef>
-        </p:style>
-        <p:txBody>
-          <a:bodyPr rtlCol="0" anchor="ctr"/>
-          <a:lstStyle/>
-          <a:p>
-            <a:pPr algn="ctr"/>
-            <a:endParaRPr lang="ja-JP" altLang="en-US" dirty="0">
-              <a:latin typeface="メイリオ" panose="020B0604030504040204" pitchFamily="50" charset="-128"/>
-              <a:ea typeface="メイリオ" panose="020B0604030504040204" pitchFamily="50" charset="-128"/>
-            </a:endParaRPr>
-          </a:p>
-        </p:txBody>
-      </p:sp>
-      <p:cxnSp>
-        <p:nvCxnSpPr>
-          <p:cNvPr id="24" name="直線矢印コネクタ 23"/>
-          <p:cNvCxnSpPr/>
-          <p:nvPr/>
-        </p:nvCxnSpPr>
-        <p:spPr>
-          <a:xfrm flipV="1">
-            <a:off x="6292597" y="1581111"/>
-            <a:ext cx="6327" cy="1328109"/>
-          </a:xfrm>
-          <a:prstGeom prst="straightConnector1">
-            <a:avLst/>
-          </a:prstGeom>
-          <a:ln w="76200">
-            <a:solidFill>
-              <a:schemeClr val="accent1">
-                <a:lumMod val="75000"/>
-              </a:schemeClr>
-            </a:solidFill>
-            <a:tailEnd type="triangle"/>
-          </a:ln>
-        </p:spPr>
-        <p:style>
-          <a:lnRef idx="1">
-            <a:schemeClr val="accent1"/>
-          </a:lnRef>
-          <a:fillRef idx="0">
-            <a:schemeClr val="accent1"/>
-          </a:fillRef>
-          <a:effectRef idx="0">
-            <a:schemeClr val="accent1"/>
-          </a:effectRef>
-          <a:fontRef idx="minor">
-            <a:schemeClr val="tx1"/>
-          </a:fontRef>
-        </p:style>
-      </p:cxnSp>
-      <p:sp>
-        <p:nvSpPr>
-          <p:cNvPr id="26" name="角丸四角形 25"/>
-          <p:cNvSpPr/>
-          <p:nvPr/>
-        </p:nvSpPr>
-        <p:spPr>
-          <a:xfrm>
-            <a:off x="7982282" y="2916625"/>
-            <a:ext cx="2833729" cy="2160588"/>
-          </a:xfrm>
-          <a:prstGeom prst="roundRect">
-            <a:avLst>
-              <a:gd name="adj" fmla="val 7308"/>
-            </a:avLst>
-          </a:prstGeom>
-          <a:ln w="19050"/>
-        </p:spPr>
-        <p:style>
-          <a:lnRef idx="2">
-            <a:schemeClr val="accent2">
-              <a:shade val="50000"/>
-            </a:schemeClr>
-          </a:lnRef>
-          <a:fillRef idx="1">
-            <a:schemeClr val="accent2"/>
-          </a:fillRef>
-          <a:effectRef idx="0">
-            <a:schemeClr val="accent2"/>
-          </a:effectRef>
-          <a:fontRef idx="minor">
-            <a:schemeClr val="lt1"/>
-          </a:fontRef>
-        </p:style>
-        <p:txBody>
-          <a:bodyPr rtlCol="0" anchor="ctr"/>
-          <a:lstStyle/>
-          <a:p>
-            <a:pPr algn="ctr"/>
-            <a:endParaRPr lang="ja-JP" altLang="en-US">
-              <a:latin typeface="メイリオ" panose="020B0604030504040204" pitchFamily="50" charset="-128"/>
-              <a:ea typeface="メイリオ" panose="020B0604030504040204" pitchFamily="50" charset="-128"/>
-            </a:endParaRPr>
-          </a:p>
-        </p:txBody>
-      </p:sp>
-      <p:sp>
-        <p:nvSpPr>
-          <p:cNvPr id="32" name="角丸四角形 31"/>
-          <p:cNvSpPr/>
-          <p:nvPr/>
-        </p:nvSpPr>
-        <p:spPr>
-          <a:xfrm>
-            <a:off x="3736048" y="1950161"/>
-            <a:ext cx="5113460" cy="348702"/>
-          </a:xfrm>
-          <a:prstGeom prst="roundRect">
-            <a:avLst>
-              <a:gd name="adj" fmla="val 50000"/>
-            </a:avLst>
-          </a:prstGeom>
-          <a:ln>
-            <a:solidFill>
-              <a:srgbClr val="FF0000"/>
-            </a:solidFill>
-          </a:ln>
-        </p:spPr>
-        <p:style>
-          <a:lnRef idx="2">
-            <a:schemeClr val="accent2"/>
-          </a:lnRef>
-          <a:fillRef idx="1">
-            <a:schemeClr val="lt1"/>
-          </a:fillRef>
-          <a:effectRef idx="0">
-            <a:schemeClr val="accent2"/>
-          </a:effectRef>
-          <a:fontRef idx="minor">
-            <a:schemeClr val="dk1"/>
-          </a:fontRef>
-        </p:style>
-        <p:txBody>
-          <a:bodyPr rtlCol="0" anchor="ctr"/>
-          <a:lstStyle/>
-          <a:p>
-            <a:pPr algn="ctr"/>
-            <a:r>
-              <a:rPr lang="ja-JP" altLang="en-US" b="1" dirty="0">
-                <a:latin typeface="メイリオ" panose="020B0604030504040204" pitchFamily="50" charset="-128"/>
-                <a:ea typeface="メイリオ" panose="020B0604030504040204" pitchFamily="50" charset="-128"/>
-              </a:rPr>
-              <a:t>お客様のビジネスのバリューアップ！</a:t>
-            </a:r>
-            <a:endParaRPr lang="en-US" altLang="ja-JP" b="1" dirty="0">
-              <a:latin typeface="メイリオ" panose="020B0604030504040204" pitchFamily="50" charset="-128"/>
-              <a:ea typeface="メイリオ" panose="020B0604030504040204" pitchFamily="50" charset="-128"/>
-            </a:endParaRPr>
-          </a:p>
-        </p:txBody>
-      </p:sp>
-      <p:pic>
-        <p:nvPicPr>
-          <p:cNvPr id="61" name="図 60"/>
-          <p:cNvPicPr>
-            <a:picLocks noChangeAspect="1"/>
-          </p:cNvPicPr>
-          <p:nvPr/>
-        </p:nvPicPr>
-        <p:blipFill>
-          <a:blip r:embed="rId4"/>
-          <a:stretch>
-            <a:fillRect/>
-          </a:stretch>
-        </p:blipFill>
-        <p:spPr>
-          <a:xfrm>
-            <a:off x="5302732" y="5548857"/>
-            <a:ext cx="762000" cy="765849"/>
-          </a:xfrm>
-          <a:prstGeom prst="rect">
-            <a:avLst/>
-          </a:prstGeom>
-        </p:spPr>
-      </p:pic>
-      <p:sp>
-        <p:nvSpPr>
-          <p:cNvPr id="4" name="正方形/長方形 3"/>
-          <p:cNvSpPr/>
-          <p:nvPr/>
-        </p:nvSpPr>
-        <p:spPr>
-          <a:xfrm>
-            <a:off x="5158271" y="5445126"/>
-            <a:ext cx="2420669" cy="1008063"/>
-          </a:xfrm>
-          <a:prstGeom prst="rect">
-            <a:avLst/>
-          </a:prstGeom>
-          <a:noFill/>
-          <a:ln>
-            <a:solidFill>
-              <a:schemeClr val="tx1"/>
-            </a:solidFill>
-          </a:ln>
-        </p:spPr>
-        <p:style>
-          <a:lnRef idx="2">
-            <a:schemeClr val="accent1">
-              <a:shade val="50000"/>
-            </a:schemeClr>
-          </a:lnRef>
-          <a:fillRef idx="1">
-            <a:schemeClr val="accent1"/>
-          </a:fillRef>
-          <a:effectRef idx="0">
-            <a:schemeClr val="accent1"/>
-          </a:effectRef>
-          <a:fontRef idx="minor">
-            <a:schemeClr val="lt1"/>
-          </a:fontRef>
-        </p:style>
-        <p:txBody>
-          <a:bodyPr rtlCol="0" anchor="ctr"/>
-          <a:lstStyle/>
-          <a:p>
-            <a:pPr algn="ctr"/>
-            <a:endParaRPr lang="ja-JP" altLang="en-US"/>
-          </a:p>
-        </p:txBody>
-      </p:sp>
-      <p:sp>
-        <p:nvSpPr>
-          <p:cNvPr id="5" name="テキスト ボックス 4"/>
-          <p:cNvSpPr txBox="1"/>
-          <p:nvPr/>
-        </p:nvSpPr>
-        <p:spPr>
-          <a:xfrm>
-            <a:off x="6023457" y="5631423"/>
-            <a:ext cx="1338828" cy="646331"/>
-          </a:xfrm>
-          <a:prstGeom prst="rect">
-            <a:avLst/>
-          </a:prstGeom>
-          <a:noFill/>
-        </p:spPr>
-        <p:txBody>
-          <a:bodyPr wrap="none" rtlCol="0">
-            <a:spAutoFit/>
-          </a:bodyPr>
-          <a:lstStyle>
-            <a:defPPr>
-              <a:defRPr lang="ja-JP"/>
-            </a:defPPr>
-            <a:lvl1pPr>
-              <a:defRPr b="1">
-                <a:latin typeface="メイリオ" panose="020B0604030504040204" pitchFamily="50" charset="-128"/>
-                <a:ea typeface="メイリオ" panose="020B0604030504040204" pitchFamily="50" charset="-128"/>
-              </a:defRPr>
-            </a:lvl1pPr>
-          </a:lstStyle>
-          <a:p>
-            <a:r>
-              <a:rPr lang="en-US" altLang="ja-JP" dirty="0" err="1"/>
-              <a:t>AIoT</a:t>
-            </a:r>
-            <a:endParaRPr lang="en-US" altLang="ja-JP" dirty="0"/>
-          </a:p>
-          <a:p>
-            <a:r>
-              <a:rPr lang="ja-JP" altLang="en-US" dirty="0"/>
-              <a:t>モジュール</a:t>
-            </a:r>
-          </a:p>
-        </p:txBody>
-      </p:sp>
-      <p:sp>
-        <p:nvSpPr>
-          <p:cNvPr id="62" name="テキスト ボックス 61"/>
-          <p:cNvSpPr txBox="1"/>
-          <p:nvPr/>
-        </p:nvSpPr>
-        <p:spPr>
-          <a:xfrm>
-            <a:off x="7693733" y="6139254"/>
-            <a:ext cx="954107" cy="276999"/>
-          </a:xfrm>
-          <a:prstGeom prst="rect">
-            <a:avLst/>
-          </a:prstGeom>
-          <a:noFill/>
-        </p:spPr>
-        <p:txBody>
-          <a:bodyPr wrap="none" rtlCol="0">
-            <a:spAutoFit/>
-          </a:bodyPr>
-          <a:lstStyle/>
-          <a:p>
-            <a:r>
-              <a:rPr lang="ja-JP" altLang="en-US" sz="1200" dirty="0">
-                <a:latin typeface="メイリオ" panose="020B0604030504040204" pitchFamily="50" charset="-128"/>
-                <a:ea typeface="メイリオ" panose="020B0604030504040204" pitchFamily="50" charset="-128"/>
-              </a:rPr>
-              <a:t>お客様機器</a:t>
-            </a:r>
-          </a:p>
-        </p:txBody>
-      </p:sp>
-      <p:cxnSp>
-        <p:nvCxnSpPr>
-          <p:cNvPr id="8" name="直線矢印コネクタ 7"/>
-          <p:cNvCxnSpPr>
-            <a:stCxn id="61" idx="0"/>
-          </p:cNvCxnSpPr>
-          <p:nvPr/>
-        </p:nvCxnSpPr>
-        <p:spPr>
-          <a:xfrm flipH="1" flipV="1">
-            <a:off x="3736048" y="5084620"/>
-            <a:ext cx="1947684" cy="464237"/>
-          </a:xfrm>
-          <a:prstGeom prst="straightConnector1">
-            <a:avLst/>
-          </a:prstGeom>
-          <a:ln w="38100">
-            <a:solidFill>
-              <a:srgbClr val="FF0000"/>
-            </a:solidFill>
-            <a:tailEnd type="triangle"/>
-          </a:ln>
-        </p:spPr>
-        <p:style>
-          <a:lnRef idx="1">
-            <a:schemeClr val="accent1"/>
-          </a:lnRef>
-          <a:fillRef idx="0">
-            <a:schemeClr val="accent1"/>
-          </a:fillRef>
-          <a:effectRef idx="0">
-            <a:schemeClr val="accent1"/>
-          </a:effectRef>
-          <a:fontRef idx="minor">
-            <a:schemeClr val="tx1"/>
-          </a:fontRef>
-        </p:style>
-      </p:cxnSp>
-      <p:cxnSp>
-        <p:nvCxnSpPr>
-          <p:cNvPr id="63" name="直線矢印コネクタ 62"/>
-          <p:cNvCxnSpPr>
-            <a:stCxn id="61" idx="0"/>
-          </p:cNvCxnSpPr>
-          <p:nvPr/>
-        </p:nvCxnSpPr>
-        <p:spPr>
-          <a:xfrm flipV="1">
-            <a:off x="5683732" y="5059166"/>
-            <a:ext cx="0" cy="489690"/>
-          </a:xfrm>
-          <a:prstGeom prst="straightConnector1">
-            <a:avLst/>
-          </a:prstGeom>
-          <a:ln w="38100">
-            <a:solidFill>
-              <a:srgbClr val="FF0000"/>
-            </a:solidFill>
-            <a:tailEnd type="triangle"/>
-          </a:ln>
-        </p:spPr>
-        <p:style>
-          <a:lnRef idx="1">
-            <a:schemeClr val="accent1"/>
-          </a:lnRef>
-          <a:fillRef idx="0">
-            <a:schemeClr val="accent1"/>
-          </a:fillRef>
-          <a:effectRef idx="0">
-            <a:schemeClr val="accent1"/>
-          </a:effectRef>
-          <a:fontRef idx="minor">
-            <a:schemeClr val="tx1"/>
-          </a:fontRef>
-        </p:style>
-      </p:cxnSp>
-      <p:sp>
-        <p:nvSpPr>
-          <p:cNvPr id="71" name="テキスト ボックス 70"/>
-          <p:cNvSpPr txBox="1"/>
-          <p:nvPr/>
-        </p:nvSpPr>
-        <p:spPr>
-          <a:xfrm>
-            <a:off x="2036299" y="5614153"/>
-            <a:ext cx="3262432" cy="461665"/>
-          </a:xfrm>
-          <a:prstGeom prst="rect">
-            <a:avLst/>
-          </a:prstGeom>
-          <a:noFill/>
-        </p:spPr>
-        <p:txBody>
-          <a:bodyPr wrap="none" rtlCol="0">
-            <a:spAutoFit/>
-          </a:bodyPr>
-          <a:lstStyle/>
-          <a:p>
-            <a:r>
-              <a:rPr lang="en-US" altLang="ja-JP" sz="1200" b="1" dirty="0" err="1">
-                <a:solidFill>
-                  <a:srgbClr val="FF0000"/>
-                </a:solidFill>
-                <a:latin typeface="メイリオ" panose="020B0604030504040204" pitchFamily="50" charset="-128"/>
-                <a:ea typeface="メイリオ" panose="020B0604030504040204" pitchFamily="50" charset="-128"/>
-              </a:rPr>
-              <a:t>AIoT</a:t>
-            </a:r>
-            <a:r>
-              <a:rPr lang="ja-JP" altLang="en-US" sz="1200" b="1" dirty="0">
-                <a:solidFill>
-                  <a:srgbClr val="FF0000"/>
-                </a:solidFill>
-                <a:latin typeface="メイリオ" panose="020B0604030504040204" pitchFamily="50" charset="-128"/>
-                <a:ea typeface="メイリオ" panose="020B0604030504040204" pitchFamily="50" charset="-128"/>
-              </a:rPr>
-              <a:t>モジュールを組み込めば、</a:t>
-            </a:r>
-            <a:endParaRPr lang="en-US" altLang="ja-JP" sz="1200" b="1" dirty="0">
-              <a:solidFill>
-                <a:srgbClr val="FF0000"/>
-              </a:solidFill>
-              <a:latin typeface="メイリオ" panose="020B0604030504040204" pitchFamily="50" charset="-128"/>
-              <a:ea typeface="メイリオ" panose="020B0604030504040204" pitchFamily="50" charset="-128"/>
-            </a:endParaRPr>
-          </a:p>
-          <a:p>
-            <a:r>
-              <a:rPr lang="ja-JP" altLang="en-US" sz="1200" b="1" dirty="0">
-                <a:solidFill>
-                  <a:srgbClr val="FF0000"/>
-                </a:solidFill>
-                <a:latin typeface="メイリオ" panose="020B0604030504040204" pitchFamily="50" charset="-128"/>
-                <a:ea typeface="メイリオ" panose="020B0604030504040204" pitchFamily="50" charset="-128"/>
-              </a:rPr>
-              <a:t>簡単にクラウドに接続することができます！</a:t>
-            </a:r>
-          </a:p>
-        </p:txBody>
-      </p:sp>
-      <p:sp>
-        <p:nvSpPr>
-          <p:cNvPr id="72" name="Freeform 5"/>
-          <p:cNvSpPr>
-            <a:spLocks noChangeAspect="1" noEditPoints="1"/>
-          </p:cNvSpPr>
-          <p:nvPr/>
-        </p:nvSpPr>
-        <p:spPr bwMode="auto">
-          <a:xfrm>
-            <a:off x="7304224" y="5631423"/>
-            <a:ext cx="497306" cy="667053"/>
-          </a:xfrm>
-          <a:custGeom>
-            <a:avLst/>
-            <a:gdLst>
-              <a:gd name="T0" fmla="*/ 825 w 1124"/>
-              <a:gd name="T1" fmla="*/ 29 h 1509"/>
-              <a:gd name="T2" fmla="*/ 296 w 1124"/>
-              <a:gd name="T3" fmla="*/ 39 h 1509"/>
-              <a:gd name="T4" fmla="*/ 390 w 1124"/>
-              <a:gd name="T5" fmla="*/ 341 h 1509"/>
-              <a:gd name="T6" fmla="*/ 395 w 1124"/>
-              <a:gd name="T7" fmla="*/ 179 h 1509"/>
-              <a:gd name="T8" fmla="*/ 492 w 1124"/>
-              <a:gd name="T9" fmla="*/ 198 h 1509"/>
-              <a:gd name="T10" fmla="*/ 540 w 1124"/>
-              <a:gd name="T11" fmla="*/ 391 h 1509"/>
-              <a:gd name="T12" fmla="*/ 657 w 1124"/>
-              <a:gd name="T13" fmla="*/ 239 h 1509"/>
-              <a:gd name="T14" fmla="*/ 685 w 1124"/>
-              <a:gd name="T15" fmla="*/ 146 h 1509"/>
-              <a:gd name="T16" fmla="*/ 704 w 1124"/>
-              <a:gd name="T17" fmla="*/ 244 h 1509"/>
-              <a:gd name="T18" fmla="*/ 960 w 1124"/>
-              <a:gd name="T19" fmla="*/ 535 h 1509"/>
-              <a:gd name="T20" fmla="*/ 960 w 1124"/>
-              <a:gd name="T21" fmla="*/ 487 h 1509"/>
-              <a:gd name="T22" fmla="*/ 937 w 1124"/>
-              <a:gd name="T23" fmla="*/ 528 h 1509"/>
-              <a:gd name="T24" fmla="*/ 1074 w 1124"/>
-              <a:gd name="T25" fmla="*/ 613 h 1509"/>
-              <a:gd name="T26" fmla="*/ 941 w 1124"/>
-              <a:gd name="T27" fmla="*/ 589 h 1509"/>
-              <a:gd name="T28" fmla="*/ 954 w 1124"/>
-              <a:gd name="T29" fmla="*/ 633 h 1509"/>
-              <a:gd name="T30" fmla="*/ 1119 w 1124"/>
-              <a:gd name="T31" fmla="*/ 693 h 1509"/>
-              <a:gd name="T32" fmla="*/ 930 w 1124"/>
-              <a:gd name="T33" fmla="*/ 706 h 1509"/>
-              <a:gd name="T34" fmla="*/ 1108 w 1124"/>
-              <a:gd name="T35" fmla="*/ 825 h 1509"/>
-              <a:gd name="T36" fmla="*/ 1099 w 1124"/>
-              <a:gd name="T37" fmla="*/ 780 h 1509"/>
-              <a:gd name="T38" fmla="*/ 937 w 1124"/>
-              <a:gd name="T39" fmla="*/ 821 h 1509"/>
-              <a:gd name="T40" fmla="*/ 199 w 1124"/>
-              <a:gd name="T41" fmla="*/ 512 h 1509"/>
-              <a:gd name="T42" fmla="*/ 156 w 1124"/>
-              <a:gd name="T43" fmla="*/ 497 h 1509"/>
-              <a:gd name="T44" fmla="*/ 30 w 1124"/>
-              <a:gd name="T45" fmla="*/ 684 h 1509"/>
-              <a:gd name="T46" fmla="*/ 15 w 1124"/>
-              <a:gd name="T47" fmla="*/ 726 h 1509"/>
-              <a:gd name="T48" fmla="*/ 193 w 1124"/>
-              <a:gd name="T49" fmla="*/ 693 h 1509"/>
-              <a:gd name="T50" fmla="*/ 963 w 1124"/>
-              <a:gd name="T51" fmla="*/ 901 h 1509"/>
-              <a:gd name="T52" fmla="*/ 939 w 1124"/>
-              <a:gd name="T53" fmla="*/ 1022 h 1509"/>
-              <a:gd name="T54" fmla="*/ 1054 w 1124"/>
-              <a:gd name="T55" fmla="*/ 1069 h 1509"/>
-              <a:gd name="T56" fmla="*/ 1123 w 1124"/>
-              <a:gd name="T57" fmla="*/ 966 h 1509"/>
-              <a:gd name="T58" fmla="*/ 1025 w 1124"/>
-              <a:gd name="T59" fmla="*/ 877 h 1509"/>
-              <a:gd name="T60" fmla="*/ 976 w 1124"/>
-              <a:gd name="T61" fmla="*/ 988 h 1509"/>
-              <a:gd name="T62" fmla="*/ 1075 w 1124"/>
-              <a:gd name="T63" fmla="*/ 993 h 1509"/>
-              <a:gd name="T64" fmla="*/ 238 w 1124"/>
-              <a:gd name="T65" fmla="*/ 1415 h 1509"/>
-              <a:gd name="T66" fmla="*/ 238 w 1124"/>
-              <a:gd name="T67" fmla="*/ 1508 h 1509"/>
-              <a:gd name="T68" fmla="*/ 435 w 1124"/>
-              <a:gd name="T69" fmla="*/ 1434 h 1509"/>
-              <a:gd name="T70" fmla="*/ 858 w 1124"/>
-              <a:gd name="T71" fmla="*/ 1054 h 1509"/>
-              <a:gd name="T72" fmla="*/ 897 w 1124"/>
-              <a:gd name="T73" fmla="*/ 555 h 1509"/>
-              <a:gd name="T74" fmla="*/ 320 w 1124"/>
-              <a:gd name="T75" fmla="*/ 489 h 1509"/>
-              <a:gd name="T76" fmla="*/ 223 w 1124"/>
-              <a:gd name="T77" fmla="*/ 574 h 1509"/>
-              <a:gd name="T78" fmla="*/ 282 w 1124"/>
-              <a:gd name="T79" fmla="*/ 1064 h 1509"/>
-              <a:gd name="T80" fmla="*/ 687 w 1124"/>
-              <a:gd name="T81" fmla="*/ 1450 h 1509"/>
-              <a:gd name="T82" fmla="*/ 909 w 1124"/>
-              <a:gd name="T83" fmla="*/ 1501 h 1509"/>
-              <a:gd name="T84" fmla="*/ 882 w 1124"/>
-              <a:gd name="T85" fmla="*/ 1414 h 1509"/>
-              <a:gd name="T86" fmla="*/ 10 w 1124"/>
-              <a:gd name="T87" fmla="*/ 817 h 1509"/>
-              <a:gd name="T88" fmla="*/ 198 w 1124"/>
-              <a:gd name="T89" fmla="*/ 803 h 1509"/>
-              <a:gd name="T90" fmla="*/ 268 w 1124"/>
-              <a:gd name="T91" fmla="*/ 1128 h 1509"/>
-              <a:gd name="T92" fmla="*/ 295 w 1124"/>
-              <a:gd name="T93" fmla="*/ 1363 h 1509"/>
-              <a:gd name="T94" fmla="*/ 382 w 1124"/>
-              <a:gd name="T95" fmla="*/ 1141 h 1509"/>
-              <a:gd name="T96" fmla="*/ 35 w 1124"/>
-              <a:gd name="T97" fmla="*/ 900 h 1509"/>
-              <a:gd name="T98" fmla="*/ 12 w 1124"/>
-              <a:gd name="T99" fmla="*/ 1021 h 1509"/>
-              <a:gd name="T100" fmla="*/ 126 w 1124"/>
-              <a:gd name="T101" fmla="*/ 1067 h 1509"/>
-              <a:gd name="T102" fmla="*/ 195 w 1124"/>
-              <a:gd name="T103" fmla="*/ 964 h 1509"/>
-              <a:gd name="T104" fmla="*/ 97 w 1124"/>
-              <a:gd name="T105" fmla="*/ 877 h 1509"/>
-              <a:gd name="T106" fmla="*/ 52 w 1124"/>
-              <a:gd name="T107" fmla="*/ 988 h 1509"/>
-              <a:gd name="T108" fmla="*/ 151 w 1124"/>
-              <a:gd name="T109" fmla="*/ 993 h 1509"/>
-              <a:gd name="T110" fmla="*/ 772 w 1124"/>
-              <a:gd name="T111" fmla="*/ 1121 h 1509"/>
-              <a:gd name="T112" fmla="*/ 763 w 1124"/>
-              <a:gd name="T113" fmla="*/ 1360 h 1509"/>
-              <a:gd name="T114" fmla="*/ 876 w 1124"/>
-              <a:gd name="T115" fmla="*/ 1159 h 1509"/>
-              <a:gd name="T116" fmla="*/ 192 w 1124"/>
-              <a:gd name="T117" fmla="*/ 626 h 1509"/>
-              <a:gd name="T118" fmla="*/ 78 w 1124"/>
-              <a:gd name="T119" fmla="*/ 586 h 1509"/>
-              <a:gd name="T120" fmla="*/ 68 w 1124"/>
-              <a:gd name="T121" fmla="*/ 631 h 1509"/>
-            </a:gdLst>
-            <a:ahLst/>
-            <a:cxnLst>
-              <a:cxn ang="0">
-                <a:pos x="T0" y="T1"/>
-              </a:cxn>
-              <a:cxn ang="0">
-                <a:pos x="T2" y="T3"/>
-              </a:cxn>
-              <a:cxn ang="0">
-                <a:pos x="T4" y="T5"/>
-              </a:cxn>
-              <a:cxn ang="0">
-                <a:pos x="T6" y="T7"/>
-              </a:cxn>
-              <a:cxn ang="0">
-                <a:pos x="T8" y="T9"/>
-              </a:cxn>
-              <a:cxn ang="0">
-                <a:pos x="T10" y="T11"/>
-              </a:cxn>
-              <a:cxn ang="0">
-                <a:pos x="T12" y="T13"/>
-              </a:cxn>
-              <a:cxn ang="0">
-                <a:pos x="T14" y="T15"/>
-              </a:cxn>
-              <a:cxn ang="0">
-                <a:pos x="T16" y="T17"/>
-              </a:cxn>
-              <a:cxn ang="0">
-                <a:pos x="T18" y="T19"/>
-              </a:cxn>
-              <a:cxn ang="0">
-                <a:pos x="T20" y="T21"/>
-              </a:cxn>
-              <a:cxn ang="0">
-                <a:pos x="T22" y="T23"/>
-              </a:cxn>
-              <a:cxn ang="0">
-                <a:pos x="T24" y="T25"/>
-              </a:cxn>
-              <a:cxn ang="0">
-                <a:pos x="T26" y="T27"/>
-              </a:cxn>
-              <a:cxn ang="0">
-                <a:pos x="T28" y="T29"/>
-              </a:cxn>
-              <a:cxn ang="0">
-                <a:pos x="T30" y="T31"/>
-              </a:cxn>
-              <a:cxn ang="0">
-                <a:pos x="T32" y="T33"/>
-              </a:cxn>
-              <a:cxn ang="0">
-                <a:pos x="T34" y="T35"/>
-              </a:cxn>
-              <a:cxn ang="0">
-                <a:pos x="T36" y="T37"/>
-              </a:cxn>
-              <a:cxn ang="0">
-                <a:pos x="T38" y="T39"/>
-              </a:cxn>
-              <a:cxn ang="0">
-                <a:pos x="T40" y="T41"/>
-              </a:cxn>
-              <a:cxn ang="0">
-                <a:pos x="T42" y="T43"/>
-              </a:cxn>
-              <a:cxn ang="0">
-                <a:pos x="T44" y="T45"/>
-              </a:cxn>
-              <a:cxn ang="0">
-                <a:pos x="T46" y="T47"/>
-              </a:cxn>
-              <a:cxn ang="0">
-                <a:pos x="T48" y="T49"/>
-              </a:cxn>
-              <a:cxn ang="0">
-                <a:pos x="T50" y="T51"/>
-              </a:cxn>
-              <a:cxn ang="0">
-                <a:pos x="T52" y="T53"/>
-              </a:cxn>
-              <a:cxn ang="0">
-                <a:pos x="T54" y="T55"/>
-              </a:cxn>
-              <a:cxn ang="0">
-                <a:pos x="T56" y="T57"/>
-              </a:cxn>
-              <a:cxn ang="0">
-                <a:pos x="T58" y="T59"/>
-              </a:cxn>
-              <a:cxn ang="0">
-                <a:pos x="T60" y="T61"/>
-              </a:cxn>
-              <a:cxn ang="0">
-                <a:pos x="T62" y="T63"/>
-              </a:cxn>
-              <a:cxn ang="0">
-                <a:pos x="T64" y="T65"/>
-              </a:cxn>
-              <a:cxn ang="0">
-                <a:pos x="T66" y="T67"/>
-              </a:cxn>
-              <a:cxn ang="0">
-                <a:pos x="T68" y="T69"/>
-              </a:cxn>
-              <a:cxn ang="0">
-                <a:pos x="T70" y="T71"/>
-              </a:cxn>
-              <a:cxn ang="0">
-                <a:pos x="T72" y="T73"/>
-              </a:cxn>
-              <a:cxn ang="0">
-                <a:pos x="T74" y="T75"/>
-              </a:cxn>
-              <a:cxn ang="0">
-                <a:pos x="T76" y="T77"/>
-              </a:cxn>
-              <a:cxn ang="0">
-                <a:pos x="T78" y="T79"/>
-              </a:cxn>
-              <a:cxn ang="0">
-                <a:pos x="T80" y="T81"/>
-              </a:cxn>
-              <a:cxn ang="0">
-                <a:pos x="T82" y="T83"/>
-              </a:cxn>
-              <a:cxn ang="0">
-                <a:pos x="T84" y="T85"/>
-              </a:cxn>
-              <a:cxn ang="0">
-                <a:pos x="T86" y="T87"/>
-              </a:cxn>
-              <a:cxn ang="0">
-                <a:pos x="T88" y="T89"/>
-              </a:cxn>
-              <a:cxn ang="0">
-                <a:pos x="T90" y="T91"/>
-              </a:cxn>
-              <a:cxn ang="0">
-                <a:pos x="T92" y="T93"/>
-              </a:cxn>
-              <a:cxn ang="0">
-                <a:pos x="T94" y="T95"/>
-              </a:cxn>
-              <a:cxn ang="0">
-                <a:pos x="T96" y="T97"/>
-              </a:cxn>
-              <a:cxn ang="0">
-                <a:pos x="T98" y="T99"/>
-              </a:cxn>
-              <a:cxn ang="0">
-                <a:pos x="T100" y="T101"/>
-              </a:cxn>
-              <a:cxn ang="0">
-                <a:pos x="T102" y="T103"/>
-              </a:cxn>
-              <a:cxn ang="0">
-                <a:pos x="T104" y="T105"/>
-              </a:cxn>
-              <a:cxn ang="0">
-                <a:pos x="T106" y="T107"/>
-              </a:cxn>
-              <a:cxn ang="0">
-                <a:pos x="T108" y="T109"/>
-              </a:cxn>
-              <a:cxn ang="0">
-                <a:pos x="T110" y="T111"/>
-              </a:cxn>
-              <a:cxn ang="0">
-                <a:pos x="T112" y="T113"/>
-              </a:cxn>
-              <a:cxn ang="0">
-                <a:pos x="T114" y="T115"/>
-              </a:cxn>
-              <a:cxn ang="0">
-                <a:pos x="T116" y="T117"/>
-              </a:cxn>
-              <a:cxn ang="0">
-                <a:pos x="T118" y="T119"/>
-              </a:cxn>
-              <a:cxn ang="0">
-                <a:pos x="T120" y="T121"/>
-              </a:cxn>
-            </a:cxnLst>
-            <a:rect l="0" t="0" r="r" b="b"/>
-            <a:pathLst>
-              <a:path w="1124" h="1509">
-                <a:moveTo>
-                  <a:pt x="344" y="439"/>
-                </a:moveTo>
-                <a:lnTo>
-                  <a:pt x="781" y="439"/>
-                </a:lnTo>
-                <a:lnTo>
-                  <a:pt x="781" y="439"/>
-                </a:lnTo>
-                <a:lnTo>
-                  <a:pt x="790" y="437"/>
-                </a:lnTo>
-                <a:lnTo>
-                  <a:pt x="800" y="434"/>
-                </a:lnTo>
-                <a:lnTo>
-                  <a:pt x="808" y="430"/>
-                </a:lnTo>
-                <a:lnTo>
-                  <a:pt x="815" y="424"/>
-                </a:lnTo>
-                <a:lnTo>
-                  <a:pt x="821" y="416"/>
-                </a:lnTo>
-                <a:lnTo>
-                  <a:pt x="825" y="408"/>
-                </a:lnTo>
-                <a:lnTo>
-                  <a:pt x="828" y="400"/>
-                </a:lnTo>
-                <a:lnTo>
-                  <a:pt x="829" y="389"/>
-                </a:lnTo>
-                <a:lnTo>
-                  <a:pt x="829" y="48"/>
-                </a:lnTo>
-                <a:lnTo>
-                  <a:pt x="829" y="48"/>
-                </a:lnTo>
-                <a:lnTo>
-                  <a:pt x="828" y="39"/>
-                </a:lnTo>
-                <a:lnTo>
-                  <a:pt x="825" y="29"/>
-                </a:lnTo>
-                <a:lnTo>
-                  <a:pt x="821" y="21"/>
-                </a:lnTo>
-                <a:lnTo>
-                  <a:pt x="815" y="14"/>
-                </a:lnTo>
-                <a:lnTo>
-                  <a:pt x="808" y="8"/>
-                </a:lnTo>
-                <a:lnTo>
-                  <a:pt x="800" y="3"/>
-                </a:lnTo>
-                <a:lnTo>
-                  <a:pt x="790" y="1"/>
-                </a:lnTo>
-                <a:lnTo>
-                  <a:pt x="781" y="0"/>
-                </a:lnTo>
-                <a:lnTo>
-                  <a:pt x="344" y="0"/>
-                </a:lnTo>
-                <a:lnTo>
-                  <a:pt x="344" y="0"/>
-                </a:lnTo>
-                <a:lnTo>
-                  <a:pt x="334" y="1"/>
-                </a:lnTo>
-                <a:lnTo>
-                  <a:pt x="326" y="3"/>
-                </a:lnTo>
-                <a:lnTo>
-                  <a:pt x="317" y="8"/>
-                </a:lnTo>
-                <a:lnTo>
-                  <a:pt x="309" y="14"/>
-                </a:lnTo>
-                <a:lnTo>
-                  <a:pt x="303" y="21"/>
-                </a:lnTo>
-                <a:lnTo>
-                  <a:pt x="300" y="29"/>
-                </a:lnTo>
-                <a:lnTo>
-                  <a:pt x="296" y="39"/>
-                </a:lnTo>
-                <a:lnTo>
-                  <a:pt x="295" y="48"/>
-                </a:lnTo>
-                <a:lnTo>
-                  <a:pt x="295" y="389"/>
-                </a:lnTo>
-                <a:lnTo>
-                  <a:pt x="295" y="389"/>
-                </a:lnTo>
-                <a:lnTo>
-                  <a:pt x="296" y="400"/>
-                </a:lnTo>
-                <a:lnTo>
-                  <a:pt x="300" y="408"/>
-                </a:lnTo>
-                <a:lnTo>
-                  <a:pt x="303" y="416"/>
-                </a:lnTo>
-                <a:lnTo>
-                  <a:pt x="309" y="424"/>
-                </a:lnTo>
-                <a:lnTo>
-                  <a:pt x="317" y="430"/>
-                </a:lnTo>
-                <a:lnTo>
-                  <a:pt x="326" y="434"/>
-                </a:lnTo>
-                <a:lnTo>
-                  <a:pt x="334" y="437"/>
-                </a:lnTo>
-                <a:lnTo>
-                  <a:pt x="344" y="439"/>
-                </a:lnTo>
-                <a:lnTo>
-                  <a:pt x="344" y="439"/>
-                </a:lnTo>
-                <a:close/>
-                <a:moveTo>
-                  <a:pt x="443" y="391"/>
-                </a:moveTo>
-                <a:lnTo>
-                  <a:pt x="390" y="391"/>
-                </a:lnTo>
-                <a:lnTo>
-                  <a:pt x="390" y="341"/>
-                </a:lnTo>
-                <a:lnTo>
-                  <a:pt x="443" y="341"/>
-                </a:lnTo>
-                <a:lnTo>
-                  <a:pt x="443" y="391"/>
-                </a:lnTo>
-                <a:close/>
-                <a:moveTo>
-                  <a:pt x="442" y="249"/>
-                </a:moveTo>
-                <a:lnTo>
-                  <a:pt x="442" y="249"/>
-                </a:lnTo>
-                <a:lnTo>
-                  <a:pt x="432" y="247"/>
-                </a:lnTo>
-                <a:lnTo>
-                  <a:pt x="422" y="244"/>
-                </a:lnTo>
-                <a:lnTo>
-                  <a:pt x="414" y="239"/>
-                </a:lnTo>
-                <a:lnTo>
-                  <a:pt x="407" y="233"/>
-                </a:lnTo>
-                <a:lnTo>
-                  <a:pt x="400" y="226"/>
-                </a:lnTo>
-                <a:lnTo>
-                  <a:pt x="395" y="218"/>
-                </a:lnTo>
-                <a:lnTo>
-                  <a:pt x="393" y="209"/>
-                </a:lnTo>
-                <a:lnTo>
-                  <a:pt x="392" y="198"/>
-                </a:lnTo>
-                <a:lnTo>
-                  <a:pt x="392" y="198"/>
-                </a:lnTo>
-                <a:lnTo>
-                  <a:pt x="393" y="189"/>
-                </a:lnTo>
-                <a:lnTo>
-                  <a:pt x="395" y="179"/>
-                </a:lnTo>
-                <a:lnTo>
-                  <a:pt x="400" y="170"/>
-                </a:lnTo>
-                <a:lnTo>
-                  <a:pt x="407" y="163"/>
-                </a:lnTo>
-                <a:lnTo>
-                  <a:pt x="414" y="157"/>
-                </a:lnTo>
-                <a:lnTo>
-                  <a:pt x="422" y="152"/>
-                </a:lnTo>
-                <a:lnTo>
-                  <a:pt x="432" y="148"/>
-                </a:lnTo>
-                <a:lnTo>
-                  <a:pt x="442" y="148"/>
-                </a:lnTo>
-                <a:lnTo>
-                  <a:pt x="442" y="148"/>
-                </a:lnTo>
-                <a:lnTo>
-                  <a:pt x="452" y="148"/>
-                </a:lnTo>
-                <a:lnTo>
-                  <a:pt x="461" y="152"/>
-                </a:lnTo>
-                <a:lnTo>
-                  <a:pt x="469" y="157"/>
-                </a:lnTo>
-                <a:lnTo>
-                  <a:pt x="478" y="163"/>
-                </a:lnTo>
-                <a:lnTo>
-                  <a:pt x="484" y="170"/>
-                </a:lnTo>
-                <a:lnTo>
-                  <a:pt x="488" y="179"/>
-                </a:lnTo>
-                <a:lnTo>
-                  <a:pt x="491" y="189"/>
-                </a:lnTo>
-                <a:lnTo>
-                  <a:pt x="492" y="198"/>
-                </a:lnTo>
-                <a:lnTo>
-                  <a:pt x="492" y="198"/>
-                </a:lnTo>
-                <a:lnTo>
-                  <a:pt x="491" y="209"/>
-                </a:lnTo>
-                <a:lnTo>
-                  <a:pt x="488" y="218"/>
-                </a:lnTo>
-                <a:lnTo>
-                  <a:pt x="484" y="226"/>
-                </a:lnTo>
-                <a:lnTo>
-                  <a:pt x="478" y="233"/>
-                </a:lnTo>
-                <a:lnTo>
-                  <a:pt x="469" y="239"/>
-                </a:lnTo>
-                <a:lnTo>
-                  <a:pt x="461" y="244"/>
-                </a:lnTo>
-                <a:lnTo>
-                  <a:pt x="452" y="247"/>
-                </a:lnTo>
-                <a:lnTo>
-                  <a:pt x="442" y="249"/>
-                </a:lnTo>
-                <a:lnTo>
-                  <a:pt x="442" y="249"/>
-                </a:lnTo>
-                <a:close/>
-                <a:moveTo>
-                  <a:pt x="540" y="391"/>
-                </a:moveTo>
-                <a:lnTo>
-                  <a:pt x="488" y="391"/>
-                </a:lnTo>
-                <a:lnTo>
-                  <a:pt x="488" y="341"/>
-                </a:lnTo>
-                <a:lnTo>
-                  <a:pt x="540" y="341"/>
-                </a:lnTo>
-                <a:lnTo>
-                  <a:pt x="540" y="391"/>
-                </a:lnTo>
-                <a:close/>
-                <a:moveTo>
-                  <a:pt x="636" y="391"/>
-                </a:moveTo>
-                <a:lnTo>
-                  <a:pt x="585" y="391"/>
-                </a:lnTo>
-                <a:lnTo>
-                  <a:pt x="585" y="341"/>
-                </a:lnTo>
-                <a:lnTo>
-                  <a:pt x="636" y="341"/>
-                </a:lnTo>
-                <a:lnTo>
-                  <a:pt x="636" y="391"/>
-                </a:lnTo>
-                <a:close/>
-                <a:moveTo>
-                  <a:pt x="736" y="391"/>
-                </a:moveTo>
-                <a:lnTo>
-                  <a:pt x="683" y="391"/>
-                </a:lnTo>
-                <a:lnTo>
-                  <a:pt x="683" y="341"/>
-                </a:lnTo>
-                <a:lnTo>
-                  <a:pt x="736" y="341"/>
-                </a:lnTo>
-                <a:lnTo>
-                  <a:pt x="736" y="391"/>
-                </a:lnTo>
-                <a:close/>
-                <a:moveTo>
-                  <a:pt x="685" y="247"/>
-                </a:moveTo>
-                <a:lnTo>
-                  <a:pt x="685" y="247"/>
-                </a:lnTo>
-                <a:lnTo>
-                  <a:pt x="675" y="246"/>
-                </a:lnTo>
-                <a:lnTo>
-                  <a:pt x="665" y="244"/>
-                </a:lnTo>
-                <a:lnTo>
-                  <a:pt x="657" y="239"/>
-                </a:lnTo>
-                <a:lnTo>
-                  <a:pt x="649" y="232"/>
-                </a:lnTo>
-                <a:lnTo>
-                  <a:pt x="643" y="225"/>
-                </a:lnTo>
-                <a:lnTo>
-                  <a:pt x="638" y="217"/>
-                </a:lnTo>
-                <a:lnTo>
-                  <a:pt x="636" y="207"/>
-                </a:lnTo>
-                <a:lnTo>
-                  <a:pt x="634" y="197"/>
-                </a:lnTo>
-                <a:lnTo>
-                  <a:pt x="634" y="197"/>
-                </a:lnTo>
-                <a:lnTo>
-                  <a:pt x="636" y="186"/>
-                </a:lnTo>
-                <a:lnTo>
-                  <a:pt x="638" y="177"/>
-                </a:lnTo>
-                <a:lnTo>
-                  <a:pt x="643" y="168"/>
-                </a:lnTo>
-                <a:lnTo>
-                  <a:pt x="649" y="160"/>
-                </a:lnTo>
-                <a:lnTo>
-                  <a:pt x="657" y="154"/>
-                </a:lnTo>
-                <a:lnTo>
-                  <a:pt x="665" y="150"/>
-                </a:lnTo>
-                <a:lnTo>
-                  <a:pt x="675" y="147"/>
-                </a:lnTo>
-                <a:lnTo>
-                  <a:pt x="685" y="146"/>
-                </a:lnTo>
-                <a:lnTo>
-                  <a:pt x="685" y="146"/>
-                </a:lnTo>
-                <a:lnTo>
-                  <a:pt x="695" y="147"/>
-                </a:lnTo>
-                <a:lnTo>
-                  <a:pt x="704" y="150"/>
-                </a:lnTo>
-                <a:lnTo>
-                  <a:pt x="713" y="154"/>
-                </a:lnTo>
-                <a:lnTo>
-                  <a:pt x="721" y="160"/>
-                </a:lnTo>
-                <a:lnTo>
-                  <a:pt x="726" y="168"/>
-                </a:lnTo>
-                <a:lnTo>
-                  <a:pt x="731" y="177"/>
-                </a:lnTo>
-                <a:lnTo>
-                  <a:pt x="735" y="186"/>
-                </a:lnTo>
-                <a:lnTo>
-                  <a:pt x="736" y="197"/>
-                </a:lnTo>
-                <a:lnTo>
-                  <a:pt x="736" y="197"/>
-                </a:lnTo>
-                <a:lnTo>
-                  <a:pt x="735" y="207"/>
-                </a:lnTo>
-                <a:lnTo>
-                  <a:pt x="731" y="217"/>
-                </a:lnTo>
-                <a:lnTo>
-                  <a:pt x="726" y="225"/>
-                </a:lnTo>
-                <a:lnTo>
-                  <a:pt x="721" y="232"/>
-                </a:lnTo>
-                <a:lnTo>
-                  <a:pt x="713" y="239"/>
-                </a:lnTo>
-                <a:lnTo>
-                  <a:pt x="704" y="244"/>
-                </a:lnTo>
-                <a:lnTo>
-                  <a:pt x="695" y="246"/>
-                </a:lnTo>
-                <a:lnTo>
-                  <a:pt x="685" y="247"/>
-                </a:lnTo>
-                <a:lnTo>
-                  <a:pt x="685" y="247"/>
-                </a:lnTo>
-                <a:close/>
-                <a:moveTo>
-                  <a:pt x="781" y="48"/>
-                </a:moveTo>
-                <a:lnTo>
-                  <a:pt x="781" y="98"/>
-                </a:lnTo>
-                <a:lnTo>
-                  <a:pt x="590" y="98"/>
-                </a:lnTo>
-                <a:lnTo>
-                  <a:pt x="590" y="245"/>
-                </a:lnTo>
-                <a:lnTo>
-                  <a:pt x="535" y="245"/>
-                </a:lnTo>
-                <a:lnTo>
-                  <a:pt x="535" y="98"/>
-                </a:lnTo>
-                <a:lnTo>
-                  <a:pt x="342" y="98"/>
-                </a:lnTo>
-                <a:lnTo>
-                  <a:pt x="341" y="48"/>
-                </a:lnTo>
-                <a:lnTo>
-                  <a:pt x="781" y="48"/>
-                </a:lnTo>
-                <a:close/>
-                <a:moveTo>
-                  <a:pt x="954" y="535"/>
-                </a:moveTo>
-                <a:lnTo>
-                  <a:pt x="954" y="535"/>
-                </a:lnTo>
-                <a:lnTo>
-                  <a:pt x="960" y="535"/>
-                </a:lnTo>
-                <a:lnTo>
-                  <a:pt x="963" y="534"/>
-                </a:lnTo>
-                <a:lnTo>
-                  <a:pt x="968" y="532"/>
-                </a:lnTo>
-                <a:lnTo>
-                  <a:pt x="972" y="528"/>
-                </a:lnTo>
-                <a:lnTo>
-                  <a:pt x="975" y="525"/>
-                </a:lnTo>
-                <a:lnTo>
-                  <a:pt x="976" y="521"/>
-                </a:lnTo>
-                <a:lnTo>
-                  <a:pt x="979" y="516"/>
-                </a:lnTo>
-                <a:lnTo>
-                  <a:pt x="979" y="512"/>
-                </a:lnTo>
-                <a:lnTo>
-                  <a:pt x="979" y="512"/>
-                </a:lnTo>
-                <a:lnTo>
-                  <a:pt x="979" y="506"/>
-                </a:lnTo>
-                <a:lnTo>
-                  <a:pt x="976" y="502"/>
-                </a:lnTo>
-                <a:lnTo>
-                  <a:pt x="975" y="497"/>
-                </a:lnTo>
-                <a:lnTo>
-                  <a:pt x="972" y="494"/>
-                </a:lnTo>
-                <a:lnTo>
-                  <a:pt x="968" y="490"/>
-                </a:lnTo>
-                <a:lnTo>
-                  <a:pt x="963" y="489"/>
-                </a:lnTo>
-                <a:lnTo>
-                  <a:pt x="960" y="487"/>
-                </a:lnTo>
-                <a:lnTo>
-                  <a:pt x="954" y="487"/>
-                </a:lnTo>
-                <a:lnTo>
-                  <a:pt x="954" y="487"/>
-                </a:lnTo>
-                <a:lnTo>
-                  <a:pt x="949" y="487"/>
-                </a:lnTo>
-                <a:lnTo>
-                  <a:pt x="945" y="489"/>
-                </a:lnTo>
-                <a:lnTo>
-                  <a:pt x="941" y="490"/>
-                </a:lnTo>
-                <a:lnTo>
-                  <a:pt x="937" y="494"/>
-                </a:lnTo>
-                <a:lnTo>
-                  <a:pt x="934" y="497"/>
-                </a:lnTo>
-                <a:lnTo>
-                  <a:pt x="932" y="502"/>
-                </a:lnTo>
-                <a:lnTo>
-                  <a:pt x="930" y="506"/>
-                </a:lnTo>
-                <a:lnTo>
-                  <a:pt x="930" y="512"/>
-                </a:lnTo>
-                <a:lnTo>
-                  <a:pt x="930" y="512"/>
-                </a:lnTo>
-                <a:lnTo>
-                  <a:pt x="930" y="516"/>
-                </a:lnTo>
-                <a:lnTo>
-                  <a:pt x="932" y="521"/>
-                </a:lnTo>
-                <a:lnTo>
-                  <a:pt x="934" y="525"/>
-                </a:lnTo>
-                <a:lnTo>
-                  <a:pt x="937" y="528"/>
-                </a:lnTo>
-                <a:lnTo>
-                  <a:pt x="941" y="532"/>
-                </a:lnTo>
-                <a:lnTo>
-                  <a:pt x="945" y="534"/>
-                </a:lnTo>
-                <a:lnTo>
-                  <a:pt x="949" y="535"/>
-                </a:lnTo>
-                <a:lnTo>
-                  <a:pt x="954" y="535"/>
-                </a:lnTo>
-                <a:lnTo>
-                  <a:pt x="954" y="535"/>
-                </a:lnTo>
-                <a:close/>
-                <a:moveTo>
-                  <a:pt x="954" y="633"/>
-                </a:moveTo>
-                <a:lnTo>
-                  <a:pt x="1049" y="633"/>
-                </a:lnTo>
-                <a:lnTo>
-                  <a:pt x="1049" y="633"/>
-                </a:lnTo>
-                <a:lnTo>
-                  <a:pt x="1054" y="632"/>
-                </a:lnTo>
-                <a:lnTo>
-                  <a:pt x="1059" y="631"/>
-                </a:lnTo>
-                <a:lnTo>
-                  <a:pt x="1064" y="628"/>
-                </a:lnTo>
-                <a:lnTo>
-                  <a:pt x="1067" y="626"/>
-                </a:lnTo>
-                <a:lnTo>
-                  <a:pt x="1070" y="622"/>
-                </a:lnTo>
-                <a:lnTo>
-                  <a:pt x="1072" y="618"/>
-                </a:lnTo>
-                <a:lnTo>
-                  <a:pt x="1074" y="613"/>
-                </a:lnTo>
-                <a:lnTo>
-                  <a:pt x="1074" y="608"/>
-                </a:lnTo>
-                <a:lnTo>
-                  <a:pt x="1074" y="608"/>
-                </a:lnTo>
-                <a:lnTo>
-                  <a:pt x="1074" y="604"/>
-                </a:lnTo>
-                <a:lnTo>
-                  <a:pt x="1072" y="599"/>
-                </a:lnTo>
-                <a:lnTo>
-                  <a:pt x="1070" y="595"/>
-                </a:lnTo>
-                <a:lnTo>
-                  <a:pt x="1067" y="592"/>
-                </a:lnTo>
-                <a:lnTo>
-                  <a:pt x="1064" y="589"/>
-                </a:lnTo>
-                <a:lnTo>
-                  <a:pt x="1059" y="588"/>
-                </a:lnTo>
-                <a:lnTo>
-                  <a:pt x="1054" y="587"/>
-                </a:lnTo>
-                <a:lnTo>
-                  <a:pt x="1049" y="586"/>
-                </a:lnTo>
-                <a:lnTo>
-                  <a:pt x="954" y="586"/>
-                </a:lnTo>
-                <a:lnTo>
-                  <a:pt x="954" y="586"/>
-                </a:lnTo>
-                <a:lnTo>
-                  <a:pt x="949" y="587"/>
-                </a:lnTo>
-                <a:lnTo>
-                  <a:pt x="945" y="588"/>
-                </a:lnTo>
-                <a:lnTo>
-                  <a:pt x="941" y="589"/>
-                </a:lnTo>
-                <a:lnTo>
-                  <a:pt x="937" y="592"/>
-                </a:lnTo>
-                <a:lnTo>
-                  <a:pt x="934" y="595"/>
-                </a:lnTo>
-                <a:lnTo>
-                  <a:pt x="932" y="599"/>
-                </a:lnTo>
-                <a:lnTo>
-                  <a:pt x="930" y="604"/>
-                </a:lnTo>
-                <a:lnTo>
-                  <a:pt x="930" y="608"/>
-                </a:lnTo>
-                <a:lnTo>
-                  <a:pt x="930" y="608"/>
-                </a:lnTo>
-                <a:lnTo>
-                  <a:pt x="930" y="613"/>
-                </a:lnTo>
-                <a:lnTo>
-                  <a:pt x="932" y="618"/>
-                </a:lnTo>
-                <a:lnTo>
-                  <a:pt x="934" y="622"/>
-                </a:lnTo>
-                <a:lnTo>
-                  <a:pt x="937" y="626"/>
-                </a:lnTo>
-                <a:lnTo>
-                  <a:pt x="941" y="628"/>
-                </a:lnTo>
-                <a:lnTo>
-                  <a:pt x="945" y="631"/>
-                </a:lnTo>
-                <a:lnTo>
-                  <a:pt x="949" y="632"/>
-                </a:lnTo>
-                <a:lnTo>
-                  <a:pt x="954" y="633"/>
-                </a:lnTo>
-                <a:lnTo>
-                  <a:pt x="954" y="633"/>
-                </a:lnTo>
-                <a:close/>
-                <a:moveTo>
-                  <a:pt x="954" y="730"/>
-                </a:moveTo>
-                <a:lnTo>
-                  <a:pt x="1099" y="730"/>
-                </a:lnTo>
-                <a:lnTo>
-                  <a:pt x="1099" y="730"/>
-                </a:lnTo>
-                <a:lnTo>
-                  <a:pt x="1104" y="730"/>
-                </a:lnTo>
-                <a:lnTo>
-                  <a:pt x="1108" y="729"/>
-                </a:lnTo>
-                <a:lnTo>
-                  <a:pt x="1112" y="726"/>
-                </a:lnTo>
-                <a:lnTo>
-                  <a:pt x="1116" y="723"/>
-                </a:lnTo>
-                <a:lnTo>
-                  <a:pt x="1119" y="719"/>
-                </a:lnTo>
-                <a:lnTo>
-                  <a:pt x="1121" y="716"/>
-                </a:lnTo>
-                <a:lnTo>
-                  <a:pt x="1123" y="711"/>
-                </a:lnTo>
-                <a:lnTo>
-                  <a:pt x="1123" y="706"/>
-                </a:lnTo>
-                <a:lnTo>
-                  <a:pt x="1123" y="706"/>
-                </a:lnTo>
-                <a:lnTo>
-                  <a:pt x="1123" y="701"/>
-                </a:lnTo>
-                <a:lnTo>
-                  <a:pt x="1121" y="697"/>
-                </a:lnTo>
-                <a:lnTo>
-                  <a:pt x="1119" y="693"/>
-                </a:lnTo>
-                <a:lnTo>
-                  <a:pt x="1116" y="690"/>
-                </a:lnTo>
-                <a:lnTo>
-                  <a:pt x="1112" y="687"/>
-                </a:lnTo>
-                <a:lnTo>
-                  <a:pt x="1108" y="685"/>
-                </a:lnTo>
-                <a:lnTo>
-                  <a:pt x="1104" y="684"/>
-                </a:lnTo>
-                <a:lnTo>
-                  <a:pt x="1099" y="684"/>
-                </a:lnTo>
-                <a:lnTo>
-                  <a:pt x="954" y="684"/>
-                </a:lnTo>
-                <a:lnTo>
-                  <a:pt x="954" y="684"/>
-                </a:lnTo>
-                <a:lnTo>
-                  <a:pt x="949" y="684"/>
-                </a:lnTo>
-                <a:lnTo>
-                  <a:pt x="945" y="685"/>
-                </a:lnTo>
-                <a:lnTo>
-                  <a:pt x="941" y="687"/>
-                </a:lnTo>
-                <a:lnTo>
-                  <a:pt x="937" y="690"/>
-                </a:lnTo>
-                <a:lnTo>
-                  <a:pt x="934" y="693"/>
-                </a:lnTo>
-                <a:lnTo>
-                  <a:pt x="932" y="697"/>
-                </a:lnTo>
-                <a:lnTo>
-                  <a:pt x="930" y="701"/>
-                </a:lnTo>
-                <a:lnTo>
-                  <a:pt x="930" y="706"/>
-                </a:lnTo>
-                <a:lnTo>
-                  <a:pt x="930" y="706"/>
-                </a:lnTo>
-                <a:lnTo>
-                  <a:pt x="930" y="711"/>
-                </a:lnTo>
-                <a:lnTo>
-                  <a:pt x="932" y="716"/>
-                </a:lnTo>
-                <a:lnTo>
-                  <a:pt x="934" y="719"/>
-                </a:lnTo>
-                <a:lnTo>
-                  <a:pt x="937" y="723"/>
-                </a:lnTo>
-                <a:lnTo>
-                  <a:pt x="941" y="726"/>
-                </a:lnTo>
-                <a:lnTo>
-                  <a:pt x="945" y="729"/>
-                </a:lnTo>
-                <a:lnTo>
-                  <a:pt x="949" y="730"/>
-                </a:lnTo>
-                <a:lnTo>
-                  <a:pt x="954" y="730"/>
-                </a:lnTo>
-                <a:lnTo>
-                  <a:pt x="954" y="730"/>
-                </a:lnTo>
-                <a:close/>
-                <a:moveTo>
-                  <a:pt x="954" y="828"/>
-                </a:moveTo>
-                <a:lnTo>
-                  <a:pt x="1099" y="828"/>
-                </a:lnTo>
-                <a:lnTo>
-                  <a:pt x="1099" y="828"/>
-                </a:lnTo>
-                <a:lnTo>
-                  <a:pt x="1104" y="828"/>
-                </a:lnTo>
-                <a:lnTo>
-                  <a:pt x="1108" y="825"/>
-                </a:lnTo>
-                <a:lnTo>
-                  <a:pt x="1112" y="823"/>
-                </a:lnTo>
-                <a:lnTo>
-                  <a:pt x="1116" y="821"/>
-                </a:lnTo>
-                <a:lnTo>
-                  <a:pt x="1119" y="817"/>
-                </a:lnTo>
-                <a:lnTo>
-                  <a:pt x="1121" y="812"/>
-                </a:lnTo>
-                <a:lnTo>
-                  <a:pt x="1123" y="808"/>
-                </a:lnTo>
-                <a:lnTo>
-                  <a:pt x="1123" y="803"/>
-                </a:lnTo>
-                <a:lnTo>
-                  <a:pt x="1123" y="803"/>
-                </a:lnTo>
-                <a:lnTo>
-                  <a:pt x="1123" y="798"/>
-                </a:lnTo>
-                <a:lnTo>
-                  <a:pt x="1121" y="795"/>
-                </a:lnTo>
-                <a:lnTo>
-                  <a:pt x="1119" y="790"/>
-                </a:lnTo>
-                <a:lnTo>
-                  <a:pt x="1116" y="788"/>
-                </a:lnTo>
-                <a:lnTo>
-                  <a:pt x="1112" y="784"/>
-                </a:lnTo>
-                <a:lnTo>
-                  <a:pt x="1108" y="783"/>
-                </a:lnTo>
-                <a:lnTo>
-                  <a:pt x="1104" y="782"/>
-                </a:lnTo>
-                <a:lnTo>
-                  <a:pt x="1099" y="780"/>
-                </a:lnTo>
-                <a:lnTo>
-                  <a:pt x="954" y="780"/>
-                </a:lnTo>
-                <a:lnTo>
-                  <a:pt x="954" y="780"/>
-                </a:lnTo>
-                <a:lnTo>
-                  <a:pt x="949" y="782"/>
-                </a:lnTo>
-                <a:lnTo>
-                  <a:pt x="945" y="783"/>
-                </a:lnTo>
-                <a:lnTo>
-                  <a:pt x="941" y="784"/>
-                </a:lnTo>
-                <a:lnTo>
-                  <a:pt x="937" y="788"/>
-                </a:lnTo>
-                <a:lnTo>
-                  <a:pt x="934" y="790"/>
-                </a:lnTo>
-                <a:lnTo>
-                  <a:pt x="932" y="795"/>
-                </a:lnTo>
-                <a:lnTo>
-                  <a:pt x="930" y="798"/>
-                </a:lnTo>
-                <a:lnTo>
-                  <a:pt x="930" y="803"/>
-                </a:lnTo>
-                <a:lnTo>
-                  <a:pt x="930" y="803"/>
-                </a:lnTo>
-                <a:lnTo>
-                  <a:pt x="930" y="808"/>
-                </a:lnTo>
-                <a:lnTo>
-                  <a:pt x="932" y="812"/>
-                </a:lnTo>
-                <a:lnTo>
-                  <a:pt x="934" y="817"/>
-                </a:lnTo>
-                <a:lnTo>
-                  <a:pt x="937" y="821"/>
-                </a:lnTo>
-                <a:lnTo>
-                  <a:pt x="941" y="823"/>
-                </a:lnTo>
-                <a:lnTo>
-                  <a:pt x="945" y="825"/>
-                </a:lnTo>
-                <a:lnTo>
-                  <a:pt x="949" y="828"/>
-                </a:lnTo>
-                <a:lnTo>
-                  <a:pt x="954" y="828"/>
-                </a:lnTo>
-                <a:lnTo>
-                  <a:pt x="954" y="828"/>
-                </a:lnTo>
-                <a:close/>
-                <a:moveTo>
-                  <a:pt x="176" y="535"/>
-                </a:moveTo>
-                <a:lnTo>
-                  <a:pt x="176" y="535"/>
-                </a:lnTo>
-                <a:lnTo>
-                  <a:pt x="180" y="535"/>
-                </a:lnTo>
-                <a:lnTo>
-                  <a:pt x="185" y="534"/>
-                </a:lnTo>
-                <a:lnTo>
-                  <a:pt x="189" y="532"/>
-                </a:lnTo>
-                <a:lnTo>
-                  <a:pt x="192" y="528"/>
-                </a:lnTo>
-                <a:lnTo>
-                  <a:pt x="196" y="525"/>
-                </a:lnTo>
-                <a:lnTo>
-                  <a:pt x="198" y="521"/>
-                </a:lnTo>
-                <a:lnTo>
-                  <a:pt x="199" y="516"/>
-                </a:lnTo>
-                <a:lnTo>
-                  <a:pt x="199" y="512"/>
-                </a:lnTo>
-                <a:lnTo>
-                  <a:pt x="199" y="512"/>
-                </a:lnTo>
-                <a:lnTo>
-                  <a:pt x="199" y="506"/>
-                </a:lnTo>
-                <a:lnTo>
-                  <a:pt x="198" y="502"/>
-                </a:lnTo>
-                <a:lnTo>
-                  <a:pt x="196" y="497"/>
-                </a:lnTo>
-                <a:lnTo>
-                  <a:pt x="192" y="494"/>
-                </a:lnTo>
-                <a:lnTo>
-                  <a:pt x="189" y="490"/>
-                </a:lnTo>
-                <a:lnTo>
-                  <a:pt x="185" y="489"/>
-                </a:lnTo>
-                <a:lnTo>
-                  <a:pt x="180" y="487"/>
-                </a:lnTo>
-                <a:lnTo>
-                  <a:pt x="176" y="487"/>
-                </a:lnTo>
-                <a:lnTo>
-                  <a:pt x="176" y="487"/>
-                </a:lnTo>
-                <a:lnTo>
-                  <a:pt x="171" y="487"/>
-                </a:lnTo>
-                <a:lnTo>
-                  <a:pt x="166" y="489"/>
-                </a:lnTo>
-                <a:lnTo>
-                  <a:pt x="162" y="490"/>
-                </a:lnTo>
-                <a:lnTo>
-                  <a:pt x="158" y="494"/>
-                </a:lnTo>
-                <a:lnTo>
-                  <a:pt x="156" y="497"/>
-                </a:lnTo>
-                <a:lnTo>
-                  <a:pt x="153" y="502"/>
-                </a:lnTo>
-                <a:lnTo>
-                  <a:pt x="152" y="506"/>
-                </a:lnTo>
-                <a:lnTo>
-                  <a:pt x="151" y="512"/>
-                </a:lnTo>
-                <a:lnTo>
-                  <a:pt x="151" y="512"/>
-                </a:lnTo>
-                <a:lnTo>
-                  <a:pt x="152" y="516"/>
-                </a:lnTo>
-                <a:lnTo>
-                  <a:pt x="153" y="521"/>
-                </a:lnTo>
-                <a:lnTo>
-                  <a:pt x="156" y="525"/>
-                </a:lnTo>
-                <a:lnTo>
-                  <a:pt x="158" y="528"/>
-                </a:lnTo>
-                <a:lnTo>
-                  <a:pt x="162" y="532"/>
-                </a:lnTo>
-                <a:lnTo>
-                  <a:pt x="166" y="534"/>
-                </a:lnTo>
-                <a:lnTo>
-                  <a:pt x="171" y="535"/>
-                </a:lnTo>
-                <a:lnTo>
-                  <a:pt x="176" y="535"/>
-                </a:lnTo>
-                <a:lnTo>
-                  <a:pt x="176" y="535"/>
-                </a:lnTo>
-                <a:close/>
-                <a:moveTo>
-                  <a:pt x="173" y="684"/>
-                </a:moveTo>
-                <a:lnTo>
-                  <a:pt x="30" y="684"/>
-                </a:lnTo>
-                <a:lnTo>
-                  <a:pt x="30" y="684"/>
-                </a:lnTo>
-                <a:lnTo>
-                  <a:pt x="25" y="684"/>
-                </a:lnTo>
-                <a:lnTo>
-                  <a:pt x="20" y="685"/>
-                </a:lnTo>
-                <a:lnTo>
-                  <a:pt x="15" y="687"/>
-                </a:lnTo>
-                <a:lnTo>
-                  <a:pt x="12" y="690"/>
-                </a:lnTo>
-                <a:lnTo>
-                  <a:pt x="10" y="693"/>
-                </a:lnTo>
-                <a:lnTo>
-                  <a:pt x="7" y="697"/>
-                </a:lnTo>
-                <a:lnTo>
-                  <a:pt x="6" y="701"/>
-                </a:lnTo>
-                <a:lnTo>
-                  <a:pt x="5" y="706"/>
-                </a:lnTo>
-                <a:lnTo>
-                  <a:pt x="5" y="706"/>
-                </a:lnTo>
-                <a:lnTo>
-                  <a:pt x="6" y="711"/>
-                </a:lnTo>
-                <a:lnTo>
-                  <a:pt x="7" y="716"/>
-                </a:lnTo>
-                <a:lnTo>
-                  <a:pt x="10" y="719"/>
-                </a:lnTo>
-                <a:lnTo>
-                  <a:pt x="12" y="723"/>
-                </a:lnTo>
-                <a:lnTo>
-                  <a:pt x="15" y="726"/>
-                </a:lnTo>
-                <a:lnTo>
-                  <a:pt x="20" y="729"/>
-                </a:lnTo>
-                <a:lnTo>
-                  <a:pt x="25" y="730"/>
-                </a:lnTo>
-                <a:lnTo>
-                  <a:pt x="30" y="730"/>
-                </a:lnTo>
-                <a:lnTo>
-                  <a:pt x="173" y="730"/>
-                </a:lnTo>
-                <a:lnTo>
-                  <a:pt x="173" y="730"/>
-                </a:lnTo>
-                <a:lnTo>
-                  <a:pt x="177" y="729"/>
-                </a:lnTo>
-                <a:lnTo>
-                  <a:pt x="185" y="723"/>
-                </a:lnTo>
-                <a:lnTo>
-                  <a:pt x="190" y="719"/>
-                </a:lnTo>
-                <a:lnTo>
-                  <a:pt x="195" y="716"/>
-                </a:lnTo>
-                <a:lnTo>
-                  <a:pt x="197" y="711"/>
-                </a:lnTo>
-                <a:lnTo>
-                  <a:pt x="198" y="706"/>
-                </a:lnTo>
-                <a:lnTo>
-                  <a:pt x="198" y="706"/>
-                </a:lnTo>
-                <a:lnTo>
-                  <a:pt x="197" y="701"/>
-                </a:lnTo>
-                <a:lnTo>
-                  <a:pt x="196" y="697"/>
-                </a:lnTo>
-                <a:lnTo>
-                  <a:pt x="193" y="693"/>
-                </a:lnTo>
-                <a:lnTo>
-                  <a:pt x="191" y="690"/>
-                </a:lnTo>
-                <a:lnTo>
-                  <a:pt x="188" y="687"/>
-                </a:lnTo>
-                <a:lnTo>
-                  <a:pt x="183" y="685"/>
-                </a:lnTo>
-                <a:lnTo>
-                  <a:pt x="178" y="684"/>
-                </a:lnTo>
-                <a:lnTo>
-                  <a:pt x="173" y="684"/>
-                </a:lnTo>
-                <a:lnTo>
-                  <a:pt x="173" y="684"/>
-                </a:lnTo>
-                <a:close/>
-                <a:moveTo>
-                  <a:pt x="1025" y="877"/>
-                </a:moveTo>
-                <a:lnTo>
-                  <a:pt x="1025" y="877"/>
-                </a:lnTo>
-                <a:lnTo>
-                  <a:pt x="1015" y="878"/>
-                </a:lnTo>
-                <a:lnTo>
-                  <a:pt x="1006" y="880"/>
-                </a:lnTo>
-                <a:lnTo>
-                  <a:pt x="996" y="882"/>
-                </a:lnTo>
-                <a:lnTo>
-                  <a:pt x="987" y="885"/>
-                </a:lnTo>
-                <a:lnTo>
-                  <a:pt x="979" y="890"/>
-                </a:lnTo>
-                <a:lnTo>
-                  <a:pt x="970" y="895"/>
-                </a:lnTo>
-                <a:lnTo>
-                  <a:pt x="963" y="901"/>
-                </a:lnTo>
-                <a:lnTo>
-                  <a:pt x="956" y="907"/>
-                </a:lnTo>
-                <a:lnTo>
-                  <a:pt x="949" y="914"/>
-                </a:lnTo>
-                <a:lnTo>
-                  <a:pt x="943" y="921"/>
-                </a:lnTo>
-                <a:lnTo>
-                  <a:pt x="939" y="929"/>
-                </a:lnTo>
-                <a:lnTo>
-                  <a:pt x="935" y="937"/>
-                </a:lnTo>
-                <a:lnTo>
-                  <a:pt x="932" y="947"/>
-                </a:lnTo>
-                <a:lnTo>
-                  <a:pt x="929" y="956"/>
-                </a:lnTo>
-                <a:lnTo>
-                  <a:pt x="928" y="966"/>
-                </a:lnTo>
-                <a:lnTo>
-                  <a:pt x="927" y="976"/>
-                </a:lnTo>
-                <a:lnTo>
-                  <a:pt x="927" y="976"/>
-                </a:lnTo>
-                <a:lnTo>
-                  <a:pt x="928" y="986"/>
-                </a:lnTo>
-                <a:lnTo>
-                  <a:pt x="929" y="996"/>
-                </a:lnTo>
-                <a:lnTo>
-                  <a:pt x="932" y="1005"/>
-                </a:lnTo>
-                <a:lnTo>
-                  <a:pt x="935" y="1014"/>
-                </a:lnTo>
-                <a:lnTo>
-                  <a:pt x="939" y="1022"/>
-                </a:lnTo>
-                <a:lnTo>
-                  <a:pt x="943" y="1030"/>
-                </a:lnTo>
-                <a:lnTo>
-                  <a:pt x="949" y="1039"/>
-                </a:lnTo>
-                <a:lnTo>
-                  <a:pt x="956" y="1046"/>
-                </a:lnTo>
-                <a:lnTo>
-                  <a:pt x="963" y="1052"/>
-                </a:lnTo>
-                <a:lnTo>
-                  <a:pt x="970" y="1058"/>
-                </a:lnTo>
-                <a:lnTo>
-                  <a:pt x="979" y="1062"/>
-                </a:lnTo>
-                <a:lnTo>
-                  <a:pt x="987" y="1066"/>
-                </a:lnTo>
-                <a:lnTo>
-                  <a:pt x="996" y="1069"/>
-                </a:lnTo>
-                <a:lnTo>
-                  <a:pt x="1006" y="1072"/>
-                </a:lnTo>
-                <a:lnTo>
-                  <a:pt x="1015" y="1074"/>
-                </a:lnTo>
-                <a:lnTo>
-                  <a:pt x="1025" y="1074"/>
-                </a:lnTo>
-                <a:lnTo>
-                  <a:pt x="1025" y="1074"/>
-                </a:lnTo>
-                <a:lnTo>
-                  <a:pt x="1035" y="1074"/>
-                </a:lnTo>
-                <a:lnTo>
-                  <a:pt x="1045" y="1072"/>
-                </a:lnTo>
-                <a:lnTo>
-                  <a:pt x="1054" y="1069"/>
-                </a:lnTo>
-                <a:lnTo>
-                  <a:pt x="1064" y="1066"/>
-                </a:lnTo>
-                <a:lnTo>
-                  <a:pt x="1072" y="1062"/>
-                </a:lnTo>
-                <a:lnTo>
-                  <a:pt x="1080" y="1058"/>
-                </a:lnTo>
-                <a:lnTo>
-                  <a:pt x="1087" y="1052"/>
-                </a:lnTo>
-                <a:lnTo>
-                  <a:pt x="1094" y="1046"/>
-                </a:lnTo>
-                <a:lnTo>
-                  <a:pt x="1101" y="1039"/>
-                </a:lnTo>
-                <a:lnTo>
-                  <a:pt x="1106" y="1030"/>
-                </a:lnTo>
-                <a:lnTo>
-                  <a:pt x="1112" y="1022"/>
-                </a:lnTo>
-                <a:lnTo>
-                  <a:pt x="1116" y="1014"/>
-                </a:lnTo>
-                <a:lnTo>
-                  <a:pt x="1119" y="1005"/>
-                </a:lnTo>
-                <a:lnTo>
-                  <a:pt x="1121" y="996"/>
-                </a:lnTo>
-                <a:lnTo>
-                  <a:pt x="1123" y="986"/>
-                </a:lnTo>
-                <a:lnTo>
-                  <a:pt x="1124" y="976"/>
-                </a:lnTo>
-                <a:lnTo>
-                  <a:pt x="1124" y="976"/>
-                </a:lnTo>
-                <a:lnTo>
-                  <a:pt x="1123" y="966"/>
-                </a:lnTo>
-                <a:lnTo>
-                  <a:pt x="1121" y="956"/>
-                </a:lnTo>
-                <a:lnTo>
-                  <a:pt x="1119" y="947"/>
-                </a:lnTo>
-                <a:lnTo>
-                  <a:pt x="1116" y="937"/>
-                </a:lnTo>
-                <a:lnTo>
-                  <a:pt x="1112" y="929"/>
-                </a:lnTo>
-                <a:lnTo>
-                  <a:pt x="1106" y="921"/>
-                </a:lnTo>
-                <a:lnTo>
-                  <a:pt x="1101" y="914"/>
-                </a:lnTo>
-                <a:lnTo>
-                  <a:pt x="1094" y="907"/>
-                </a:lnTo>
-                <a:lnTo>
-                  <a:pt x="1087" y="901"/>
-                </a:lnTo>
-                <a:lnTo>
-                  <a:pt x="1080" y="895"/>
-                </a:lnTo>
-                <a:lnTo>
-                  <a:pt x="1072" y="890"/>
-                </a:lnTo>
-                <a:lnTo>
-                  <a:pt x="1064" y="885"/>
-                </a:lnTo>
-                <a:lnTo>
-                  <a:pt x="1054" y="882"/>
-                </a:lnTo>
-                <a:lnTo>
-                  <a:pt x="1045" y="880"/>
-                </a:lnTo>
-                <a:lnTo>
-                  <a:pt x="1035" y="878"/>
-                </a:lnTo>
-                <a:lnTo>
-                  <a:pt x="1025" y="877"/>
-                </a:lnTo>
-                <a:lnTo>
-                  <a:pt x="1025" y="877"/>
-                </a:lnTo>
-                <a:close/>
-                <a:moveTo>
-                  <a:pt x="1052" y="1022"/>
-                </a:moveTo>
-                <a:lnTo>
-                  <a:pt x="999" y="1022"/>
-                </a:lnTo>
-                <a:lnTo>
-                  <a:pt x="999" y="1022"/>
-                </a:lnTo>
-                <a:lnTo>
-                  <a:pt x="994" y="1022"/>
-                </a:lnTo>
-                <a:lnTo>
-                  <a:pt x="989" y="1020"/>
-                </a:lnTo>
-                <a:lnTo>
-                  <a:pt x="986" y="1019"/>
-                </a:lnTo>
-                <a:lnTo>
-                  <a:pt x="982" y="1015"/>
-                </a:lnTo>
-                <a:lnTo>
-                  <a:pt x="979" y="1012"/>
-                </a:lnTo>
-                <a:lnTo>
-                  <a:pt x="976" y="1007"/>
-                </a:lnTo>
-                <a:lnTo>
-                  <a:pt x="975" y="1003"/>
-                </a:lnTo>
-                <a:lnTo>
-                  <a:pt x="975" y="997"/>
-                </a:lnTo>
-                <a:lnTo>
-                  <a:pt x="975" y="997"/>
-                </a:lnTo>
-                <a:lnTo>
-                  <a:pt x="975" y="993"/>
-                </a:lnTo>
-                <a:lnTo>
-                  <a:pt x="976" y="988"/>
-                </a:lnTo>
-                <a:lnTo>
-                  <a:pt x="979" y="985"/>
-                </a:lnTo>
-                <a:lnTo>
-                  <a:pt x="982" y="981"/>
-                </a:lnTo>
-                <a:lnTo>
-                  <a:pt x="986" y="977"/>
-                </a:lnTo>
-                <a:lnTo>
-                  <a:pt x="989" y="975"/>
-                </a:lnTo>
-                <a:lnTo>
-                  <a:pt x="994" y="974"/>
-                </a:lnTo>
-                <a:lnTo>
-                  <a:pt x="999" y="974"/>
-                </a:lnTo>
-                <a:lnTo>
-                  <a:pt x="1052" y="974"/>
-                </a:lnTo>
-                <a:lnTo>
-                  <a:pt x="1052" y="974"/>
-                </a:lnTo>
-                <a:lnTo>
-                  <a:pt x="1057" y="974"/>
-                </a:lnTo>
-                <a:lnTo>
-                  <a:pt x="1061" y="975"/>
-                </a:lnTo>
-                <a:lnTo>
-                  <a:pt x="1066" y="977"/>
-                </a:lnTo>
-                <a:lnTo>
-                  <a:pt x="1070" y="981"/>
-                </a:lnTo>
-                <a:lnTo>
-                  <a:pt x="1072" y="985"/>
-                </a:lnTo>
-                <a:lnTo>
-                  <a:pt x="1074" y="988"/>
-                </a:lnTo>
-                <a:lnTo>
-                  <a:pt x="1075" y="993"/>
-                </a:lnTo>
-                <a:lnTo>
-                  <a:pt x="1077" y="997"/>
-                </a:lnTo>
-                <a:lnTo>
-                  <a:pt x="1077" y="997"/>
-                </a:lnTo>
-                <a:lnTo>
-                  <a:pt x="1075" y="1003"/>
-                </a:lnTo>
-                <a:lnTo>
-                  <a:pt x="1074" y="1007"/>
-                </a:lnTo>
-                <a:lnTo>
-                  <a:pt x="1072" y="1012"/>
-                </a:lnTo>
-                <a:lnTo>
-                  <a:pt x="1070" y="1015"/>
-                </a:lnTo>
-                <a:lnTo>
-                  <a:pt x="1066" y="1019"/>
-                </a:lnTo>
-                <a:lnTo>
-                  <a:pt x="1061" y="1020"/>
-                </a:lnTo>
-                <a:lnTo>
-                  <a:pt x="1057" y="1022"/>
-                </a:lnTo>
-                <a:lnTo>
-                  <a:pt x="1052" y="1022"/>
-                </a:lnTo>
-                <a:lnTo>
-                  <a:pt x="1052" y="1022"/>
-                </a:lnTo>
-                <a:close/>
-                <a:moveTo>
-                  <a:pt x="395" y="1414"/>
-                </a:moveTo>
-                <a:lnTo>
-                  <a:pt x="249" y="1414"/>
-                </a:lnTo>
-                <a:lnTo>
-                  <a:pt x="249" y="1414"/>
-                </a:lnTo>
-                <a:lnTo>
-                  <a:pt x="238" y="1415"/>
-                </a:lnTo>
-                <a:lnTo>
-                  <a:pt x="230" y="1417"/>
-                </a:lnTo>
-                <a:lnTo>
-                  <a:pt x="222" y="1422"/>
-                </a:lnTo>
-                <a:lnTo>
-                  <a:pt x="215" y="1427"/>
-                </a:lnTo>
-                <a:lnTo>
-                  <a:pt x="209" y="1434"/>
-                </a:lnTo>
-                <a:lnTo>
-                  <a:pt x="204" y="1442"/>
-                </a:lnTo>
-                <a:lnTo>
-                  <a:pt x="201" y="1450"/>
-                </a:lnTo>
-                <a:lnTo>
-                  <a:pt x="199" y="1461"/>
-                </a:lnTo>
-                <a:lnTo>
-                  <a:pt x="199" y="1461"/>
-                </a:lnTo>
-                <a:lnTo>
-                  <a:pt x="201" y="1470"/>
-                </a:lnTo>
-                <a:lnTo>
-                  <a:pt x="204" y="1480"/>
-                </a:lnTo>
-                <a:lnTo>
-                  <a:pt x="209" y="1488"/>
-                </a:lnTo>
-                <a:lnTo>
-                  <a:pt x="215" y="1495"/>
-                </a:lnTo>
-                <a:lnTo>
-                  <a:pt x="222" y="1501"/>
-                </a:lnTo>
-                <a:lnTo>
-                  <a:pt x="230" y="1506"/>
-                </a:lnTo>
-                <a:lnTo>
-                  <a:pt x="238" y="1508"/>
-                </a:lnTo>
-                <a:lnTo>
-                  <a:pt x="249" y="1509"/>
-                </a:lnTo>
-                <a:lnTo>
-                  <a:pt x="395" y="1509"/>
-                </a:lnTo>
-                <a:lnTo>
-                  <a:pt x="395" y="1509"/>
-                </a:lnTo>
-                <a:lnTo>
-                  <a:pt x="405" y="1508"/>
-                </a:lnTo>
-                <a:lnTo>
-                  <a:pt x="414" y="1506"/>
-                </a:lnTo>
-                <a:lnTo>
-                  <a:pt x="422" y="1501"/>
-                </a:lnTo>
-                <a:lnTo>
-                  <a:pt x="429" y="1495"/>
-                </a:lnTo>
-                <a:lnTo>
-                  <a:pt x="435" y="1488"/>
-                </a:lnTo>
-                <a:lnTo>
-                  <a:pt x="440" y="1480"/>
-                </a:lnTo>
-                <a:lnTo>
-                  <a:pt x="442" y="1470"/>
-                </a:lnTo>
-                <a:lnTo>
-                  <a:pt x="443" y="1461"/>
-                </a:lnTo>
-                <a:lnTo>
-                  <a:pt x="443" y="1461"/>
-                </a:lnTo>
-                <a:lnTo>
-                  <a:pt x="442" y="1450"/>
-                </a:lnTo>
-                <a:lnTo>
-                  <a:pt x="440" y="1442"/>
-                </a:lnTo>
-                <a:lnTo>
-                  <a:pt x="435" y="1434"/>
-                </a:lnTo>
-                <a:lnTo>
-                  <a:pt x="429" y="1427"/>
-                </a:lnTo>
-                <a:lnTo>
-                  <a:pt x="422" y="1422"/>
-                </a:lnTo>
-                <a:lnTo>
-                  <a:pt x="414" y="1417"/>
-                </a:lnTo>
-                <a:lnTo>
-                  <a:pt x="405" y="1415"/>
-                </a:lnTo>
-                <a:lnTo>
-                  <a:pt x="395" y="1414"/>
-                </a:lnTo>
-                <a:lnTo>
-                  <a:pt x="395" y="1414"/>
-                </a:lnTo>
-                <a:close/>
-                <a:moveTo>
-                  <a:pt x="320" y="1071"/>
-                </a:moveTo>
-                <a:lnTo>
-                  <a:pt x="804" y="1071"/>
-                </a:lnTo>
-                <a:lnTo>
-                  <a:pt x="804" y="1071"/>
-                </a:lnTo>
-                <a:lnTo>
-                  <a:pt x="815" y="1071"/>
-                </a:lnTo>
-                <a:lnTo>
-                  <a:pt x="824" y="1069"/>
-                </a:lnTo>
-                <a:lnTo>
-                  <a:pt x="834" y="1067"/>
-                </a:lnTo>
-                <a:lnTo>
-                  <a:pt x="842" y="1064"/>
-                </a:lnTo>
-                <a:lnTo>
-                  <a:pt x="851" y="1059"/>
-                </a:lnTo>
-                <a:lnTo>
-                  <a:pt x="858" y="1054"/>
-                </a:lnTo>
-                <a:lnTo>
-                  <a:pt x="867" y="1049"/>
-                </a:lnTo>
-                <a:lnTo>
-                  <a:pt x="874" y="1042"/>
-                </a:lnTo>
-                <a:lnTo>
-                  <a:pt x="880" y="1035"/>
-                </a:lnTo>
-                <a:lnTo>
-                  <a:pt x="886" y="1028"/>
-                </a:lnTo>
-                <a:lnTo>
-                  <a:pt x="890" y="1020"/>
-                </a:lnTo>
-                <a:lnTo>
-                  <a:pt x="894" y="1012"/>
-                </a:lnTo>
-                <a:lnTo>
-                  <a:pt x="897" y="1002"/>
-                </a:lnTo>
-                <a:lnTo>
-                  <a:pt x="900" y="993"/>
-                </a:lnTo>
-                <a:lnTo>
-                  <a:pt x="901" y="983"/>
-                </a:lnTo>
-                <a:lnTo>
-                  <a:pt x="902" y="974"/>
-                </a:lnTo>
-                <a:lnTo>
-                  <a:pt x="902" y="584"/>
-                </a:lnTo>
-                <a:lnTo>
-                  <a:pt x="902" y="584"/>
-                </a:lnTo>
-                <a:lnTo>
-                  <a:pt x="901" y="574"/>
-                </a:lnTo>
-                <a:lnTo>
-                  <a:pt x="900" y="565"/>
-                </a:lnTo>
-                <a:lnTo>
-                  <a:pt x="897" y="555"/>
-                </a:lnTo>
-                <a:lnTo>
-                  <a:pt x="894" y="547"/>
-                </a:lnTo>
-                <a:lnTo>
-                  <a:pt x="890" y="539"/>
-                </a:lnTo>
-                <a:lnTo>
-                  <a:pt x="886" y="530"/>
-                </a:lnTo>
-                <a:lnTo>
-                  <a:pt x="880" y="523"/>
-                </a:lnTo>
-                <a:lnTo>
-                  <a:pt x="874" y="516"/>
-                </a:lnTo>
-                <a:lnTo>
-                  <a:pt x="867" y="510"/>
-                </a:lnTo>
-                <a:lnTo>
-                  <a:pt x="858" y="505"/>
-                </a:lnTo>
-                <a:lnTo>
-                  <a:pt x="851" y="500"/>
-                </a:lnTo>
-                <a:lnTo>
-                  <a:pt x="842" y="496"/>
-                </a:lnTo>
-                <a:lnTo>
-                  <a:pt x="834" y="493"/>
-                </a:lnTo>
-                <a:lnTo>
-                  <a:pt x="824" y="490"/>
-                </a:lnTo>
-                <a:lnTo>
-                  <a:pt x="815" y="489"/>
-                </a:lnTo>
-                <a:lnTo>
-                  <a:pt x="804" y="489"/>
-                </a:lnTo>
-                <a:lnTo>
-                  <a:pt x="320" y="489"/>
-                </a:lnTo>
-                <a:lnTo>
-                  <a:pt x="320" y="489"/>
-                </a:lnTo>
-                <a:lnTo>
-                  <a:pt x="310" y="489"/>
-                </a:lnTo>
-                <a:lnTo>
-                  <a:pt x="300" y="490"/>
-                </a:lnTo>
-                <a:lnTo>
-                  <a:pt x="290" y="493"/>
-                </a:lnTo>
-                <a:lnTo>
-                  <a:pt x="282" y="496"/>
-                </a:lnTo>
-                <a:lnTo>
-                  <a:pt x="274" y="500"/>
-                </a:lnTo>
-                <a:lnTo>
-                  <a:pt x="265" y="505"/>
-                </a:lnTo>
-                <a:lnTo>
-                  <a:pt x="257" y="510"/>
-                </a:lnTo>
-                <a:lnTo>
-                  <a:pt x="251" y="516"/>
-                </a:lnTo>
-                <a:lnTo>
-                  <a:pt x="244" y="523"/>
-                </a:lnTo>
-                <a:lnTo>
-                  <a:pt x="238" y="530"/>
-                </a:lnTo>
-                <a:lnTo>
-                  <a:pt x="234" y="539"/>
-                </a:lnTo>
-                <a:lnTo>
-                  <a:pt x="230" y="547"/>
-                </a:lnTo>
-                <a:lnTo>
-                  <a:pt x="226" y="555"/>
-                </a:lnTo>
-                <a:lnTo>
-                  <a:pt x="224" y="565"/>
-                </a:lnTo>
-                <a:lnTo>
-                  <a:pt x="223" y="574"/>
-                </a:lnTo>
-                <a:lnTo>
-                  <a:pt x="222" y="584"/>
-                </a:lnTo>
-                <a:lnTo>
-                  <a:pt x="222" y="974"/>
-                </a:lnTo>
-                <a:lnTo>
-                  <a:pt x="222" y="974"/>
-                </a:lnTo>
-                <a:lnTo>
-                  <a:pt x="223" y="983"/>
-                </a:lnTo>
-                <a:lnTo>
-                  <a:pt x="224" y="993"/>
-                </a:lnTo>
-                <a:lnTo>
-                  <a:pt x="226" y="1002"/>
-                </a:lnTo>
-                <a:lnTo>
-                  <a:pt x="230" y="1012"/>
-                </a:lnTo>
-                <a:lnTo>
-                  <a:pt x="234" y="1020"/>
-                </a:lnTo>
-                <a:lnTo>
-                  <a:pt x="238" y="1028"/>
-                </a:lnTo>
-                <a:lnTo>
-                  <a:pt x="244" y="1035"/>
-                </a:lnTo>
-                <a:lnTo>
-                  <a:pt x="251" y="1042"/>
-                </a:lnTo>
-                <a:lnTo>
-                  <a:pt x="257" y="1049"/>
-                </a:lnTo>
-                <a:lnTo>
-                  <a:pt x="265" y="1054"/>
-                </a:lnTo>
-                <a:lnTo>
-                  <a:pt x="274" y="1059"/>
-                </a:lnTo>
-                <a:lnTo>
-                  <a:pt x="282" y="1064"/>
-                </a:lnTo>
-                <a:lnTo>
-                  <a:pt x="290" y="1067"/>
-                </a:lnTo>
-                <a:lnTo>
-                  <a:pt x="300" y="1069"/>
-                </a:lnTo>
-                <a:lnTo>
-                  <a:pt x="310" y="1071"/>
-                </a:lnTo>
-                <a:lnTo>
-                  <a:pt x="320" y="1071"/>
-                </a:lnTo>
-                <a:lnTo>
-                  <a:pt x="320" y="1071"/>
-                </a:lnTo>
-                <a:close/>
-                <a:moveTo>
-                  <a:pt x="882" y="1414"/>
-                </a:moveTo>
-                <a:lnTo>
-                  <a:pt x="736" y="1414"/>
-                </a:lnTo>
-                <a:lnTo>
-                  <a:pt x="736" y="1414"/>
-                </a:lnTo>
-                <a:lnTo>
-                  <a:pt x="725" y="1415"/>
-                </a:lnTo>
-                <a:lnTo>
-                  <a:pt x="717" y="1417"/>
-                </a:lnTo>
-                <a:lnTo>
-                  <a:pt x="709" y="1422"/>
-                </a:lnTo>
-                <a:lnTo>
-                  <a:pt x="700" y="1427"/>
-                </a:lnTo>
-                <a:lnTo>
-                  <a:pt x="695" y="1434"/>
-                </a:lnTo>
-                <a:lnTo>
-                  <a:pt x="691" y="1442"/>
-                </a:lnTo>
-                <a:lnTo>
-                  <a:pt x="687" y="1450"/>
-                </a:lnTo>
-                <a:lnTo>
-                  <a:pt x="686" y="1461"/>
-                </a:lnTo>
-                <a:lnTo>
-                  <a:pt x="686" y="1461"/>
-                </a:lnTo>
-                <a:lnTo>
-                  <a:pt x="687" y="1470"/>
-                </a:lnTo>
-                <a:lnTo>
-                  <a:pt x="691" y="1480"/>
-                </a:lnTo>
-                <a:lnTo>
-                  <a:pt x="695" y="1488"/>
-                </a:lnTo>
-                <a:lnTo>
-                  <a:pt x="700" y="1495"/>
-                </a:lnTo>
-                <a:lnTo>
-                  <a:pt x="709" y="1501"/>
-                </a:lnTo>
-                <a:lnTo>
-                  <a:pt x="717" y="1506"/>
-                </a:lnTo>
-                <a:lnTo>
-                  <a:pt x="725" y="1508"/>
-                </a:lnTo>
-                <a:lnTo>
-                  <a:pt x="736" y="1509"/>
-                </a:lnTo>
-                <a:lnTo>
-                  <a:pt x="882" y="1509"/>
-                </a:lnTo>
-                <a:lnTo>
-                  <a:pt x="882" y="1509"/>
-                </a:lnTo>
-                <a:lnTo>
-                  <a:pt x="891" y="1508"/>
-                </a:lnTo>
-                <a:lnTo>
-                  <a:pt x="901" y="1506"/>
-                </a:lnTo>
-                <a:lnTo>
-                  <a:pt x="909" y="1501"/>
-                </a:lnTo>
-                <a:lnTo>
-                  <a:pt x="916" y="1495"/>
-                </a:lnTo>
-                <a:lnTo>
-                  <a:pt x="922" y="1488"/>
-                </a:lnTo>
-                <a:lnTo>
-                  <a:pt x="927" y="1480"/>
-                </a:lnTo>
-                <a:lnTo>
-                  <a:pt x="929" y="1470"/>
-                </a:lnTo>
-                <a:lnTo>
-                  <a:pt x="930" y="1461"/>
-                </a:lnTo>
-                <a:lnTo>
-                  <a:pt x="930" y="1461"/>
-                </a:lnTo>
-                <a:lnTo>
-                  <a:pt x="929" y="1450"/>
-                </a:lnTo>
-                <a:lnTo>
-                  <a:pt x="927" y="1442"/>
-                </a:lnTo>
-                <a:lnTo>
-                  <a:pt x="922" y="1434"/>
-                </a:lnTo>
-                <a:lnTo>
-                  <a:pt x="916" y="1427"/>
-                </a:lnTo>
-                <a:lnTo>
-                  <a:pt x="909" y="1422"/>
-                </a:lnTo>
-                <a:lnTo>
-                  <a:pt x="901" y="1417"/>
-                </a:lnTo>
-                <a:lnTo>
-                  <a:pt x="891" y="1415"/>
-                </a:lnTo>
-                <a:lnTo>
-                  <a:pt x="882" y="1414"/>
-                </a:lnTo>
-                <a:lnTo>
-                  <a:pt x="882" y="1414"/>
-                </a:lnTo>
-                <a:close/>
-                <a:moveTo>
-                  <a:pt x="173" y="780"/>
-                </a:moveTo>
-                <a:lnTo>
-                  <a:pt x="30" y="780"/>
-                </a:lnTo>
-                <a:lnTo>
-                  <a:pt x="30" y="780"/>
-                </a:lnTo>
-                <a:lnTo>
-                  <a:pt x="25" y="782"/>
-                </a:lnTo>
-                <a:lnTo>
-                  <a:pt x="20" y="783"/>
-                </a:lnTo>
-                <a:lnTo>
-                  <a:pt x="15" y="784"/>
-                </a:lnTo>
-                <a:lnTo>
-                  <a:pt x="12" y="788"/>
-                </a:lnTo>
-                <a:lnTo>
-                  <a:pt x="10" y="790"/>
-                </a:lnTo>
-                <a:lnTo>
-                  <a:pt x="7" y="795"/>
-                </a:lnTo>
-                <a:lnTo>
-                  <a:pt x="6" y="798"/>
-                </a:lnTo>
-                <a:lnTo>
-                  <a:pt x="5" y="803"/>
-                </a:lnTo>
-                <a:lnTo>
-                  <a:pt x="5" y="803"/>
-                </a:lnTo>
-                <a:lnTo>
-                  <a:pt x="6" y="808"/>
-                </a:lnTo>
-                <a:lnTo>
-                  <a:pt x="7" y="812"/>
-                </a:lnTo>
-                <a:lnTo>
-                  <a:pt x="10" y="817"/>
-                </a:lnTo>
-                <a:lnTo>
-                  <a:pt x="12" y="821"/>
-                </a:lnTo>
-                <a:lnTo>
-                  <a:pt x="15" y="823"/>
-                </a:lnTo>
-                <a:lnTo>
-                  <a:pt x="20" y="825"/>
-                </a:lnTo>
-                <a:lnTo>
-                  <a:pt x="25" y="828"/>
-                </a:lnTo>
-                <a:lnTo>
-                  <a:pt x="30" y="828"/>
-                </a:lnTo>
-                <a:lnTo>
-                  <a:pt x="173" y="828"/>
-                </a:lnTo>
-                <a:lnTo>
-                  <a:pt x="173" y="828"/>
-                </a:lnTo>
-                <a:lnTo>
-                  <a:pt x="178" y="828"/>
-                </a:lnTo>
-                <a:lnTo>
-                  <a:pt x="183" y="825"/>
-                </a:lnTo>
-                <a:lnTo>
-                  <a:pt x="188" y="823"/>
-                </a:lnTo>
-                <a:lnTo>
-                  <a:pt x="191" y="821"/>
-                </a:lnTo>
-                <a:lnTo>
-                  <a:pt x="193" y="817"/>
-                </a:lnTo>
-                <a:lnTo>
-                  <a:pt x="196" y="812"/>
-                </a:lnTo>
-                <a:lnTo>
-                  <a:pt x="197" y="808"/>
-                </a:lnTo>
-                <a:lnTo>
-                  <a:pt x="198" y="803"/>
-                </a:lnTo>
-                <a:lnTo>
-                  <a:pt x="198" y="803"/>
-                </a:lnTo>
-                <a:lnTo>
-                  <a:pt x="197" y="798"/>
-                </a:lnTo>
-                <a:lnTo>
-                  <a:pt x="196" y="795"/>
-                </a:lnTo>
-                <a:lnTo>
-                  <a:pt x="193" y="790"/>
-                </a:lnTo>
-                <a:lnTo>
-                  <a:pt x="191" y="788"/>
-                </a:lnTo>
-                <a:lnTo>
-                  <a:pt x="188" y="784"/>
-                </a:lnTo>
-                <a:lnTo>
-                  <a:pt x="183" y="783"/>
-                </a:lnTo>
-                <a:lnTo>
-                  <a:pt x="178" y="782"/>
-                </a:lnTo>
-                <a:lnTo>
-                  <a:pt x="173" y="780"/>
-                </a:lnTo>
-                <a:lnTo>
-                  <a:pt x="173" y="780"/>
-                </a:lnTo>
-                <a:close/>
-                <a:moveTo>
-                  <a:pt x="295" y="1120"/>
-                </a:moveTo>
-                <a:lnTo>
-                  <a:pt x="295" y="1120"/>
-                </a:lnTo>
-                <a:lnTo>
-                  <a:pt x="285" y="1121"/>
-                </a:lnTo>
-                <a:lnTo>
-                  <a:pt x="276" y="1124"/>
-                </a:lnTo>
-                <a:lnTo>
-                  <a:pt x="268" y="1128"/>
-                </a:lnTo>
-                <a:lnTo>
-                  <a:pt x="261" y="1134"/>
-                </a:lnTo>
-                <a:lnTo>
-                  <a:pt x="255" y="1141"/>
-                </a:lnTo>
-                <a:lnTo>
-                  <a:pt x="250" y="1150"/>
-                </a:lnTo>
-                <a:lnTo>
-                  <a:pt x="248" y="1159"/>
-                </a:lnTo>
-                <a:lnTo>
-                  <a:pt x="247" y="1168"/>
-                </a:lnTo>
-                <a:lnTo>
-                  <a:pt x="247" y="1315"/>
-                </a:lnTo>
-                <a:lnTo>
-                  <a:pt x="247" y="1315"/>
-                </a:lnTo>
-                <a:lnTo>
-                  <a:pt x="248" y="1324"/>
-                </a:lnTo>
-                <a:lnTo>
-                  <a:pt x="250" y="1334"/>
-                </a:lnTo>
-                <a:lnTo>
-                  <a:pt x="255" y="1342"/>
-                </a:lnTo>
-                <a:lnTo>
-                  <a:pt x="261" y="1349"/>
-                </a:lnTo>
-                <a:lnTo>
-                  <a:pt x="268" y="1355"/>
-                </a:lnTo>
-                <a:lnTo>
-                  <a:pt x="276" y="1360"/>
-                </a:lnTo>
-                <a:lnTo>
-                  <a:pt x="285" y="1362"/>
-                </a:lnTo>
-                <a:lnTo>
-                  <a:pt x="295" y="1363"/>
-                </a:lnTo>
-                <a:lnTo>
-                  <a:pt x="342" y="1363"/>
-                </a:lnTo>
-                <a:lnTo>
-                  <a:pt x="342" y="1363"/>
-                </a:lnTo>
-                <a:lnTo>
-                  <a:pt x="351" y="1362"/>
-                </a:lnTo>
-                <a:lnTo>
-                  <a:pt x="361" y="1360"/>
-                </a:lnTo>
-                <a:lnTo>
-                  <a:pt x="369" y="1355"/>
-                </a:lnTo>
-                <a:lnTo>
-                  <a:pt x="376" y="1349"/>
-                </a:lnTo>
-                <a:lnTo>
-                  <a:pt x="382" y="1342"/>
-                </a:lnTo>
-                <a:lnTo>
-                  <a:pt x="387" y="1334"/>
-                </a:lnTo>
-                <a:lnTo>
-                  <a:pt x="389" y="1324"/>
-                </a:lnTo>
-                <a:lnTo>
-                  <a:pt x="390" y="1315"/>
-                </a:lnTo>
-                <a:lnTo>
-                  <a:pt x="390" y="1168"/>
-                </a:lnTo>
-                <a:lnTo>
-                  <a:pt x="390" y="1168"/>
-                </a:lnTo>
-                <a:lnTo>
-                  <a:pt x="389" y="1159"/>
-                </a:lnTo>
-                <a:lnTo>
-                  <a:pt x="387" y="1150"/>
-                </a:lnTo>
-                <a:lnTo>
-                  <a:pt x="382" y="1141"/>
-                </a:lnTo>
-                <a:lnTo>
-                  <a:pt x="376" y="1134"/>
-                </a:lnTo>
-                <a:lnTo>
-                  <a:pt x="369" y="1128"/>
-                </a:lnTo>
-                <a:lnTo>
-                  <a:pt x="361" y="1124"/>
-                </a:lnTo>
-                <a:lnTo>
-                  <a:pt x="351" y="1121"/>
-                </a:lnTo>
-                <a:lnTo>
-                  <a:pt x="342" y="1120"/>
-                </a:lnTo>
-                <a:lnTo>
-                  <a:pt x="295" y="1120"/>
-                </a:lnTo>
-                <a:close/>
-                <a:moveTo>
-                  <a:pt x="97" y="877"/>
-                </a:moveTo>
-                <a:lnTo>
-                  <a:pt x="97" y="877"/>
-                </a:lnTo>
-                <a:lnTo>
-                  <a:pt x="87" y="878"/>
-                </a:lnTo>
-                <a:lnTo>
-                  <a:pt x="78" y="880"/>
-                </a:lnTo>
-                <a:lnTo>
-                  <a:pt x="68" y="882"/>
-                </a:lnTo>
-                <a:lnTo>
-                  <a:pt x="59" y="885"/>
-                </a:lnTo>
-                <a:lnTo>
-                  <a:pt x="51" y="889"/>
-                </a:lnTo>
-                <a:lnTo>
-                  <a:pt x="43" y="894"/>
-                </a:lnTo>
-                <a:lnTo>
-                  <a:pt x="35" y="900"/>
-                </a:lnTo>
-                <a:lnTo>
-                  <a:pt x="28" y="905"/>
-                </a:lnTo>
-                <a:lnTo>
-                  <a:pt x="22" y="913"/>
-                </a:lnTo>
-                <a:lnTo>
-                  <a:pt x="17" y="920"/>
-                </a:lnTo>
-                <a:lnTo>
-                  <a:pt x="12" y="928"/>
-                </a:lnTo>
-                <a:lnTo>
-                  <a:pt x="7" y="936"/>
-                </a:lnTo>
-                <a:lnTo>
-                  <a:pt x="5" y="946"/>
-                </a:lnTo>
-                <a:lnTo>
-                  <a:pt x="2" y="955"/>
-                </a:lnTo>
-                <a:lnTo>
-                  <a:pt x="0" y="964"/>
-                </a:lnTo>
-                <a:lnTo>
-                  <a:pt x="0" y="975"/>
-                </a:lnTo>
-                <a:lnTo>
-                  <a:pt x="0" y="975"/>
-                </a:lnTo>
-                <a:lnTo>
-                  <a:pt x="0" y="985"/>
-                </a:lnTo>
-                <a:lnTo>
-                  <a:pt x="2" y="994"/>
-                </a:lnTo>
-                <a:lnTo>
-                  <a:pt x="5" y="1003"/>
-                </a:lnTo>
-                <a:lnTo>
-                  <a:pt x="7" y="1013"/>
-                </a:lnTo>
-                <a:lnTo>
-                  <a:pt x="12" y="1021"/>
-                </a:lnTo>
-                <a:lnTo>
-                  <a:pt x="17" y="1029"/>
-                </a:lnTo>
-                <a:lnTo>
-                  <a:pt x="22" y="1036"/>
-                </a:lnTo>
-                <a:lnTo>
-                  <a:pt x="28" y="1043"/>
-                </a:lnTo>
-                <a:lnTo>
-                  <a:pt x="35" y="1049"/>
-                </a:lnTo>
-                <a:lnTo>
-                  <a:pt x="43" y="1055"/>
-                </a:lnTo>
-                <a:lnTo>
-                  <a:pt x="51" y="1060"/>
-                </a:lnTo>
-                <a:lnTo>
-                  <a:pt x="59" y="1065"/>
-                </a:lnTo>
-                <a:lnTo>
-                  <a:pt x="68" y="1067"/>
-                </a:lnTo>
-                <a:lnTo>
-                  <a:pt x="78" y="1069"/>
-                </a:lnTo>
-                <a:lnTo>
-                  <a:pt x="87" y="1072"/>
-                </a:lnTo>
-                <a:lnTo>
-                  <a:pt x="97" y="1072"/>
-                </a:lnTo>
-                <a:lnTo>
-                  <a:pt x="97" y="1072"/>
-                </a:lnTo>
-                <a:lnTo>
-                  <a:pt x="107" y="1072"/>
-                </a:lnTo>
-                <a:lnTo>
-                  <a:pt x="117" y="1069"/>
-                </a:lnTo>
-                <a:lnTo>
-                  <a:pt x="126" y="1067"/>
-                </a:lnTo>
-                <a:lnTo>
-                  <a:pt x="136" y="1065"/>
-                </a:lnTo>
-                <a:lnTo>
-                  <a:pt x="144" y="1060"/>
-                </a:lnTo>
-                <a:lnTo>
-                  <a:pt x="152" y="1055"/>
-                </a:lnTo>
-                <a:lnTo>
-                  <a:pt x="159" y="1049"/>
-                </a:lnTo>
-                <a:lnTo>
-                  <a:pt x="166" y="1043"/>
-                </a:lnTo>
-                <a:lnTo>
-                  <a:pt x="172" y="1036"/>
-                </a:lnTo>
-                <a:lnTo>
-                  <a:pt x="178" y="1029"/>
-                </a:lnTo>
-                <a:lnTo>
-                  <a:pt x="183" y="1021"/>
-                </a:lnTo>
-                <a:lnTo>
-                  <a:pt x="186" y="1013"/>
-                </a:lnTo>
-                <a:lnTo>
-                  <a:pt x="190" y="1003"/>
-                </a:lnTo>
-                <a:lnTo>
-                  <a:pt x="192" y="994"/>
-                </a:lnTo>
-                <a:lnTo>
-                  <a:pt x="195" y="985"/>
-                </a:lnTo>
-                <a:lnTo>
-                  <a:pt x="195" y="975"/>
-                </a:lnTo>
-                <a:lnTo>
-                  <a:pt x="195" y="975"/>
-                </a:lnTo>
-                <a:lnTo>
-                  <a:pt x="195" y="964"/>
-                </a:lnTo>
-                <a:lnTo>
-                  <a:pt x="192" y="955"/>
-                </a:lnTo>
-                <a:lnTo>
-                  <a:pt x="190" y="946"/>
-                </a:lnTo>
-                <a:lnTo>
-                  <a:pt x="186" y="936"/>
-                </a:lnTo>
-                <a:lnTo>
-                  <a:pt x="183" y="928"/>
-                </a:lnTo>
-                <a:lnTo>
-                  <a:pt x="178" y="920"/>
-                </a:lnTo>
-                <a:lnTo>
-                  <a:pt x="172" y="913"/>
-                </a:lnTo>
-                <a:lnTo>
-                  <a:pt x="166" y="905"/>
-                </a:lnTo>
-                <a:lnTo>
-                  <a:pt x="159" y="900"/>
-                </a:lnTo>
-                <a:lnTo>
-                  <a:pt x="152" y="894"/>
-                </a:lnTo>
-                <a:lnTo>
-                  <a:pt x="144" y="889"/>
-                </a:lnTo>
-                <a:lnTo>
-                  <a:pt x="136" y="885"/>
-                </a:lnTo>
-                <a:lnTo>
-                  <a:pt x="126" y="882"/>
-                </a:lnTo>
-                <a:lnTo>
-                  <a:pt x="117" y="880"/>
-                </a:lnTo>
-                <a:lnTo>
-                  <a:pt x="107" y="878"/>
-                </a:lnTo>
-                <a:lnTo>
-                  <a:pt x="97" y="877"/>
-                </a:lnTo>
-                <a:lnTo>
-                  <a:pt x="97" y="877"/>
-                </a:lnTo>
-                <a:close/>
-                <a:moveTo>
-                  <a:pt x="127" y="1022"/>
-                </a:moveTo>
-                <a:lnTo>
-                  <a:pt x="74" y="1022"/>
-                </a:lnTo>
-                <a:lnTo>
-                  <a:pt x="74" y="1022"/>
-                </a:lnTo>
-                <a:lnTo>
-                  <a:pt x="70" y="1022"/>
-                </a:lnTo>
-                <a:lnTo>
-                  <a:pt x="65" y="1020"/>
-                </a:lnTo>
-                <a:lnTo>
-                  <a:pt x="60" y="1019"/>
-                </a:lnTo>
-                <a:lnTo>
-                  <a:pt x="57" y="1015"/>
-                </a:lnTo>
-                <a:lnTo>
-                  <a:pt x="54" y="1012"/>
-                </a:lnTo>
-                <a:lnTo>
-                  <a:pt x="52" y="1007"/>
-                </a:lnTo>
-                <a:lnTo>
-                  <a:pt x="51" y="1003"/>
-                </a:lnTo>
-                <a:lnTo>
-                  <a:pt x="50" y="997"/>
-                </a:lnTo>
-                <a:lnTo>
-                  <a:pt x="50" y="997"/>
-                </a:lnTo>
-                <a:lnTo>
-                  <a:pt x="51" y="993"/>
-                </a:lnTo>
-                <a:lnTo>
-                  <a:pt x="52" y="988"/>
-                </a:lnTo>
-                <a:lnTo>
-                  <a:pt x="54" y="985"/>
-                </a:lnTo>
-                <a:lnTo>
-                  <a:pt x="57" y="981"/>
-                </a:lnTo>
-                <a:lnTo>
-                  <a:pt x="60" y="977"/>
-                </a:lnTo>
-                <a:lnTo>
-                  <a:pt x="65" y="975"/>
-                </a:lnTo>
-                <a:lnTo>
-                  <a:pt x="70" y="974"/>
-                </a:lnTo>
-                <a:lnTo>
-                  <a:pt x="74" y="974"/>
-                </a:lnTo>
-                <a:lnTo>
-                  <a:pt x="127" y="974"/>
-                </a:lnTo>
-                <a:lnTo>
-                  <a:pt x="127" y="974"/>
-                </a:lnTo>
-                <a:lnTo>
-                  <a:pt x="132" y="974"/>
-                </a:lnTo>
-                <a:lnTo>
-                  <a:pt x="137" y="975"/>
-                </a:lnTo>
-                <a:lnTo>
-                  <a:pt x="140" y="977"/>
-                </a:lnTo>
-                <a:lnTo>
-                  <a:pt x="144" y="981"/>
-                </a:lnTo>
-                <a:lnTo>
-                  <a:pt x="147" y="985"/>
-                </a:lnTo>
-                <a:lnTo>
-                  <a:pt x="150" y="988"/>
-                </a:lnTo>
-                <a:lnTo>
-                  <a:pt x="151" y="993"/>
-                </a:lnTo>
-                <a:lnTo>
-                  <a:pt x="151" y="997"/>
-                </a:lnTo>
-                <a:lnTo>
-                  <a:pt x="151" y="997"/>
-                </a:lnTo>
-                <a:lnTo>
-                  <a:pt x="151" y="1003"/>
-                </a:lnTo>
-                <a:lnTo>
-                  <a:pt x="150" y="1007"/>
-                </a:lnTo>
-                <a:lnTo>
-                  <a:pt x="147" y="1012"/>
-                </a:lnTo>
-                <a:lnTo>
-                  <a:pt x="144" y="1015"/>
-                </a:lnTo>
-                <a:lnTo>
-                  <a:pt x="140" y="1019"/>
-                </a:lnTo>
-                <a:lnTo>
-                  <a:pt x="137" y="1020"/>
-                </a:lnTo>
-                <a:lnTo>
-                  <a:pt x="132" y="1022"/>
-                </a:lnTo>
-                <a:lnTo>
-                  <a:pt x="127" y="1022"/>
-                </a:lnTo>
-                <a:lnTo>
-                  <a:pt x="127" y="1022"/>
-                </a:lnTo>
-                <a:close/>
-                <a:moveTo>
-                  <a:pt x="829" y="1120"/>
-                </a:moveTo>
-                <a:lnTo>
-                  <a:pt x="782" y="1120"/>
-                </a:lnTo>
-                <a:lnTo>
-                  <a:pt x="782" y="1120"/>
-                </a:lnTo>
-                <a:lnTo>
-                  <a:pt x="772" y="1121"/>
-                </a:lnTo>
-                <a:lnTo>
-                  <a:pt x="763" y="1124"/>
-                </a:lnTo>
-                <a:lnTo>
-                  <a:pt x="755" y="1128"/>
-                </a:lnTo>
-                <a:lnTo>
-                  <a:pt x="748" y="1134"/>
-                </a:lnTo>
-                <a:lnTo>
-                  <a:pt x="742" y="1141"/>
-                </a:lnTo>
-                <a:lnTo>
-                  <a:pt x="737" y="1150"/>
-                </a:lnTo>
-                <a:lnTo>
-                  <a:pt x="735" y="1159"/>
-                </a:lnTo>
-                <a:lnTo>
-                  <a:pt x="733" y="1168"/>
-                </a:lnTo>
-                <a:lnTo>
-                  <a:pt x="733" y="1315"/>
-                </a:lnTo>
-                <a:lnTo>
-                  <a:pt x="733" y="1315"/>
-                </a:lnTo>
-                <a:lnTo>
-                  <a:pt x="735" y="1324"/>
-                </a:lnTo>
-                <a:lnTo>
-                  <a:pt x="737" y="1334"/>
-                </a:lnTo>
-                <a:lnTo>
-                  <a:pt x="742" y="1342"/>
-                </a:lnTo>
-                <a:lnTo>
-                  <a:pt x="748" y="1349"/>
-                </a:lnTo>
-                <a:lnTo>
-                  <a:pt x="755" y="1355"/>
-                </a:lnTo>
-                <a:lnTo>
-                  <a:pt x="763" y="1360"/>
-                </a:lnTo>
-                <a:lnTo>
-                  <a:pt x="772" y="1362"/>
-                </a:lnTo>
-                <a:lnTo>
-                  <a:pt x="782" y="1363"/>
-                </a:lnTo>
-                <a:lnTo>
-                  <a:pt x="829" y="1363"/>
-                </a:lnTo>
-                <a:lnTo>
-                  <a:pt x="829" y="1363"/>
-                </a:lnTo>
-                <a:lnTo>
-                  <a:pt x="838" y="1362"/>
-                </a:lnTo>
-                <a:lnTo>
-                  <a:pt x="848" y="1360"/>
-                </a:lnTo>
-                <a:lnTo>
-                  <a:pt x="856" y="1355"/>
-                </a:lnTo>
-                <a:lnTo>
-                  <a:pt x="863" y="1349"/>
-                </a:lnTo>
-                <a:lnTo>
-                  <a:pt x="869" y="1342"/>
-                </a:lnTo>
-                <a:lnTo>
-                  <a:pt x="874" y="1334"/>
-                </a:lnTo>
-                <a:lnTo>
-                  <a:pt x="876" y="1324"/>
-                </a:lnTo>
-                <a:lnTo>
-                  <a:pt x="877" y="1315"/>
-                </a:lnTo>
-                <a:lnTo>
-                  <a:pt x="877" y="1168"/>
-                </a:lnTo>
-                <a:lnTo>
-                  <a:pt x="877" y="1168"/>
-                </a:lnTo>
-                <a:lnTo>
-                  <a:pt x="876" y="1159"/>
-                </a:lnTo>
-                <a:lnTo>
-                  <a:pt x="874" y="1150"/>
-                </a:lnTo>
-                <a:lnTo>
-                  <a:pt x="869" y="1141"/>
-                </a:lnTo>
-                <a:lnTo>
-                  <a:pt x="863" y="1134"/>
-                </a:lnTo>
-                <a:lnTo>
-                  <a:pt x="856" y="1128"/>
-                </a:lnTo>
-                <a:lnTo>
-                  <a:pt x="848" y="1124"/>
-                </a:lnTo>
-                <a:lnTo>
-                  <a:pt x="838" y="1121"/>
-                </a:lnTo>
-                <a:lnTo>
-                  <a:pt x="829" y="1120"/>
-                </a:lnTo>
-                <a:lnTo>
-                  <a:pt x="829" y="1120"/>
-                </a:lnTo>
-                <a:close/>
-                <a:moveTo>
-                  <a:pt x="78" y="633"/>
-                </a:moveTo>
-                <a:lnTo>
-                  <a:pt x="176" y="633"/>
-                </a:lnTo>
-                <a:lnTo>
-                  <a:pt x="176" y="633"/>
-                </a:lnTo>
-                <a:lnTo>
-                  <a:pt x="180" y="632"/>
-                </a:lnTo>
-                <a:lnTo>
-                  <a:pt x="185" y="631"/>
-                </a:lnTo>
-                <a:lnTo>
-                  <a:pt x="189" y="628"/>
-                </a:lnTo>
-                <a:lnTo>
-                  <a:pt x="192" y="626"/>
-                </a:lnTo>
-                <a:lnTo>
-                  <a:pt x="196" y="622"/>
-                </a:lnTo>
-                <a:lnTo>
-                  <a:pt x="198" y="618"/>
-                </a:lnTo>
-                <a:lnTo>
-                  <a:pt x="199" y="613"/>
-                </a:lnTo>
-                <a:lnTo>
-                  <a:pt x="199" y="608"/>
-                </a:lnTo>
-                <a:lnTo>
-                  <a:pt x="199" y="608"/>
-                </a:lnTo>
-                <a:lnTo>
-                  <a:pt x="199" y="604"/>
-                </a:lnTo>
-                <a:lnTo>
-                  <a:pt x="198" y="599"/>
-                </a:lnTo>
-                <a:lnTo>
-                  <a:pt x="196" y="595"/>
-                </a:lnTo>
-                <a:lnTo>
-                  <a:pt x="192" y="592"/>
-                </a:lnTo>
-                <a:lnTo>
-                  <a:pt x="189" y="589"/>
-                </a:lnTo>
-                <a:lnTo>
-                  <a:pt x="185" y="588"/>
-                </a:lnTo>
-                <a:lnTo>
-                  <a:pt x="180" y="587"/>
-                </a:lnTo>
-                <a:lnTo>
-                  <a:pt x="176" y="586"/>
-                </a:lnTo>
-                <a:lnTo>
-                  <a:pt x="78" y="586"/>
-                </a:lnTo>
-                <a:lnTo>
-                  <a:pt x="78" y="586"/>
-                </a:lnTo>
-                <a:lnTo>
-                  <a:pt x="73" y="587"/>
-                </a:lnTo>
-                <a:lnTo>
-                  <a:pt x="68" y="588"/>
-                </a:lnTo>
-                <a:lnTo>
-                  <a:pt x="65" y="589"/>
-                </a:lnTo>
-                <a:lnTo>
-                  <a:pt x="61" y="592"/>
-                </a:lnTo>
-                <a:lnTo>
-                  <a:pt x="58" y="595"/>
-                </a:lnTo>
-                <a:lnTo>
-                  <a:pt x="55" y="599"/>
-                </a:lnTo>
-                <a:lnTo>
-                  <a:pt x="54" y="604"/>
-                </a:lnTo>
-                <a:lnTo>
-                  <a:pt x="54" y="608"/>
-                </a:lnTo>
-                <a:lnTo>
-                  <a:pt x="54" y="608"/>
-                </a:lnTo>
-                <a:lnTo>
-                  <a:pt x="54" y="613"/>
-                </a:lnTo>
-                <a:lnTo>
-                  <a:pt x="55" y="618"/>
-                </a:lnTo>
-                <a:lnTo>
-                  <a:pt x="58" y="622"/>
-                </a:lnTo>
-                <a:lnTo>
-                  <a:pt x="61" y="626"/>
-                </a:lnTo>
-                <a:lnTo>
-                  <a:pt x="65" y="628"/>
-                </a:lnTo>
-                <a:lnTo>
-                  <a:pt x="68" y="631"/>
-                </a:lnTo>
-                <a:lnTo>
-                  <a:pt x="73" y="632"/>
-                </a:lnTo>
-                <a:lnTo>
-                  <a:pt x="78" y="633"/>
-                </a:lnTo>
-                <a:lnTo>
-                  <a:pt x="78" y="633"/>
-                </a:lnTo>
-                <a:close/>
-              </a:path>
-            </a:pathLst>
-          </a:custGeom>
-          <a:solidFill>
-            <a:schemeClr val="bg1">
-              <a:lumMod val="50000"/>
-            </a:schemeClr>
-          </a:solidFill>
-          <a:ln>
-            <a:noFill/>
-          </a:ln>
-          <a:extLst/>
-        </p:spPr>
-        <p:txBody>
-          <a:bodyPr vert="horz" wrap="square" lIns="29029" tIns="14514" rIns="29029" bIns="14514" numCol="1" anchor="t" anchorCtr="0" compatLnSpc="1">
-            <a:prstTxWarp prst="textNoShape">
-              <a:avLst/>
-            </a:prstTxWarp>
-          </a:bodyPr>
-          <a:lstStyle/>
-          <a:p>
-            <a:endParaRPr lang="ja-JP" altLang="en-US" sz="431"/>
-          </a:p>
-        </p:txBody>
-      </p:sp>
-      <p:pic>
-        <p:nvPicPr>
-          <p:cNvPr id="42" name="図 41"/>
-          <p:cNvPicPr>
-            <a:picLocks noChangeAspect="1"/>
-          </p:cNvPicPr>
-          <p:nvPr/>
-        </p:nvPicPr>
-        <p:blipFill>
-          <a:blip r:embed="rId5" cstate="print">
-            <a:clrChange>
-              <a:clrFrom>
-                <a:srgbClr val="FFFFFF"/>
-              </a:clrFrom>
-              <a:clrTo>
-                <a:srgbClr val="FFFFFF">
-                  <a:alpha val="0"/>
-                </a:srgbClr>
-              </a:clrTo>
-            </a:clrChange>
-          </a:blip>
-          <a:stretch>
-            <a:fillRect/>
-          </a:stretch>
-        </p:blipFill>
-        <p:spPr>
-          <a:xfrm>
-            <a:off x="8370599" y="1496250"/>
-            <a:ext cx="673479" cy="492889"/>
-          </a:xfrm>
-          <a:prstGeom prst="rect">
-            <a:avLst/>
-          </a:prstGeom>
-        </p:spPr>
-      </p:pic>
-      <p:cxnSp>
-        <p:nvCxnSpPr>
-          <p:cNvPr id="37" name="直線矢印コネクタ 36"/>
-          <p:cNvCxnSpPr>
-            <a:stCxn id="61" idx="0"/>
-            <a:endCxn id="26" idx="2"/>
-          </p:cNvCxnSpPr>
-          <p:nvPr/>
-        </p:nvCxnSpPr>
-        <p:spPr>
-          <a:xfrm flipV="1">
-            <a:off x="5683732" y="5077214"/>
-            <a:ext cx="3715414" cy="471643"/>
-          </a:xfrm>
-          <a:prstGeom prst="straightConnector1">
-            <a:avLst/>
-          </a:prstGeom>
-          <a:ln w="38100">
-            <a:solidFill>
-              <a:srgbClr val="FF0000"/>
-            </a:solidFill>
-            <a:tailEnd type="triangle"/>
-          </a:ln>
-        </p:spPr>
-        <p:style>
-          <a:lnRef idx="1">
-            <a:schemeClr val="accent1"/>
-          </a:lnRef>
-          <a:fillRef idx="0">
-            <a:schemeClr val="accent1"/>
-          </a:fillRef>
-          <a:effectRef idx="0">
-            <a:schemeClr val="accent1"/>
-          </a:effectRef>
-          <a:fontRef idx="minor">
-            <a:schemeClr val="tx1"/>
-          </a:fontRef>
-        </p:style>
-      </p:cxnSp>
-      <p:sp>
-        <p:nvSpPr>
-          <p:cNvPr id="36" name="テキスト ボックス 35"/>
-          <p:cNvSpPr txBox="1"/>
-          <p:nvPr/>
-        </p:nvSpPr>
-        <p:spPr>
-          <a:xfrm>
-            <a:off x="219495" y="211437"/>
-            <a:ext cx="5377178" cy="369332"/>
-          </a:xfrm>
-          <a:prstGeom prst="rect">
-            <a:avLst/>
-          </a:prstGeom>
-          <a:noFill/>
-        </p:spPr>
-        <p:txBody>
-          <a:bodyPr wrap="none" rtlCol="0">
-            <a:spAutoFit/>
-          </a:bodyPr>
-          <a:lstStyle/>
-          <a:p>
-            <a:r>
-              <a:rPr lang="ja-JP" altLang="en-US" dirty="0">
-                <a:latin typeface="メイリオ" panose="020B0604030504040204" pitchFamily="50" charset="-128"/>
-                <a:ea typeface="メイリオ" panose="020B0604030504040204" pitchFamily="50" charset="-128"/>
-                <a:cs typeface="メイリオ" panose="020B0604030504040204" pitchFamily="50" charset="-128"/>
-              </a:rPr>
-              <a:t>ストック管理</a:t>
-            </a:r>
-            <a:r>
-              <a:rPr lang="en-US" altLang="ja-JP" dirty="0" err="1">
-                <a:latin typeface="メイリオ" panose="020B0604030504040204" pitchFamily="50" charset="-128"/>
-                <a:ea typeface="メイリオ" panose="020B0604030504040204" pitchFamily="50" charset="-128"/>
-                <a:cs typeface="メイリオ" panose="020B0604030504040204" pitchFamily="50" charset="-128"/>
-              </a:rPr>
-              <a:t>IoT</a:t>
-            </a:r>
-            <a:r>
-              <a:rPr lang="ja-JP" altLang="en-US" dirty="0">
-                <a:latin typeface="メイリオ" panose="020B0604030504040204" pitchFamily="50" charset="-128"/>
-                <a:ea typeface="メイリオ" panose="020B0604030504040204" pitchFamily="50" charset="-128"/>
-                <a:cs typeface="メイリオ" panose="020B0604030504040204" pitchFamily="50" charset="-128"/>
-              </a:rPr>
-              <a:t>で稼ぐためのシナリオ</a:t>
-            </a:r>
-            <a:r>
-              <a:rPr lang="en-US" altLang="ja-JP" dirty="0" smtClean="0">
-                <a:latin typeface="メイリオ" panose="020B0604030504040204" pitchFamily="50" charset="-128"/>
-                <a:ea typeface="メイリオ" panose="020B0604030504040204" pitchFamily="50" charset="-128"/>
-                <a:cs typeface="メイリオ" panose="020B0604030504040204" pitchFamily="50" charset="-128"/>
-              </a:rPr>
-              <a:t>(</a:t>
-            </a:r>
-            <a:r>
-              <a:rPr lang="ja-JP" altLang="en-US" dirty="0" smtClean="0">
-                <a:latin typeface="メイリオ" panose="020B0604030504040204" pitchFamily="50" charset="-128"/>
-                <a:ea typeface="メイリオ" panose="020B0604030504040204" pitchFamily="50" charset="-128"/>
-                <a:cs typeface="メイリオ" panose="020B0604030504040204" pitchFamily="50" charset="-128"/>
-              </a:rPr>
-              <a:t>サービス</a:t>
-            </a:r>
-            <a:r>
-              <a:rPr lang="en-US" altLang="ja-JP" dirty="0" smtClean="0">
-                <a:latin typeface="メイリオ" panose="020B0604030504040204" pitchFamily="50" charset="-128"/>
-                <a:ea typeface="メイリオ" panose="020B0604030504040204" pitchFamily="50" charset="-128"/>
-                <a:cs typeface="メイリオ" panose="020B0604030504040204" pitchFamily="50" charset="-128"/>
-              </a:rPr>
-              <a:t>)</a:t>
-            </a:r>
-            <a:endParaRPr lang="en-US" altLang="ja-JP" dirty="0">
-              <a:latin typeface="メイリオ" panose="020B0604030504040204" pitchFamily="50" charset="-128"/>
-              <a:ea typeface="メイリオ" panose="020B0604030504040204" pitchFamily="50" charset="-128"/>
-              <a:cs typeface="メイリオ" panose="020B0604030504040204" pitchFamily="50" charset="-128"/>
-            </a:endParaRPr>
-          </a:p>
-        </p:txBody>
-      </p:sp>
-    </p:spTree>
-    <p:extLst>
-      <p:ext uri="{BB962C8B-B14F-4D97-AF65-F5344CB8AC3E}">
-        <p14:creationId xmlns:p14="http://schemas.microsoft.com/office/powerpoint/2010/main" val="2630925893"/>
-      </p:ext>
-    </p:extLst>
-  </p:cSld>
-  <p:clrMapOvr>
-    <a:masterClrMapping/>
-  </p:clrMapOvr>
-  <mc:AlternateContent xmlns:mc="http://schemas.openxmlformats.org/markup-compatibility/2006" xmlns:p14="http://schemas.microsoft.com/office/powerpoint/2010/main">
-    <mc:Choice Requires="p14">
-      <p:transition p14:dur="0"/>
-    </mc:Choice>
-    <mc:Fallback xmlns="">
-      <p:transition/>
-    </mc:Fallback>
-  </mc:AlternateContent>
-  <p:timing>
-    <p:tnLst>
-      <p:par>
-        <p:cTn id="1" dur="indefinite" restart="never" nodeType="tmRoot"/>
-      </p:par>
-    </p:tnLst>
-  </p:timing>
-</p:sld>
-</file>
-
 <file path=ppt/theme/theme1.xml><?xml version="1.0" encoding="utf-8"?>
 <a:theme xmlns:a="http://schemas.openxmlformats.org/drawingml/2006/main" name="Office テーマ">
   <a:themeElements>
